--- a/ActonCompiler.pptx
+++ b/ActonCompiler.pptx
@@ -5,10 +5,11 @@
     <p:sldMasterId id="2147483648" r:id="rId1"/>
   </p:sldMasterIdLst>
   <p:notesMasterIdLst>
-    <p:notesMasterId r:id="rId3"/>
+    <p:notesMasterId r:id="rId4"/>
   </p:notesMasterIdLst>
   <p:sldIdLst>
     <p:sldId id="257" r:id="rId2"/>
+    <p:sldId id="258" r:id="rId3"/>
   </p:sldIdLst>
   <p:sldSz cx="12192000" cy="6858000"/>
   <p:notesSz cx="6858000" cy="9144000"/>
@@ -107,6 +108,14 @@
       </a:defRPr>
     </a:lvl9pPr>
   </p:defaultTextStyle>
+  <p:extLst>
+    <p:ext uri="{EFAFB233-063F-42B5-8137-9DF3F51BA10A}">
+      <p15:sldGuideLst xmlns:p15="http://schemas.microsoft.com/office/powerpoint/2012/main"/>
+    </p:ext>
+    <p:ext uri="{2D200454-40CA-4A62-9FC3-DE9A4176ACB9}">
+      <p15:notesGuideLst xmlns:p15="http://schemas.microsoft.com/office/powerpoint/2012/main"/>
+    </p:ext>
+  </p:extLst>
 </p:presentation>
 </file>
 
@@ -191,7 +200,7 @@
           </a:lstStyle>
           <a:p>
             <a:fld id="{6CC016DC-6D46-D44D-B143-CCF0FE0B50F7}" type="datetimeFigureOut">
-              <a:t>11/27/19</a:t>
+              <a:t>2019-11-28</a:t>
             </a:fld>
             <a:endParaRPr lang="en-US"/>
           </a:p>
@@ -668,7 +677,7 @@
           <a:lstStyle/>
           <a:p>
             <a:fld id="{82CF4504-83CD-7C4C-A27D-DE3637908E76}" type="datetimeFigureOut">
-              <a:t>11/27/19</a:t>
+              <a:t>2019-11-28</a:t>
             </a:fld>
             <a:endParaRPr lang="en-US"/>
           </a:p>
@@ -834,7 +843,7 @@
           <a:lstStyle/>
           <a:p>
             <a:fld id="{82CF4504-83CD-7C4C-A27D-DE3637908E76}" type="datetimeFigureOut">
-              <a:t>11/27/19</a:t>
+              <a:t>2019-11-28</a:t>
             </a:fld>
             <a:endParaRPr lang="en-US"/>
           </a:p>
@@ -1010,7 +1019,7 @@
           <a:lstStyle/>
           <a:p>
             <a:fld id="{82CF4504-83CD-7C4C-A27D-DE3637908E76}" type="datetimeFigureOut">
-              <a:t>11/27/19</a:t>
+              <a:t>2019-11-28</a:t>
             </a:fld>
             <a:endParaRPr lang="en-US"/>
           </a:p>
@@ -1176,7 +1185,7 @@
           <a:lstStyle/>
           <a:p>
             <a:fld id="{82CF4504-83CD-7C4C-A27D-DE3637908E76}" type="datetimeFigureOut">
-              <a:t>11/27/19</a:t>
+              <a:t>2019-11-28</a:t>
             </a:fld>
             <a:endParaRPr lang="en-US"/>
           </a:p>
@@ -1419,7 +1428,7 @@
           <a:lstStyle/>
           <a:p>
             <a:fld id="{82CF4504-83CD-7C4C-A27D-DE3637908E76}" type="datetimeFigureOut">
-              <a:t>11/27/19</a:t>
+              <a:t>2019-11-28</a:t>
             </a:fld>
             <a:endParaRPr lang="en-US"/>
           </a:p>
@@ -1646,7 +1655,7 @@
           <a:lstStyle/>
           <a:p>
             <a:fld id="{82CF4504-83CD-7C4C-A27D-DE3637908E76}" type="datetimeFigureOut">
-              <a:t>11/27/19</a:t>
+              <a:t>2019-11-28</a:t>
             </a:fld>
             <a:endParaRPr lang="en-US"/>
           </a:p>
@@ -2008,7 +2017,7 @@
           <a:lstStyle/>
           <a:p>
             <a:fld id="{82CF4504-83CD-7C4C-A27D-DE3637908E76}" type="datetimeFigureOut">
-              <a:t>11/27/19</a:t>
+              <a:t>2019-11-28</a:t>
             </a:fld>
             <a:endParaRPr lang="en-US"/>
           </a:p>
@@ -2123,7 +2132,7 @@
           <a:lstStyle/>
           <a:p>
             <a:fld id="{82CF4504-83CD-7C4C-A27D-DE3637908E76}" type="datetimeFigureOut">
-              <a:t>11/27/19</a:t>
+              <a:t>2019-11-28</a:t>
             </a:fld>
             <a:endParaRPr lang="en-US"/>
           </a:p>
@@ -2216,7 +2225,7 @@
           <a:lstStyle/>
           <a:p>
             <a:fld id="{82CF4504-83CD-7C4C-A27D-DE3637908E76}" type="datetimeFigureOut">
-              <a:t>11/27/19</a:t>
+              <a:t>2019-11-28</a:t>
             </a:fld>
             <a:endParaRPr lang="en-US"/>
           </a:p>
@@ -2489,7 +2498,7 @@
           <a:lstStyle/>
           <a:p>
             <a:fld id="{82CF4504-83CD-7C4C-A27D-DE3637908E76}" type="datetimeFigureOut">
-              <a:t>11/27/19</a:t>
+              <a:t>2019-11-28</a:t>
             </a:fld>
             <a:endParaRPr lang="en-US"/>
           </a:p>
@@ -2739,7 +2748,7 @@
           <a:lstStyle/>
           <a:p>
             <a:fld id="{82CF4504-83CD-7C4C-A27D-DE3637908E76}" type="datetimeFigureOut">
-              <a:t>11/27/19</a:t>
+              <a:t>2019-11-28</a:t>
             </a:fld>
             <a:endParaRPr lang="en-US"/>
           </a:p>
@@ -2948,7 +2957,7 @@
           </a:lstStyle>
           <a:p>
             <a:fld id="{82CF4504-83CD-7C4C-A27D-DE3637908E76}" type="datetimeFigureOut">
-              <a:t>11/27/19</a:t>
+              <a:t>2019-11-28</a:t>
             </a:fld>
             <a:endParaRPr lang="en-US"/>
           </a:p>
@@ -5954,6 +5963,1761 @@
       </p:par>
     </p:tnLst>
   </p:timing>
+</p:sld>
+</file>
+
+<file path=ppt/slides/slide2.xml><?xml version="1.0" encoding="utf-8"?>
+<p:sld xmlns:a="http://schemas.openxmlformats.org/drawingml/2006/main" xmlns:r="http://schemas.openxmlformats.org/officeDocument/2006/relationships" xmlns:p="http://schemas.openxmlformats.org/presentationml/2006/main">
+  <p:cSld>
+    <p:spTree>
+      <p:nvGrpSpPr>
+        <p:cNvPr id="1" name=""/>
+        <p:cNvGrpSpPr/>
+        <p:nvPr/>
+      </p:nvGrpSpPr>
+      <p:grpSpPr>
+        <a:xfrm>
+          <a:off x="0" y="0"/>
+          <a:ext cx="0" cy="0"/>
+          <a:chOff x="0" y="0"/>
+          <a:chExt cx="0" cy="0"/>
+        </a:xfrm>
+      </p:grpSpPr>
+      <p:sp>
+        <p:nvSpPr>
+          <p:cNvPr id="3" name="Content Placeholder 2"/>
+          <p:cNvSpPr>
+            <a:spLocks noGrp="1"/>
+          </p:cNvSpPr>
+          <p:nvPr>
+            <p:ph idx="1"/>
+          </p:nvPr>
+        </p:nvSpPr>
+        <p:spPr>
+          <a:xfrm>
+            <a:off x="838200" y="1402295"/>
+            <a:ext cx="4360333" cy="4992864"/>
+          </a:xfrm>
+          <a:ln>
+            <a:solidFill>
+              <a:schemeClr val="tx1"/>
+            </a:solidFill>
+          </a:ln>
+        </p:spPr>
+        <p:txBody>
+          <a:bodyPr>
+            <a:normAutofit/>
+          </a:bodyPr>
+          <a:lstStyle/>
+          <a:p>
+            <a:pPr marL="0" indent="0">
+              <a:lnSpc>
+                <a:spcPct val="100000"/>
+              </a:lnSpc>
+              <a:spcBef>
+                <a:spcPts val="0"/>
+              </a:spcBef>
+              <a:buNone/>
+            </a:pPr>
+            <a:r>
+              <a:rPr lang="en-US" sz="1200" b="1"/>
+              <a:t>import</a:t>
+            </a:r>
+            <a:r>
+              <a:rPr lang="en-US" sz="1200"/>
+              <a:t> netconf</a:t>
+            </a:r>
+          </a:p>
+          <a:p>
+            <a:pPr marL="0" indent="0">
+              <a:lnSpc>
+                <a:spcPct val="100000"/>
+              </a:lnSpc>
+              <a:spcBef>
+                <a:spcPts val="0"/>
+              </a:spcBef>
+              <a:buNone/>
+            </a:pPr>
+            <a:endParaRPr lang="en-US" sz="1200"/>
+          </a:p>
+          <a:p>
+            <a:pPr marL="0" indent="0">
+              <a:lnSpc>
+                <a:spcPct val="100000"/>
+              </a:lnSpc>
+              <a:spcBef>
+                <a:spcPts val="0"/>
+              </a:spcBef>
+              <a:buNone/>
+            </a:pPr>
+            <a:r>
+              <a:rPr lang="en-US" sz="1200" b="1"/>
+              <a:t>def</a:t>
+            </a:r>
+            <a:r>
+              <a:rPr lang="en-US" sz="1200"/>
+              <a:t> compute(</a:t>
+            </a:r>
+            <a:r>
+              <a:rPr lang="en-US" sz="1200" i="1"/>
+              <a:t>setting</a:t>
+            </a:r>
+            <a:r>
+              <a:rPr lang="en-US" sz="1200"/>
+              <a:t>, </a:t>
+            </a:r>
+            <a:r>
+              <a:rPr lang="en-US" sz="1200" i="1"/>
+              <a:t>newval</a:t>
+            </a:r>
+            <a:r>
+              <a:rPr lang="en-US" sz="1200"/>
+              <a:t>):</a:t>
+            </a:r>
+          </a:p>
+          <a:p>
+            <a:pPr marL="0" indent="0">
+              <a:lnSpc>
+                <a:spcPct val="100000"/>
+              </a:lnSpc>
+              <a:spcBef>
+                <a:spcPts val="0"/>
+              </a:spcBef>
+              <a:buNone/>
+            </a:pPr>
+            <a:r>
+              <a:rPr lang="en-US" sz="1200"/>
+              <a:t>    </a:t>
+            </a:r>
+            <a:r>
+              <a:rPr lang="en-US" sz="1200" b="1"/>
+              <a:t>return</a:t>
+            </a:r>
+            <a:r>
+              <a:rPr lang="en-US" sz="1200"/>
+              <a:t> (</a:t>
+            </a:r>
+            <a:r>
+              <a:rPr lang="en-US" sz="1200" i="1"/>
+              <a:t>setting</a:t>
+            </a:r>
+            <a:r>
+              <a:rPr lang="en-US" sz="1200"/>
+              <a:t> + </a:t>
+            </a:r>
+            <a:r>
+              <a:rPr lang="en-US" sz="1200" i="1"/>
+              <a:t>newval</a:t>
+            </a:r>
+            <a:r>
+              <a:rPr lang="en-US" sz="1200"/>
+              <a:t>) // 2</a:t>
+            </a:r>
+          </a:p>
+          <a:p>
+            <a:pPr marL="0" indent="0">
+              <a:lnSpc>
+                <a:spcPct val="100000"/>
+              </a:lnSpc>
+              <a:spcBef>
+                <a:spcPts val="0"/>
+              </a:spcBef>
+              <a:buNone/>
+            </a:pPr>
+            <a:endParaRPr lang="en-US" sz="1200"/>
+          </a:p>
+          <a:p>
+            <a:pPr marL="0" indent="0">
+              <a:lnSpc>
+                <a:spcPct val="100000"/>
+              </a:lnSpc>
+              <a:spcBef>
+                <a:spcPts val="0"/>
+              </a:spcBef>
+              <a:buNone/>
+            </a:pPr>
+            <a:r>
+              <a:rPr lang="en-US" sz="1200" b="1"/>
+              <a:t>actor</a:t>
+            </a:r>
+            <a:r>
+              <a:rPr lang="en-US" sz="1200"/>
+              <a:t> Controller(</a:t>
+            </a:r>
+            <a:r>
+              <a:rPr lang="en-US" sz="1200" i="1"/>
+              <a:t>env</a:t>
+            </a:r>
+            <a:r>
+              <a:rPr lang="en-US" sz="1200"/>
+              <a:t>, </a:t>
+            </a:r>
+            <a:r>
+              <a:rPr lang="en-US" sz="1200" i="1"/>
+              <a:t>address</a:t>
+            </a:r>
+            <a:r>
+              <a:rPr lang="en-US" sz="1200"/>
+              <a:t>, </a:t>
+            </a:r>
+            <a:r>
+              <a:rPr lang="en-US" sz="1200" i="1"/>
+              <a:t>port</a:t>
+            </a:r>
+            <a:r>
+              <a:rPr lang="en-US" sz="1200"/>
+              <a:t>):        </a:t>
+            </a:r>
+          </a:p>
+          <a:p>
+            <a:pPr marL="0" indent="0">
+              <a:lnSpc>
+                <a:spcPct val="100000"/>
+              </a:lnSpc>
+              <a:spcBef>
+                <a:spcPts val="0"/>
+              </a:spcBef>
+              <a:buNone/>
+            </a:pPr>
+            <a:r>
+              <a:rPr lang="en-US" sz="1200"/>
+              <a:t>    </a:t>
+            </a:r>
+            <a:r>
+              <a:rPr lang="en-US" sz="1200" b="1"/>
+              <a:t>var</a:t>
+            </a:r>
+            <a:r>
+              <a:rPr lang="en-US" sz="1200"/>
+              <a:t> </a:t>
+            </a:r>
+            <a:r>
+              <a:rPr lang="en-US" sz="1200" i="1"/>
+              <a:t>nc</a:t>
+            </a:r>
+            <a:r>
+              <a:rPr lang="en-US" sz="1200"/>
+              <a:t> = None</a:t>
+            </a:r>
+          </a:p>
+          <a:p>
+            <a:pPr marL="0" indent="0">
+              <a:lnSpc>
+                <a:spcPct val="100000"/>
+              </a:lnSpc>
+              <a:spcBef>
+                <a:spcPts val="0"/>
+              </a:spcBef>
+              <a:buNone/>
+            </a:pPr>
+            <a:r>
+              <a:rPr lang="en-US" sz="1200"/>
+              <a:t>    </a:t>
+            </a:r>
+            <a:r>
+              <a:rPr lang="en-US" sz="1200" b="1"/>
+              <a:t>var</a:t>
+            </a:r>
+            <a:r>
+              <a:rPr lang="en-US" sz="1200"/>
+              <a:t> </a:t>
+            </a:r>
+            <a:r>
+              <a:rPr lang="en-US" sz="1200" i="1"/>
+              <a:t>state</a:t>
+            </a:r>
+            <a:r>
+              <a:rPr lang="en-US" sz="1200"/>
+              <a:t> = </a:t>
+            </a:r>
+            <a:r>
+              <a:rPr lang="en-US" sz="1200">
+                <a:solidFill>
+                  <a:schemeClr val="accent2"/>
+                </a:solidFill>
+              </a:rPr>
+              <a:t>'IDLE'</a:t>
+            </a:r>
+          </a:p>
+          <a:p>
+            <a:pPr marL="0" indent="0">
+              <a:lnSpc>
+                <a:spcPct val="100000"/>
+              </a:lnSpc>
+              <a:spcBef>
+                <a:spcPts val="0"/>
+              </a:spcBef>
+              <a:buNone/>
+            </a:pPr>
+            <a:r>
+              <a:rPr lang="en-US" sz="1200"/>
+              <a:t>    </a:t>
+            </a:r>
+            <a:r>
+              <a:rPr lang="en-US" sz="1200" b="1"/>
+              <a:t>var</a:t>
+            </a:r>
+            <a:r>
+              <a:rPr lang="en-US" sz="1200"/>
+              <a:t> </a:t>
+            </a:r>
+            <a:r>
+              <a:rPr lang="en-US" sz="1200" i="1"/>
+              <a:t>setting</a:t>
+            </a:r>
+            <a:r>
+              <a:rPr lang="en-US" sz="1200"/>
+              <a:t> = 0</a:t>
+            </a:r>
+          </a:p>
+          <a:p>
+            <a:pPr marL="0" indent="0">
+              <a:lnSpc>
+                <a:spcPct val="100000"/>
+              </a:lnSpc>
+              <a:spcBef>
+                <a:spcPts val="0"/>
+              </a:spcBef>
+              <a:buNone/>
+            </a:pPr>
+            <a:endParaRPr lang="en-US" sz="1200"/>
+          </a:p>
+          <a:p>
+            <a:pPr marL="0" indent="0">
+              <a:lnSpc>
+                <a:spcPct val="100000"/>
+              </a:lnSpc>
+              <a:spcBef>
+                <a:spcPts val="0"/>
+              </a:spcBef>
+              <a:buNone/>
+            </a:pPr>
+            <a:r>
+              <a:rPr lang="en-US" sz="1200"/>
+              <a:t>    </a:t>
+            </a:r>
+            <a:r>
+              <a:rPr lang="en-US" sz="1200" b="1"/>
+              <a:t>def </a:t>
+            </a:r>
+            <a:r>
+              <a:rPr lang="en-US" sz="1200"/>
+              <a:t>restart(</a:t>
+            </a:r>
+            <a:r>
+              <a:rPr lang="en-US" sz="1200" i="1"/>
+              <a:t>what</a:t>
+            </a:r>
+            <a:r>
+              <a:rPr lang="en-US" sz="1200"/>
+              <a:t>):</a:t>
+            </a:r>
+          </a:p>
+          <a:p>
+            <a:pPr marL="0" indent="0">
+              <a:lnSpc>
+                <a:spcPct val="100000"/>
+              </a:lnSpc>
+              <a:spcBef>
+                <a:spcPts val="0"/>
+              </a:spcBef>
+              <a:buNone/>
+            </a:pPr>
+            <a:r>
+              <a:rPr lang="en-US" sz="1200"/>
+              <a:t>        </a:t>
+            </a:r>
+            <a:r>
+              <a:rPr lang="en-US" sz="1200" b="1"/>
+              <a:t>if</a:t>
+            </a:r>
+            <a:r>
+              <a:rPr lang="en-US" sz="1200"/>
+              <a:t> </a:t>
+            </a:r>
+            <a:r>
+              <a:rPr lang="en-US" sz="1200" i="1"/>
+              <a:t>nc</a:t>
+            </a:r>
+            <a:r>
+              <a:rPr lang="en-US" sz="1200"/>
+              <a:t> != None:</a:t>
+            </a:r>
+          </a:p>
+          <a:p>
+            <a:pPr marL="0" indent="0">
+              <a:lnSpc>
+                <a:spcPct val="100000"/>
+              </a:lnSpc>
+              <a:spcBef>
+                <a:spcPts val="0"/>
+              </a:spcBef>
+              <a:buNone/>
+            </a:pPr>
+            <a:r>
+              <a:rPr lang="en-US" sz="1200"/>
+              <a:t>            </a:t>
+            </a:r>
+            <a:r>
+              <a:rPr lang="en-US" sz="1200" i="1"/>
+              <a:t>nc</a:t>
+            </a:r>
+            <a:r>
+              <a:rPr lang="en-US" sz="1200"/>
+              <a:t>.abort()</a:t>
+            </a:r>
+          </a:p>
+          <a:p>
+            <a:pPr marL="0" indent="0">
+              <a:lnSpc>
+                <a:spcPct val="100000"/>
+              </a:lnSpc>
+              <a:spcBef>
+                <a:spcPts val="0"/>
+              </a:spcBef>
+              <a:buNone/>
+            </a:pPr>
+            <a:r>
+              <a:rPr lang="en-US" sz="1200"/>
+              <a:t>            </a:t>
+            </a:r>
+            <a:r>
+              <a:rPr lang="en-US" sz="1200" i="1"/>
+              <a:t>nc</a:t>
+            </a:r>
+            <a:r>
+              <a:rPr lang="en-US" sz="1200"/>
+              <a:t> = None</a:t>
+            </a:r>
+          </a:p>
+          <a:p>
+            <a:pPr marL="0" indent="0">
+              <a:lnSpc>
+                <a:spcPct val="100000"/>
+              </a:lnSpc>
+              <a:spcBef>
+                <a:spcPts val="0"/>
+              </a:spcBef>
+              <a:buNone/>
+            </a:pPr>
+            <a:r>
+              <a:rPr lang="en-US" sz="1200"/>
+              <a:t>        netconf.connect(</a:t>
+            </a:r>
+            <a:r>
+              <a:rPr lang="en-US" sz="1200" i="1"/>
+              <a:t>env</a:t>
+            </a:r>
+            <a:r>
+              <a:rPr lang="en-US" sz="1200"/>
+              <a:t>, </a:t>
+            </a:r>
+            <a:r>
+              <a:rPr lang="en-US" sz="1200" i="1"/>
+              <a:t>address</a:t>
+            </a:r>
+            <a:r>
+              <a:rPr lang="en-US" sz="1200"/>
+              <a:t>, </a:t>
+            </a:r>
+            <a:r>
+              <a:rPr lang="en-US" sz="1200" i="1"/>
+              <a:t>port</a:t>
+            </a:r>
+            <a:r>
+              <a:rPr lang="en-US" sz="1200"/>
+              <a:t>, established, error)</a:t>
+            </a:r>
+          </a:p>
+          <a:p>
+            <a:pPr marL="0" indent="0">
+              <a:lnSpc>
+                <a:spcPct val="100000"/>
+              </a:lnSpc>
+              <a:spcBef>
+                <a:spcPts val="0"/>
+              </a:spcBef>
+              <a:buNone/>
+            </a:pPr>
+            <a:r>
+              <a:rPr lang="en-US" sz="1200"/>
+              <a:t>        </a:t>
+            </a:r>
+            <a:r>
+              <a:rPr lang="en-US" sz="1200" i="1"/>
+              <a:t>state</a:t>
+            </a:r>
+            <a:r>
+              <a:rPr lang="en-US" sz="1200"/>
+              <a:t> = </a:t>
+            </a:r>
+            <a:r>
+              <a:rPr lang="en-US" sz="1200">
+                <a:solidFill>
+                  <a:schemeClr val="accent2"/>
+                </a:solidFill>
+              </a:rPr>
+              <a:t>'IDLE'</a:t>
+            </a:r>
+          </a:p>
+          <a:p>
+            <a:pPr marL="0" indent="0">
+              <a:lnSpc>
+                <a:spcPct val="100000"/>
+              </a:lnSpc>
+              <a:spcBef>
+                <a:spcPts val="0"/>
+              </a:spcBef>
+              <a:buNone/>
+            </a:pPr>
+            <a:r>
+              <a:rPr lang="en-US" sz="1200"/>
+              <a:t>        print(</a:t>
+            </a:r>
+            <a:r>
+              <a:rPr lang="en-US" sz="1200">
+                <a:solidFill>
+                  <a:schemeClr val="accent2"/>
+                </a:solidFill>
+              </a:rPr>
+              <a:t>'Controller'</a:t>
+            </a:r>
+            <a:r>
+              <a:rPr lang="en-US" sz="1200"/>
+              <a:t>, str(</a:t>
+            </a:r>
+            <a:r>
+              <a:rPr lang="en-US" sz="1200" i="1"/>
+              <a:t>address</a:t>
+            </a:r>
+            <a:r>
+              <a:rPr lang="en-US" sz="1200"/>
+              <a:t>) + </a:t>
+            </a:r>
+            <a:r>
+              <a:rPr lang="en-US" sz="1200">
+                <a:solidFill>
+                  <a:schemeClr val="accent2"/>
+                </a:solidFill>
+              </a:rPr>
+              <a:t>':'</a:t>
+            </a:r>
+            <a:r>
+              <a:rPr lang="en-US" sz="1200"/>
+              <a:t> + str(</a:t>
+            </a:r>
+            <a:r>
+              <a:rPr lang="en-US" sz="1200" i="1"/>
+              <a:t>port</a:t>
+            </a:r>
+            <a:r>
+              <a:rPr lang="en-US" sz="1200"/>
+              <a:t>), </a:t>
+            </a:r>
+            <a:r>
+              <a:rPr lang="en-US" sz="1200" i="1"/>
+              <a:t>what</a:t>
+            </a:r>
+            <a:r>
+              <a:rPr lang="en-US" sz="1200"/>
+              <a:t>)</a:t>
+            </a:r>
+          </a:p>
+          <a:p>
+            <a:pPr marL="0" indent="0">
+              <a:lnSpc>
+                <a:spcPct val="100000"/>
+              </a:lnSpc>
+              <a:spcBef>
+                <a:spcPts val="0"/>
+              </a:spcBef>
+              <a:buNone/>
+            </a:pPr>
+            <a:endParaRPr lang="sv-SE" sz="1200"/>
+          </a:p>
+          <a:p>
+            <a:pPr marL="0" indent="0">
+              <a:lnSpc>
+                <a:spcPct val="100000"/>
+              </a:lnSpc>
+              <a:spcBef>
+                <a:spcPts val="0"/>
+              </a:spcBef>
+              <a:buNone/>
+            </a:pPr>
+            <a:r>
+              <a:rPr lang="en-US" sz="1200"/>
+              <a:t>    </a:t>
+            </a:r>
+            <a:r>
+              <a:rPr lang="sv-SE" sz="1200" b="1"/>
+              <a:t>async</a:t>
+            </a:r>
+            <a:r>
+              <a:rPr lang="sv-SE" sz="1200"/>
+              <a:t> </a:t>
+            </a:r>
+            <a:r>
+              <a:rPr lang="sv-SE" sz="1200" b="1"/>
+              <a:t>def </a:t>
+            </a:r>
+            <a:r>
+              <a:rPr lang="mr-IN" sz="1200"/>
+              <a:t>established(</a:t>
+            </a:r>
+            <a:r>
+              <a:rPr lang="mr-IN" sz="1200" i="1"/>
+              <a:t>sess</a:t>
+            </a:r>
+            <a:r>
+              <a:rPr lang="sv-SE" sz="1200" i="1"/>
+              <a:t>ion</a:t>
+            </a:r>
+            <a:r>
+              <a:rPr lang="mr-IN" sz="1200"/>
+              <a:t>):</a:t>
+            </a:r>
+            <a:endParaRPr lang="sv-SE" sz="1200"/>
+          </a:p>
+          <a:p>
+            <a:pPr marL="0" indent="0">
+              <a:lnSpc>
+                <a:spcPct val="100000"/>
+              </a:lnSpc>
+              <a:spcBef>
+                <a:spcPts val="0"/>
+              </a:spcBef>
+              <a:buNone/>
+            </a:pPr>
+            <a:r>
+              <a:rPr lang="en-US" sz="1200"/>
+              <a:t>        </a:t>
+            </a:r>
+            <a:r>
+              <a:rPr lang="mr-IN" sz="1200" b="1"/>
+              <a:t>if</a:t>
+            </a:r>
+            <a:r>
+              <a:rPr lang="sv-SE" sz="1200"/>
+              <a:t> </a:t>
+            </a:r>
+            <a:r>
+              <a:rPr lang="mr-IN" sz="1200" i="1"/>
+              <a:t>sess</a:t>
+            </a:r>
+            <a:r>
+              <a:rPr lang="sv-SE" sz="1200" i="1"/>
+              <a:t>ion</a:t>
+            </a:r>
+            <a:r>
+              <a:rPr lang="en-US" sz="1200"/>
+              <a:t> != </a:t>
+            </a:r>
+            <a:r>
+              <a:rPr lang="mr-IN" sz="1200"/>
+              <a:t>None:</a:t>
+            </a:r>
+            <a:endParaRPr lang="sv-SE" sz="1200"/>
+          </a:p>
+          <a:p>
+            <a:pPr marL="0" indent="0">
+              <a:lnSpc>
+                <a:spcPct val="100000"/>
+              </a:lnSpc>
+              <a:spcBef>
+                <a:spcPts val="0"/>
+              </a:spcBef>
+              <a:buNone/>
+            </a:pPr>
+            <a:r>
+              <a:rPr lang="sv-SE" sz="1200"/>
+              <a:t>            </a:t>
+            </a:r>
+            <a:r>
+              <a:rPr lang="mr-IN" sz="1200" i="1"/>
+              <a:t>nc</a:t>
+            </a:r>
+            <a:r>
+              <a:rPr lang="en-US" sz="1200"/>
+              <a:t> = </a:t>
+            </a:r>
+            <a:r>
+              <a:rPr lang="mr-IN" sz="1200" i="1"/>
+              <a:t>sess</a:t>
+            </a:r>
+            <a:r>
+              <a:rPr lang="sv-SE" sz="1200" i="1"/>
+              <a:t>ion</a:t>
+            </a:r>
+          </a:p>
+          <a:p>
+            <a:pPr marL="0" indent="0">
+              <a:lnSpc>
+                <a:spcPct val="100000"/>
+              </a:lnSpc>
+              <a:spcBef>
+                <a:spcPts val="0"/>
+              </a:spcBef>
+              <a:buNone/>
+            </a:pPr>
+            <a:r>
+              <a:rPr lang="sv-SE" sz="1200"/>
+              <a:t>            </a:t>
+            </a:r>
+            <a:r>
+              <a:rPr lang="mr-IN" sz="1200" b="1"/>
+              <a:t>postpone</a:t>
+            </a:r>
+            <a:r>
+              <a:rPr lang="mr-IN" sz="1200"/>
+              <a:t>(10, tick)</a:t>
+            </a:r>
+            <a:endParaRPr lang="sv-SE" sz="1200"/>
+          </a:p>
+          <a:p>
+            <a:pPr marL="0" indent="0">
+              <a:lnSpc>
+                <a:spcPct val="100000"/>
+              </a:lnSpc>
+              <a:spcBef>
+                <a:spcPts val="0"/>
+              </a:spcBef>
+              <a:buNone/>
+            </a:pPr>
+            <a:r>
+              <a:rPr lang="en-US" sz="1200"/>
+              <a:t>        </a:t>
+            </a:r>
+            <a:r>
+              <a:rPr lang="mr-IN" sz="1200" b="1"/>
+              <a:t>else</a:t>
+            </a:r>
+            <a:r>
+              <a:rPr lang="mr-IN" sz="1200"/>
+              <a:t>:</a:t>
+            </a:r>
+            <a:endParaRPr lang="sv-SE" sz="1200"/>
+          </a:p>
+          <a:p>
+            <a:pPr marL="0" indent="0">
+              <a:lnSpc>
+                <a:spcPct val="100000"/>
+              </a:lnSpc>
+              <a:spcBef>
+                <a:spcPts val="0"/>
+              </a:spcBef>
+              <a:buNone/>
+            </a:pPr>
+            <a:r>
+              <a:rPr lang="mr-IN" sz="1200"/>
+              <a:t>            restart(</a:t>
+            </a:r>
+            <a:r>
+              <a:rPr lang="mr-IN" sz="1200">
+                <a:solidFill>
+                  <a:schemeClr val="accent2"/>
+                </a:solidFill>
+              </a:rPr>
+              <a:t>'connection failure'</a:t>
+            </a:r>
+            <a:r>
+              <a:rPr lang="mr-IN" sz="1200"/>
+              <a:t>)</a:t>
+            </a:r>
+            <a:endParaRPr lang="sv-SE" sz="1200"/>
+          </a:p>
+          <a:p>
+            <a:pPr marL="0" indent="0">
+              <a:lnSpc>
+                <a:spcPct val="100000"/>
+              </a:lnSpc>
+              <a:spcBef>
+                <a:spcPts val="0"/>
+              </a:spcBef>
+              <a:buNone/>
+            </a:pPr>
+            <a:endParaRPr lang="sv-SE" sz="1200"/>
+          </a:p>
+          <a:p>
+            <a:pPr marL="0" indent="0">
+              <a:lnSpc>
+                <a:spcPct val="100000"/>
+              </a:lnSpc>
+              <a:spcBef>
+                <a:spcPts val="0"/>
+              </a:spcBef>
+              <a:buNone/>
+            </a:pPr>
+            <a:r>
+              <a:rPr lang="sv-SE" sz="1200"/>
+              <a:t>    ...</a:t>
+            </a:r>
+          </a:p>
+        </p:txBody>
+      </p:sp>
+      <p:sp>
+        <p:nvSpPr>
+          <p:cNvPr id="4" name="Content Placeholder 2"/>
+          <p:cNvSpPr txBox="1">
+            <a:spLocks/>
+          </p:cNvSpPr>
+          <p:nvPr/>
+        </p:nvSpPr>
+        <p:spPr>
+          <a:xfrm>
+            <a:off x="6838246" y="1402295"/>
+            <a:ext cx="4360333" cy="4992864"/>
+          </a:xfrm>
+          <a:prstGeom prst="rect">
+            <a:avLst/>
+          </a:prstGeom>
+          <a:ln>
+            <a:solidFill>
+              <a:schemeClr val="tx1"/>
+            </a:solidFill>
+          </a:ln>
+        </p:spPr>
+        <p:txBody>
+          <a:bodyPr vert="horz" lIns="91440" tIns="45720" rIns="91440" bIns="45720" rtlCol="0">
+            <a:normAutofit/>
+          </a:bodyPr>
+          <a:lstStyle>
+            <a:lvl1pPr marL="228600" indent="-228600" algn="l" defTabSz="914400" rtl="0" eaLnBrk="1" latinLnBrk="0" hangingPunct="1">
+              <a:lnSpc>
+                <a:spcPct val="90000"/>
+              </a:lnSpc>
+              <a:spcBef>
+                <a:spcPts val="1000"/>
+              </a:spcBef>
+              <a:buFont typeface="Arial"/>
+              <a:buChar char="•"/>
+              <a:defRPr sz="2800" kern="1200">
+                <a:solidFill>
+                  <a:schemeClr val="tx1"/>
+                </a:solidFill>
+                <a:latin typeface="+mn-lt"/>
+                <a:ea typeface="+mn-ea"/>
+                <a:cs typeface="+mn-cs"/>
+              </a:defRPr>
+            </a:lvl1pPr>
+            <a:lvl2pPr marL="685800" indent="-228600" algn="l" defTabSz="914400" rtl="0" eaLnBrk="1" latinLnBrk="0" hangingPunct="1">
+              <a:lnSpc>
+                <a:spcPct val="90000"/>
+              </a:lnSpc>
+              <a:spcBef>
+                <a:spcPts val="500"/>
+              </a:spcBef>
+              <a:buFont typeface="Arial"/>
+              <a:buChar char="•"/>
+              <a:defRPr sz="2400" kern="1200">
+                <a:solidFill>
+                  <a:schemeClr val="tx1"/>
+                </a:solidFill>
+                <a:latin typeface="+mn-lt"/>
+                <a:ea typeface="+mn-ea"/>
+                <a:cs typeface="+mn-cs"/>
+              </a:defRPr>
+            </a:lvl2pPr>
+            <a:lvl3pPr marL="1143000" indent="-228600" algn="l" defTabSz="914400" rtl="0" eaLnBrk="1" latinLnBrk="0" hangingPunct="1">
+              <a:lnSpc>
+                <a:spcPct val="90000"/>
+              </a:lnSpc>
+              <a:spcBef>
+                <a:spcPts val="500"/>
+              </a:spcBef>
+              <a:buFont typeface="Arial"/>
+              <a:buChar char="•"/>
+              <a:defRPr sz="2000" kern="1200">
+                <a:solidFill>
+                  <a:schemeClr val="tx1"/>
+                </a:solidFill>
+                <a:latin typeface="+mn-lt"/>
+                <a:ea typeface="+mn-ea"/>
+                <a:cs typeface="+mn-cs"/>
+              </a:defRPr>
+            </a:lvl3pPr>
+            <a:lvl4pPr marL="1600200" indent="-228600" algn="l" defTabSz="914400" rtl="0" eaLnBrk="1" latinLnBrk="0" hangingPunct="1">
+              <a:lnSpc>
+                <a:spcPct val="90000"/>
+              </a:lnSpc>
+              <a:spcBef>
+                <a:spcPts val="500"/>
+              </a:spcBef>
+              <a:buFont typeface="Arial"/>
+              <a:buChar char="•"/>
+              <a:defRPr sz="1800" kern="1200">
+                <a:solidFill>
+                  <a:schemeClr val="tx1"/>
+                </a:solidFill>
+                <a:latin typeface="+mn-lt"/>
+                <a:ea typeface="+mn-ea"/>
+                <a:cs typeface="+mn-cs"/>
+              </a:defRPr>
+            </a:lvl4pPr>
+            <a:lvl5pPr marL="2057400" indent="-228600" algn="l" defTabSz="914400" rtl="0" eaLnBrk="1" latinLnBrk="0" hangingPunct="1">
+              <a:lnSpc>
+                <a:spcPct val="90000"/>
+              </a:lnSpc>
+              <a:spcBef>
+                <a:spcPts val="500"/>
+              </a:spcBef>
+              <a:buFont typeface="Arial"/>
+              <a:buChar char="•"/>
+              <a:defRPr sz="1800" kern="1200">
+                <a:solidFill>
+                  <a:schemeClr val="tx1"/>
+                </a:solidFill>
+                <a:latin typeface="+mn-lt"/>
+                <a:ea typeface="+mn-ea"/>
+                <a:cs typeface="+mn-cs"/>
+              </a:defRPr>
+            </a:lvl5pPr>
+            <a:lvl6pPr marL="2514600" indent="-228600" algn="l" defTabSz="914400" rtl="0" eaLnBrk="1" latinLnBrk="0" hangingPunct="1">
+              <a:lnSpc>
+                <a:spcPct val="90000"/>
+              </a:lnSpc>
+              <a:spcBef>
+                <a:spcPts val="500"/>
+              </a:spcBef>
+              <a:buFont typeface="Arial"/>
+              <a:buChar char="•"/>
+              <a:defRPr sz="1800" kern="1200">
+                <a:solidFill>
+                  <a:schemeClr val="tx1"/>
+                </a:solidFill>
+                <a:latin typeface="+mn-lt"/>
+                <a:ea typeface="+mn-ea"/>
+                <a:cs typeface="+mn-cs"/>
+              </a:defRPr>
+            </a:lvl6pPr>
+            <a:lvl7pPr marL="2971800" indent="-228600" algn="l" defTabSz="914400" rtl="0" eaLnBrk="1" latinLnBrk="0" hangingPunct="1">
+              <a:lnSpc>
+                <a:spcPct val="90000"/>
+              </a:lnSpc>
+              <a:spcBef>
+                <a:spcPts val="500"/>
+              </a:spcBef>
+              <a:buFont typeface="Arial"/>
+              <a:buChar char="•"/>
+              <a:defRPr sz="1800" kern="1200">
+                <a:solidFill>
+                  <a:schemeClr val="tx1"/>
+                </a:solidFill>
+                <a:latin typeface="+mn-lt"/>
+                <a:ea typeface="+mn-ea"/>
+                <a:cs typeface="+mn-cs"/>
+              </a:defRPr>
+            </a:lvl7pPr>
+            <a:lvl8pPr marL="3429000" indent="-228600" algn="l" defTabSz="914400" rtl="0" eaLnBrk="1" latinLnBrk="0" hangingPunct="1">
+              <a:lnSpc>
+                <a:spcPct val="90000"/>
+              </a:lnSpc>
+              <a:spcBef>
+                <a:spcPts val="500"/>
+              </a:spcBef>
+              <a:buFont typeface="Arial"/>
+              <a:buChar char="•"/>
+              <a:defRPr sz="1800" kern="1200">
+                <a:solidFill>
+                  <a:schemeClr val="tx1"/>
+                </a:solidFill>
+                <a:latin typeface="+mn-lt"/>
+                <a:ea typeface="+mn-ea"/>
+                <a:cs typeface="+mn-cs"/>
+              </a:defRPr>
+            </a:lvl8pPr>
+            <a:lvl9pPr marL="3886200" indent="-228600" algn="l" defTabSz="914400" rtl="0" eaLnBrk="1" latinLnBrk="0" hangingPunct="1">
+              <a:lnSpc>
+                <a:spcPct val="90000"/>
+              </a:lnSpc>
+              <a:spcBef>
+                <a:spcPts val="500"/>
+              </a:spcBef>
+              <a:buFont typeface="Arial"/>
+              <a:buChar char="•"/>
+              <a:defRPr sz="1800" kern="1200">
+                <a:solidFill>
+                  <a:schemeClr val="tx1"/>
+                </a:solidFill>
+                <a:latin typeface="+mn-lt"/>
+                <a:ea typeface="+mn-ea"/>
+                <a:cs typeface="+mn-cs"/>
+              </a:defRPr>
+            </a:lvl9pPr>
+          </a:lstStyle>
+          <a:p>
+            <a:pPr marL="0" indent="0">
+              <a:lnSpc>
+                <a:spcPct val="100000"/>
+              </a:lnSpc>
+              <a:spcBef>
+                <a:spcPts val="0"/>
+              </a:spcBef>
+              <a:buNone/>
+            </a:pPr>
+            <a:endParaRPr lang="sv-SE" sz="1200"/>
+          </a:p>
+          <a:p>
+            <a:pPr marL="0" indent="0">
+              <a:lnSpc>
+                <a:spcPct val="100000"/>
+              </a:lnSpc>
+              <a:spcBef>
+                <a:spcPts val="0"/>
+              </a:spcBef>
+              <a:buNone/>
+            </a:pPr>
+            <a:r>
+              <a:rPr lang="sv-SE" sz="1200"/>
+              <a:t>    ...</a:t>
+            </a:r>
+          </a:p>
+          <a:p>
+            <a:pPr marL="0" indent="0">
+              <a:lnSpc>
+                <a:spcPct val="100000"/>
+              </a:lnSpc>
+              <a:spcBef>
+                <a:spcPts val="0"/>
+              </a:spcBef>
+              <a:buNone/>
+            </a:pPr>
+            <a:endParaRPr lang="sv-SE" sz="1200"/>
+          </a:p>
+          <a:p>
+            <a:pPr marL="0" indent="0">
+              <a:lnSpc>
+                <a:spcPct val="100000"/>
+              </a:lnSpc>
+              <a:spcBef>
+                <a:spcPts val="0"/>
+              </a:spcBef>
+              <a:buNone/>
+            </a:pPr>
+            <a:r>
+              <a:rPr lang="en-US" sz="1200"/>
+              <a:t>    </a:t>
+            </a:r>
+            <a:r>
+              <a:rPr lang="mr-IN" sz="1200" b="1"/>
+              <a:t>async</a:t>
+            </a:r>
+            <a:r>
+              <a:rPr lang="sv-SE" sz="1200"/>
+              <a:t> </a:t>
+            </a:r>
+            <a:r>
+              <a:rPr lang="mr-IN" sz="1200" b="1"/>
+              <a:t>def</a:t>
+            </a:r>
+            <a:r>
+              <a:rPr lang="mr-IN" sz="1200"/>
+              <a:t> tick():</a:t>
+            </a:r>
+            <a:endParaRPr lang="sv-SE" sz="1200"/>
+          </a:p>
+          <a:p>
+            <a:pPr marL="0" indent="0">
+              <a:lnSpc>
+                <a:spcPct val="100000"/>
+              </a:lnSpc>
+              <a:spcBef>
+                <a:spcPts val="0"/>
+              </a:spcBef>
+              <a:buNone/>
+            </a:pPr>
+            <a:r>
+              <a:rPr lang="en-US" sz="1200"/>
+              <a:t>        </a:t>
+            </a:r>
+            <a:r>
+              <a:rPr lang="mr-IN" sz="1200" b="1"/>
+              <a:t>if</a:t>
+            </a:r>
+            <a:r>
+              <a:rPr lang="mr-IN" sz="1200"/>
+              <a:t> state</a:t>
+            </a:r>
+            <a:r>
+              <a:rPr lang="sv-SE" sz="1200"/>
+              <a:t> </a:t>
+            </a:r>
+            <a:r>
+              <a:rPr lang="en-US" sz="1200"/>
+              <a:t>== </a:t>
+            </a:r>
+            <a:r>
+              <a:rPr lang="mr-IN" sz="1200">
+                <a:solidFill>
+                  <a:schemeClr val="accent2"/>
+                </a:solidFill>
+              </a:rPr>
+              <a:t>'IDLE'</a:t>
+            </a:r>
+            <a:r>
+              <a:rPr lang="mr-IN" sz="1200"/>
+              <a:t>:</a:t>
+            </a:r>
+            <a:endParaRPr lang="sv-SE" sz="1200"/>
+          </a:p>
+          <a:p>
+            <a:pPr marL="0" indent="0">
+              <a:lnSpc>
+                <a:spcPct val="100000"/>
+              </a:lnSpc>
+              <a:spcBef>
+                <a:spcPts val="0"/>
+              </a:spcBef>
+              <a:buNone/>
+            </a:pPr>
+            <a:r>
+              <a:rPr lang="sv-SE" sz="1200"/>
+              <a:t>            </a:t>
+            </a:r>
+            <a:r>
+              <a:rPr lang="mr-IN" sz="1200" i="1"/>
+              <a:t>nc</a:t>
+            </a:r>
+            <a:r>
+              <a:rPr lang="mr-IN" sz="1200"/>
+              <a:t>.get(</a:t>
+            </a:r>
+            <a:r>
+              <a:rPr lang="mr-IN" sz="1200">
+                <a:solidFill>
+                  <a:schemeClr val="accent2"/>
+                </a:solidFill>
+              </a:rPr>
+              <a:t>'/oper/thevalue'</a:t>
+            </a:r>
+            <a:r>
+              <a:rPr lang="mr-IN" sz="1200"/>
+              <a:t>, reply)</a:t>
+            </a:r>
+            <a:endParaRPr lang="sv-SE" sz="1200"/>
+          </a:p>
+          <a:p>
+            <a:pPr marL="0" indent="0">
+              <a:lnSpc>
+                <a:spcPct val="100000"/>
+              </a:lnSpc>
+              <a:spcBef>
+                <a:spcPts val="0"/>
+              </a:spcBef>
+              <a:buNone/>
+            </a:pPr>
+            <a:r>
+              <a:rPr lang="sv-SE" sz="1200"/>
+              <a:t>            </a:t>
+            </a:r>
+            <a:r>
+              <a:rPr lang="mr-IN" sz="1200" i="1"/>
+              <a:t>state</a:t>
+            </a:r>
+            <a:r>
+              <a:rPr lang="sv-SE" sz="1200"/>
+              <a:t> </a:t>
+            </a:r>
+            <a:r>
+              <a:rPr lang="en-US" sz="1200"/>
+              <a:t>= </a:t>
+            </a:r>
+            <a:r>
+              <a:rPr lang="mr-IN" sz="1200">
+                <a:solidFill>
+                  <a:schemeClr val="accent2"/>
+                </a:solidFill>
+              </a:rPr>
+              <a:t>'GET'</a:t>
+            </a:r>
+            <a:endParaRPr lang="sv-SE" sz="1200">
+              <a:solidFill>
+                <a:schemeClr val="accent2"/>
+              </a:solidFill>
+            </a:endParaRPr>
+          </a:p>
+          <a:p>
+            <a:pPr marL="0" indent="0">
+              <a:lnSpc>
+                <a:spcPct val="100000"/>
+              </a:lnSpc>
+              <a:spcBef>
+                <a:spcPts val="0"/>
+              </a:spcBef>
+              <a:buNone/>
+            </a:pPr>
+            <a:r>
+              <a:rPr lang="sv-SE" sz="1200"/>
+              <a:t>            </a:t>
+            </a:r>
+            <a:r>
+              <a:rPr lang="mr-IN" sz="1200" b="1"/>
+              <a:t>postpone</a:t>
+            </a:r>
+            <a:r>
+              <a:rPr lang="mr-IN" sz="1200"/>
+              <a:t>(10, tick)</a:t>
+            </a:r>
+            <a:endParaRPr lang="sv-SE" sz="1200"/>
+          </a:p>
+          <a:p>
+            <a:pPr marL="0" indent="0">
+              <a:lnSpc>
+                <a:spcPct val="100000"/>
+              </a:lnSpc>
+              <a:spcBef>
+                <a:spcPts val="0"/>
+              </a:spcBef>
+              <a:buNone/>
+            </a:pPr>
+            <a:r>
+              <a:rPr lang="en-US" sz="1200"/>
+              <a:t>        </a:t>
+            </a:r>
+            <a:r>
+              <a:rPr lang="mr-IN" sz="1200" b="1"/>
+              <a:t>else</a:t>
+            </a:r>
+            <a:r>
+              <a:rPr lang="mr-IN" sz="1200"/>
+              <a:t>:</a:t>
+            </a:r>
+            <a:endParaRPr lang="sv-SE" sz="1200"/>
+          </a:p>
+          <a:p>
+            <a:pPr marL="0" indent="0">
+              <a:lnSpc>
+                <a:spcPct val="100000"/>
+              </a:lnSpc>
+              <a:spcBef>
+                <a:spcPts val="0"/>
+              </a:spcBef>
+              <a:buNone/>
+            </a:pPr>
+            <a:r>
+              <a:rPr lang="mr-IN" sz="1200"/>
+              <a:t>            restart(</a:t>
+            </a:r>
+            <a:r>
+              <a:rPr lang="mr-IN" sz="1200">
+                <a:solidFill>
+                  <a:schemeClr val="accent2"/>
+                </a:solidFill>
+              </a:rPr>
+              <a:t>'timeout'</a:t>
+            </a:r>
+            <a:r>
+              <a:rPr lang="mr-IN" sz="1200"/>
+              <a:t>)</a:t>
+            </a:r>
+            <a:endParaRPr lang="en-US" sz="1200"/>
+          </a:p>
+          <a:p>
+            <a:pPr marL="0" indent="0">
+              <a:lnSpc>
+                <a:spcPct val="100000"/>
+              </a:lnSpc>
+              <a:spcBef>
+                <a:spcPts val="0"/>
+              </a:spcBef>
+              <a:buNone/>
+            </a:pPr>
+            <a:endParaRPr lang="en-US" sz="1200"/>
+          </a:p>
+          <a:p>
+            <a:pPr marL="0" indent="0">
+              <a:lnSpc>
+                <a:spcPct val="100000"/>
+              </a:lnSpc>
+              <a:spcBef>
+                <a:spcPts val="0"/>
+              </a:spcBef>
+              <a:buNone/>
+            </a:pPr>
+            <a:r>
+              <a:rPr lang="en-US" sz="1200"/>
+              <a:t>    </a:t>
+            </a:r>
+            <a:r>
+              <a:rPr lang="en-US" sz="1200" b="1"/>
+              <a:t>async</a:t>
+            </a:r>
+            <a:r>
+              <a:rPr lang="en-US" sz="1200"/>
+              <a:t> </a:t>
+            </a:r>
+            <a:r>
+              <a:rPr lang="en-US" sz="1200" b="1"/>
+              <a:t>def</a:t>
+            </a:r>
+            <a:r>
+              <a:rPr lang="en-US" sz="1200"/>
+              <a:t> reply(</a:t>
+            </a:r>
+            <a:r>
+              <a:rPr lang="en-US" sz="1200" i="1"/>
+              <a:t>newval</a:t>
+            </a:r>
+            <a:r>
+              <a:rPr lang="en-US" sz="1200"/>
+              <a:t>):</a:t>
+            </a:r>
+          </a:p>
+          <a:p>
+            <a:pPr marL="0" indent="0">
+              <a:lnSpc>
+                <a:spcPct val="100000"/>
+              </a:lnSpc>
+              <a:spcBef>
+                <a:spcPts val="0"/>
+              </a:spcBef>
+              <a:buNone/>
+            </a:pPr>
+            <a:r>
+              <a:rPr lang="en-US" sz="1200"/>
+              <a:t>        </a:t>
+            </a:r>
+            <a:r>
+              <a:rPr lang="en-US" sz="1200" b="1"/>
+              <a:t>if</a:t>
+            </a:r>
+            <a:r>
+              <a:rPr lang="en-US" sz="1200"/>
+              <a:t> state == </a:t>
+            </a:r>
+            <a:r>
+              <a:rPr lang="en-US" sz="1200">
+                <a:solidFill>
+                  <a:schemeClr val="accent2"/>
+                </a:solidFill>
+              </a:rPr>
+              <a:t>'GET'</a:t>
+            </a:r>
+            <a:r>
+              <a:rPr lang="en-US" sz="1200"/>
+              <a:t>:</a:t>
+            </a:r>
+          </a:p>
+          <a:p>
+            <a:pPr marL="0" indent="0">
+              <a:lnSpc>
+                <a:spcPct val="100000"/>
+              </a:lnSpc>
+              <a:spcBef>
+                <a:spcPts val="0"/>
+              </a:spcBef>
+              <a:buNone/>
+            </a:pPr>
+            <a:r>
+              <a:rPr lang="en-US" sz="1200"/>
+              <a:t>            </a:t>
+            </a:r>
+            <a:r>
+              <a:rPr lang="en-US" sz="1200" i="1"/>
+              <a:t>setting</a:t>
+            </a:r>
+            <a:r>
+              <a:rPr lang="en-US" sz="1200"/>
+              <a:t> = compute(</a:t>
+            </a:r>
+            <a:r>
+              <a:rPr lang="en-US" sz="1200" i="1"/>
+              <a:t>setting</a:t>
+            </a:r>
+            <a:r>
+              <a:rPr lang="en-US" sz="1200"/>
+              <a:t>, </a:t>
+            </a:r>
+            <a:r>
+              <a:rPr lang="en-US" sz="1200" i="1"/>
+              <a:t>newval</a:t>
+            </a:r>
+            <a:r>
+              <a:rPr lang="en-US" sz="1200"/>
+              <a:t>)</a:t>
+            </a:r>
+          </a:p>
+          <a:p>
+            <a:pPr marL="0" indent="0">
+              <a:lnSpc>
+                <a:spcPct val="100000"/>
+              </a:lnSpc>
+              <a:spcBef>
+                <a:spcPts val="0"/>
+              </a:spcBef>
+              <a:buNone/>
+            </a:pPr>
+            <a:r>
+              <a:rPr lang="en-US" sz="1200"/>
+              <a:t>            </a:t>
+            </a:r>
+            <a:r>
+              <a:rPr lang="en-US" sz="1200" i="1"/>
+              <a:t>nc</a:t>
+            </a:r>
+            <a:r>
+              <a:rPr lang="en-US" sz="1200"/>
+              <a:t>.edit_config(</a:t>
+            </a:r>
+            <a:r>
+              <a:rPr lang="en-US" sz="1200">
+                <a:solidFill>
+                  <a:schemeClr val="accent2"/>
+                </a:solidFill>
+              </a:rPr>
+              <a:t>'/config/settings/thesetting'</a:t>
+            </a:r>
+            <a:r>
+              <a:rPr lang="en-US" sz="1200"/>
+              <a:t>, </a:t>
+            </a:r>
+            <a:r>
+              <a:rPr lang="en-US" sz="1200" i="1"/>
+              <a:t>setting</a:t>
+            </a:r>
+            <a:r>
+              <a:rPr lang="en-US" sz="1200"/>
+              <a:t>)</a:t>
+            </a:r>
+          </a:p>
+          <a:p>
+            <a:pPr marL="0" indent="0">
+              <a:lnSpc>
+                <a:spcPct val="100000"/>
+              </a:lnSpc>
+              <a:spcBef>
+                <a:spcPts val="0"/>
+              </a:spcBef>
+              <a:buNone/>
+            </a:pPr>
+            <a:r>
+              <a:rPr lang="en-US" sz="1200"/>
+              <a:t>            </a:t>
+            </a:r>
+            <a:r>
+              <a:rPr lang="en-US" sz="1200" i="1"/>
+              <a:t>state</a:t>
+            </a:r>
+            <a:r>
+              <a:rPr lang="en-US" sz="1200"/>
+              <a:t> = </a:t>
+            </a:r>
+            <a:r>
+              <a:rPr lang="en-US" sz="1200">
+                <a:solidFill>
+                  <a:schemeClr val="accent2"/>
+                </a:solidFill>
+              </a:rPr>
+              <a:t>'IDLE'</a:t>
+            </a:r>
+          </a:p>
+          <a:p>
+            <a:pPr marL="0" indent="0">
+              <a:lnSpc>
+                <a:spcPct val="100000"/>
+              </a:lnSpc>
+              <a:spcBef>
+                <a:spcPts val="0"/>
+              </a:spcBef>
+              <a:buNone/>
+            </a:pPr>
+            <a:r>
+              <a:rPr lang="en-US" sz="1200"/>
+              <a:t>        </a:t>
+            </a:r>
+            <a:r>
+              <a:rPr lang="en-US" sz="1200" b="1"/>
+              <a:t>else</a:t>
+            </a:r>
+            <a:r>
+              <a:rPr lang="en-US" sz="1200"/>
+              <a:t>:</a:t>
+            </a:r>
+          </a:p>
+          <a:p>
+            <a:pPr marL="0" indent="0">
+              <a:lnSpc>
+                <a:spcPct val="100000"/>
+              </a:lnSpc>
+              <a:spcBef>
+                <a:spcPts val="0"/>
+              </a:spcBef>
+              <a:buNone/>
+            </a:pPr>
+            <a:r>
+              <a:rPr lang="en-US" sz="1200"/>
+              <a:t>            restart(</a:t>
+            </a:r>
+            <a:r>
+              <a:rPr lang="en-US" sz="1200">
+                <a:solidFill>
+                  <a:schemeClr val="accent2"/>
+                </a:solidFill>
+              </a:rPr>
+              <a:t>'stray reply'</a:t>
+            </a:r>
+            <a:r>
+              <a:rPr lang="en-US" sz="1200"/>
+              <a:t>)</a:t>
+            </a:r>
+          </a:p>
+          <a:p>
+            <a:pPr marL="0" indent="0">
+              <a:lnSpc>
+                <a:spcPct val="100000"/>
+              </a:lnSpc>
+              <a:spcBef>
+                <a:spcPts val="0"/>
+              </a:spcBef>
+              <a:buNone/>
+            </a:pPr>
+            <a:endParaRPr lang="en-US" sz="1200"/>
+          </a:p>
+          <a:p>
+            <a:pPr marL="0" indent="0">
+              <a:lnSpc>
+                <a:spcPct val="100000"/>
+              </a:lnSpc>
+              <a:spcBef>
+                <a:spcPts val="0"/>
+              </a:spcBef>
+              <a:buNone/>
+            </a:pPr>
+            <a:r>
+              <a:rPr lang="en-US" sz="1200"/>
+              <a:t>    </a:t>
+            </a:r>
+            <a:r>
+              <a:rPr lang="en-US" sz="1200" b="1"/>
+              <a:t>async</a:t>
+            </a:r>
+            <a:r>
+              <a:rPr lang="en-US" sz="1200"/>
+              <a:t> </a:t>
+            </a:r>
+            <a:r>
+              <a:rPr lang="en-US" sz="1200" b="1"/>
+              <a:t>def</a:t>
+            </a:r>
+            <a:r>
+              <a:rPr lang="en-US" sz="1200"/>
+              <a:t> error(what):</a:t>
+            </a:r>
+          </a:p>
+          <a:p>
+            <a:pPr marL="0" indent="0">
+              <a:lnSpc>
+                <a:spcPct val="100000"/>
+              </a:lnSpc>
+              <a:spcBef>
+                <a:spcPts val="0"/>
+              </a:spcBef>
+              <a:buNone/>
+            </a:pPr>
+            <a:r>
+              <a:rPr lang="en-US" sz="1200"/>
+              <a:t>        restart(</a:t>
+            </a:r>
+            <a:r>
+              <a:rPr lang="en-US" sz="1200">
+                <a:solidFill>
+                  <a:schemeClr val="accent2"/>
+                </a:solidFill>
+              </a:rPr>
+              <a:t>'NETCONF error:'</a:t>
+            </a:r>
+            <a:r>
+              <a:rPr lang="en-US" sz="1200"/>
+              <a:t> + what)</a:t>
+            </a:r>
+          </a:p>
+          <a:p>
+            <a:pPr marL="0" indent="0">
+              <a:lnSpc>
+                <a:spcPct val="100000"/>
+              </a:lnSpc>
+              <a:spcBef>
+                <a:spcPts val="0"/>
+              </a:spcBef>
+              <a:buNone/>
+            </a:pPr>
+            <a:endParaRPr lang="en-US" sz="1200"/>
+          </a:p>
+          <a:p>
+            <a:pPr marL="0" indent="0">
+              <a:lnSpc>
+                <a:spcPct val="100000"/>
+              </a:lnSpc>
+              <a:spcBef>
+                <a:spcPts val="0"/>
+              </a:spcBef>
+              <a:buNone/>
+            </a:pPr>
+            <a:r>
+              <a:rPr lang="en-US" sz="1200"/>
+              <a:t>    restart(</a:t>
+            </a:r>
+            <a:r>
+              <a:rPr lang="en-US" sz="1200">
+                <a:solidFill>
+                  <a:schemeClr val="accent2"/>
+                </a:solidFill>
+              </a:rPr>
+              <a:t>'initial'</a:t>
+            </a:r>
+            <a:r>
+              <a:rPr lang="en-US" sz="1200"/>
+              <a:t>)</a:t>
+            </a:r>
+          </a:p>
+          <a:p>
+            <a:pPr marL="0" indent="0">
+              <a:lnSpc>
+                <a:spcPct val="100000"/>
+              </a:lnSpc>
+              <a:spcBef>
+                <a:spcPts val="0"/>
+              </a:spcBef>
+              <a:buNone/>
+            </a:pPr>
+            <a:endParaRPr lang="en-US" sz="1200"/>
+          </a:p>
+        </p:txBody>
+      </p:sp>
+      <p:sp>
+        <p:nvSpPr>
+          <p:cNvPr id="5" name="Title 1"/>
+          <p:cNvSpPr>
+            <a:spLocks noGrp="1"/>
+          </p:cNvSpPr>
+          <p:nvPr>
+            <p:ph type="title"/>
+          </p:nvPr>
+        </p:nvSpPr>
+        <p:spPr>
+          <a:xfrm>
+            <a:off x="838200" y="253615"/>
+            <a:ext cx="10515600" cy="571577"/>
+          </a:xfrm>
+        </p:spPr>
+        <p:txBody>
+          <a:bodyPr/>
+          <a:lstStyle/>
+          <a:p>
+            <a:pPr algn="ctr"/>
+            <a:r>
+              <a:rPr lang="en-US"/>
+              <a:t>A simple controller example</a:t>
+            </a:r>
+          </a:p>
+        </p:txBody>
+      </p:sp>
+      <p:sp>
+        <p:nvSpPr>
+          <p:cNvPr id="6" name="Bent-Up Arrow 5"/>
+          <p:cNvSpPr/>
+          <p:nvPr/>
+        </p:nvSpPr>
+        <p:spPr>
+          <a:xfrm>
+            <a:off x="5294491" y="6203241"/>
+            <a:ext cx="197556" cy="197556"/>
+          </a:xfrm>
+          <a:prstGeom prst="bentUpArrow">
+            <a:avLst/>
+          </a:prstGeom>
+          <a:solidFill>
+            <a:schemeClr val="bg2">
+              <a:lumMod val="50000"/>
+            </a:schemeClr>
+          </a:solidFill>
+          <a:ln>
+            <a:noFill/>
+          </a:ln>
+        </p:spPr>
+        <p:style>
+          <a:lnRef idx="2">
+            <a:schemeClr val="accent1">
+              <a:shade val="50000"/>
+            </a:schemeClr>
+          </a:lnRef>
+          <a:fillRef idx="1">
+            <a:schemeClr val="accent1"/>
+          </a:fillRef>
+          <a:effectRef idx="0">
+            <a:schemeClr val="accent1"/>
+          </a:effectRef>
+          <a:fontRef idx="minor">
+            <a:schemeClr val="lt1"/>
+          </a:fontRef>
+        </p:style>
+        <p:txBody>
+          <a:bodyPr rtlCol="0" anchor="ctr"/>
+          <a:lstStyle/>
+          <a:p>
+            <a:pPr algn="ctr"/>
+            <a:endParaRPr lang="en-US"/>
+          </a:p>
+        </p:txBody>
+      </p:sp>
+      <p:sp>
+        <p:nvSpPr>
+          <p:cNvPr id="7" name="Bent-Up Arrow 6"/>
+          <p:cNvSpPr/>
+          <p:nvPr/>
+        </p:nvSpPr>
+        <p:spPr>
+          <a:xfrm rot="16200000" flipV="1">
+            <a:off x="6584240" y="1385363"/>
+            <a:ext cx="197556" cy="197556"/>
+          </a:xfrm>
+          <a:prstGeom prst="bentUpArrow">
+            <a:avLst/>
+          </a:prstGeom>
+          <a:solidFill>
+            <a:schemeClr val="bg2">
+              <a:lumMod val="50000"/>
+            </a:schemeClr>
+          </a:solidFill>
+          <a:ln>
+            <a:noFill/>
+          </a:ln>
+        </p:spPr>
+        <p:style>
+          <a:lnRef idx="2">
+            <a:schemeClr val="accent1">
+              <a:shade val="50000"/>
+            </a:schemeClr>
+          </a:lnRef>
+          <a:fillRef idx="1">
+            <a:schemeClr val="accent1"/>
+          </a:fillRef>
+          <a:effectRef idx="0">
+            <a:schemeClr val="accent1"/>
+          </a:effectRef>
+          <a:fontRef idx="minor">
+            <a:schemeClr val="lt1"/>
+          </a:fontRef>
+        </p:style>
+        <p:txBody>
+          <a:bodyPr rtlCol="0" anchor="ctr"/>
+          <a:lstStyle/>
+          <a:p>
+            <a:pPr algn="ctr"/>
+            <a:endParaRPr lang="en-US"/>
+          </a:p>
+        </p:txBody>
+      </p:sp>
+    </p:spTree>
+    <p:extLst>
+      <p:ext uri="{BB962C8B-B14F-4D97-AF65-F5344CB8AC3E}">
+        <p14:creationId xmlns:p14="http://schemas.microsoft.com/office/powerpoint/2010/main" val="253867275"/>
+      </p:ext>
+    </p:extLst>
+  </p:cSld>
+  <p:clrMapOvr>
+    <a:masterClrMapping/>
+  </p:clrMapOvr>
 </p:sld>
 </file>
 

--- a/ActonCompiler.pptx
+++ b/ActonCompiler.pptx
@@ -4018,7 +4018,7 @@
           <a:noFill/>
           <a:ln w="28575">
             <a:solidFill>
-              <a:schemeClr val="tx1"/>
+              <a:srgbClr val="FF0000"/>
             </a:solidFill>
           </a:ln>
         </p:spPr>
@@ -4313,8 +4313,9 @@
           <a:noFill/>
           <a:ln w="28575">
             <a:solidFill>
-              <a:schemeClr val="tx1"/>
+              <a:srgbClr val="FF0000"/>
             </a:solidFill>
+            <a:prstDash val="dash"/>
           </a:ln>
         </p:spPr>
         <p:style>
@@ -4478,7 +4479,7 @@
           <a:noFill/>
           <a:ln w="28575">
             <a:solidFill>
-              <a:schemeClr val="tx1"/>
+              <a:srgbClr val="FF0000"/>
             </a:solidFill>
           </a:ln>
         </p:spPr>
@@ -4627,8 +4628,9 @@
           <a:noFill/>
           <a:ln w="28575">
             <a:solidFill>
-              <a:schemeClr val="tx1"/>
+              <a:srgbClr val="FF0000"/>
             </a:solidFill>
+            <a:prstDash val="dash"/>
           </a:ln>
         </p:spPr>
         <p:style>
@@ -4890,7 +4892,7 @@
           <a:noFill/>
           <a:ln w="28575">
             <a:solidFill>
-              <a:schemeClr val="tx1"/>
+              <a:srgbClr val="FF0000"/>
             </a:solidFill>
           </a:ln>
         </p:spPr>
@@ -5050,7 +5052,7 @@
           <a:noFill/>
           <a:ln w="28575">
             <a:solidFill>
-              <a:schemeClr val="tx1"/>
+              <a:srgbClr val="FF0000"/>
             </a:solidFill>
           </a:ln>
         </p:spPr>
@@ -5292,7 +5294,7 @@
           <a:noFill/>
           <a:ln w="28575">
             <a:solidFill>
-              <a:schemeClr val="tx1"/>
+              <a:srgbClr val="FF0000"/>
             </a:solidFill>
           </a:ln>
         </p:spPr>
@@ -5777,8 +5779,9 @@
           <a:noFill/>
           <a:ln w="28575">
             <a:solidFill>
-              <a:schemeClr val="tx1"/>
+              <a:srgbClr val="FF0000"/>
             </a:solidFill>
+            <a:prstDash val="dash"/>
           </a:ln>
         </p:spPr>
         <p:style>

--- a/ActonCompiler.pptx
+++ b/ActonCompiler.pptx
@@ -5,11 +5,16 @@
     <p:sldMasterId id="2147483648" r:id="rId1"/>
   </p:sldMasterIdLst>
   <p:notesMasterIdLst>
-    <p:notesMasterId r:id="rId4"/>
+    <p:notesMasterId r:id="rId9"/>
   </p:notesMasterIdLst>
   <p:sldIdLst>
     <p:sldId id="257" r:id="rId2"/>
-    <p:sldId id="258" r:id="rId3"/>
+    <p:sldId id="259" r:id="rId3"/>
+    <p:sldId id="260" r:id="rId4"/>
+    <p:sldId id="261" r:id="rId5"/>
+    <p:sldId id="258" r:id="rId6"/>
+    <p:sldId id="263" r:id="rId7"/>
+    <p:sldId id="262" r:id="rId8"/>
   </p:sldIdLst>
   <p:sldSz cx="12192000" cy="6858000"/>
   <p:notesSz cx="6858000" cy="9144000"/>
@@ -200,7 +205,7 @@
           </a:lstStyle>
           <a:p>
             <a:fld id="{6CC016DC-6D46-D44D-B143-CCF0FE0B50F7}" type="datetimeFigureOut">
-              <a:t>2019-11-28</a:t>
+              <a:t>2020-02-16</a:t>
             </a:fld>
             <a:endParaRPr lang="en-US"/>
           </a:p>
@@ -549,6 +554,89 @@
 </p:notes>
 </file>
 
+<file path=ppt/notesSlides/notesSlide2.xml><?xml version="1.0" encoding="utf-8"?>
+<p:notes xmlns:a="http://schemas.openxmlformats.org/drawingml/2006/main" xmlns:r="http://schemas.openxmlformats.org/officeDocument/2006/relationships" xmlns:p="http://schemas.openxmlformats.org/presentationml/2006/main">
+  <p:cSld>
+    <p:spTree>
+      <p:nvGrpSpPr>
+        <p:cNvPr id="1" name=""/>
+        <p:cNvGrpSpPr/>
+        <p:nvPr/>
+      </p:nvGrpSpPr>
+      <p:grpSpPr>
+        <a:xfrm>
+          <a:off x="0" y="0"/>
+          <a:ext cx="0" cy="0"/>
+          <a:chOff x="0" y="0"/>
+          <a:chExt cx="0" cy="0"/>
+        </a:xfrm>
+      </p:grpSpPr>
+      <p:sp>
+        <p:nvSpPr>
+          <p:cNvPr id="2" name="Slide Image Placeholder 1"/>
+          <p:cNvSpPr>
+            <a:spLocks noGrp="1" noRot="1" noChangeAspect="1"/>
+          </p:cNvSpPr>
+          <p:nvPr>
+            <p:ph type="sldImg"/>
+          </p:nvPr>
+        </p:nvSpPr>
+        <p:spPr/>
+      </p:sp>
+      <p:sp>
+        <p:nvSpPr>
+          <p:cNvPr id="3" name="Notes Placeholder 2"/>
+          <p:cNvSpPr>
+            <a:spLocks noGrp="1"/>
+          </p:cNvSpPr>
+          <p:nvPr>
+            <p:ph type="body" idx="1"/>
+          </p:nvPr>
+        </p:nvSpPr>
+        <p:spPr/>
+        <p:txBody>
+          <a:bodyPr/>
+          <a:lstStyle/>
+          <a:p>
+            <a:endParaRPr lang="en-US"/>
+          </a:p>
+        </p:txBody>
+      </p:sp>
+      <p:sp>
+        <p:nvSpPr>
+          <p:cNvPr id="4" name="Slide Number Placeholder 3"/>
+          <p:cNvSpPr>
+            <a:spLocks noGrp="1"/>
+          </p:cNvSpPr>
+          <p:nvPr>
+            <p:ph type="sldNum" sz="quarter" idx="10"/>
+          </p:nvPr>
+        </p:nvSpPr>
+        <p:spPr/>
+        <p:txBody>
+          <a:bodyPr/>
+          <a:lstStyle/>
+          <a:p>
+            <a:fld id="{4B788F30-99F6-3545-BB58-11169004BD53}" type="slidenum">
+              <a:t>4</a:t>
+            </a:fld>
+            <a:endParaRPr lang="en-US"/>
+          </a:p>
+        </p:txBody>
+      </p:sp>
+    </p:spTree>
+    <p:extLst>
+      <p:ext uri="{BB962C8B-B14F-4D97-AF65-F5344CB8AC3E}">
+        <p14:creationId xmlns:p14="http://schemas.microsoft.com/office/powerpoint/2010/main" val="1978403594"/>
+      </p:ext>
+    </p:extLst>
+  </p:cSld>
+  <p:clrMapOvr>
+    <a:masterClrMapping/>
+  </p:clrMapOvr>
+</p:notes>
+</file>
+
 <file path=ppt/slideLayouts/slideLayout1.xml><?xml version="1.0" encoding="utf-8"?>
 <p:sldLayout xmlns:a="http://schemas.openxmlformats.org/drawingml/2006/main" xmlns:r="http://schemas.openxmlformats.org/officeDocument/2006/relationships" xmlns:p="http://schemas.openxmlformats.org/presentationml/2006/main" type="title" preserve="1">
   <p:cSld name="Title Slide">
@@ -677,7 +765,7 @@
           <a:lstStyle/>
           <a:p>
             <a:fld id="{82CF4504-83CD-7C4C-A27D-DE3637908E76}" type="datetimeFigureOut">
-              <a:t>2019-11-28</a:t>
+              <a:t>2020-02-16</a:t>
             </a:fld>
             <a:endParaRPr lang="en-US"/>
           </a:p>
@@ -843,7 +931,7 @@
           <a:lstStyle/>
           <a:p>
             <a:fld id="{82CF4504-83CD-7C4C-A27D-DE3637908E76}" type="datetimeFigureOut">
-              <a:t>2019-11-28</a:t>
+              <a:t>2020-02-16</a:t>
             </a:fld>
             <a:endParaRPr lang="en-US"/>
           </a:p>
@@ -1019,7 +1107,7 @@
           <a:lstStyle/>
           <a:p>
             <a:fld id="{82CF4504-83CD-7C4C-A27D-DE3637908E76}" type="datetimeFigureOut">
-              <a:t>2019-11-28</a:t>
+              <a:t>2020-02-16</a:t>
             </a:fld>
             <a:endParaRPr lang="en-US"/>
           </a:p>
@@ -1185,7 +1273,7 @@
           <a:lstStyle/>
           <a:p>
             <a:fld id="{82CF4504-83CD-7C4C-A27D-DE3637908E76}" type="datetimeFigureOut">
-              <a:t>2019-11-28</a:t>
+              <a:t>2020-02-16</a:t>
             </a:fld>
             <a:endParaRPr lang="en-US"/>
           </a:p>
@@ -1428,7 +1516,7 @@
           <a:lstStyle/>
           <a:p>
             <a:fld id="{82CF4504-83CD-7C4C-A27D-DE3637908E76}" type="datetimeFigureOut">
-              <a:t>2019-11-28</a:t>
+              <a:t>2020-02-16</a:t>
             </a:fld>
             <a:endParaRPr lang="en-US"/>
           </a:p>
@@ -1655,7 +1743,7 @@
           <a:lstStyle/>
           <a:p>
             <a:fld id="{82CF4504-83CD-7C4C-A27D-DE3637908E76}" type="datetimeFigureOut">
-              <a:t>2019-11-28</a:t>
+              <a:t>2020-02-16</a:t>
             </a:fld>
             <a:endParaRPr lang="en-US"/>
           </a:p>
@@ -2017,7 +2105,7 @@
           <a:lstStyle/>
           <a:p>
             <a:fld id="{82CF4504-83CD-7C4C-A27D-DE3637908E76}" type="datetimeFigureOut">
-              <a:t>2019-11-28</a:t>
+              <a:t>2020-02-16</a:t>
             </a:fld>
             <a:endParaRPr lang="en-US"/>
           </a:p>
@@ -2132,7 +2220,7 @@
           <a:lstStyle/>
           <a:p>
             <a:fld id="{82CF4504-83CD-7C4C-A27D-DE3637908E76}" type="datetimeFigureOut">
-              <a:t>2019-11-28</a:t>
+              <a:t>2020-02-16</a:t>
             </a:fld>
             <a:endParaRPr lang="en-US"/>
           </a:p>
@@ -2225,7 +2313,7 @@
           <a:lstStyle/>
           <a:p>
             <a:fld id="{82CF4504-83CD-7C4C-A27D-DE3637908E76}" type="datetimeFigureOut">
-              <a:t>2019-11-28</a:t>
+              <a:t>2020-02-16</a:t>
             </a:fld>
             <a:endParaRPr lang="en-US"/>
           </a:p>
@@ -2498,7 +2586,7 @@
           <a:lstStyle/>
           <a:p>
             <a:fld id="{82CF4504-83CD-7C4C-A27D-DE3637908E76}" type="datetimeFigureOut">
-              <a:t>2019-11-28</a:t>
+              <a:t>2020-02-16</a:t>
             </a:fld>
             <a:endParaRPr lang="en-US"/>
           </a:p>
@@ -2748,7 +2836,7 @@
           <a:lstStyle/>
           <a:p>
             <a:fld id="{82CF4504-83CD-7C4C-A27D-DE3637908E76}" type="datetimeFigureOut">
-              <a:t>2019-11-28</a:t>
+              <a:t>2020-02-16</a:t>
             </a:fld>
             <a:endParaRPr lang="en-US"/>
           </a:p>
@@ -2957,7 +3045,7 @@
           </a:lstStyle>
           <a:p>
             <a:fld id="{82CF4504-83CD-7C4C-A27D-DE3637908E76}" type="datetimeFigureOut">
-              <a:t>2019-11-28</a:t>
+              <a:t>2020-02-16</a:t>
             </a:fld>
             <a:endParaRPr lang="en-US"/>
           </a:p>
@@ -4018,7 +4106,7 @@
           <a:noFill/>
           <a:ln w="28575">
             <a:solidFill>
-              <a:srgbClr val="FF0000"/>
+              <a:schemeClr val="tx1"/>
             </a:solidFill>
           </a:ln>
         </p:spPr>
@@ -4043,7 +4131,11 @@
           <a:lstStyle/>
           <a:p>
             <a:pPr algn="ctr"/>
-            <a:endParaRPr lang="en-US"/>
+            <a:endParaRPr lang="en-US">
+              <a:solidFill>
+                <a:schemeClr val="tx1"/>
+              </a:solidFill>
+            </a:endParaRPr>
           </a:p>
         </p:txBody>
       </p:sp>
@@ -4313,7 +4405,7 @@
           <a:noFill/>
           <a:ln w="28575">
             <a:solidFill>
-              <a:srgbClr val="FF0000"/>
+              <a:schemeClr val="tx1"/>
             </a:solidFill>
             <a:prstDash val="dash"/>
           </a:ln>
@@ -4479,7 +4571,7 @@
           <a:noFill/>
           <a:ln w="28575">
             <a:solidFill>
-              <a:srgbClr val="FF0000"/>
+              <a:schemeClr val="tx1"/>
             </a:solidFill>
           </a:ln>
         </p:spPr>
@@ -4628,7 +4720,7 @@
           <a:noFill/>
           <a:ln w="28575">
             <a:solidFill>
-              <a:srgbClr val="FF0000"/>
+              <a:schemeClr val="tx1"/>
             </a:solidFill>
             <a:prstDash val="dash"/>
           </a:ln>
@@ -4892,7 +4984,7 @@
           <a:noFill/>
           <a:ln w="28575">
             <a:solidFill>
-              <a:srgbClr val="FF0000"/>
+              <a:schemeClr val="tx1"/>
             </a:solidFill>
           </a:ln>
         </p:spPr>
@@ -5052,7 +5144,7 @@
           <a:noFill/>
           <a:ln w="28575">
             <a:solidFill>
-              <a:srgbClr val="FF0000"/>
+              <a:schemeClr val="tx1"/>
             </a:solidFill>
           </a:ln>
         </p:spPr>
@@ -5294,7 +5386,7 @@
           <a:noFill/>
           <a:ln w="28575">
             <a:solidFill>
-              <a:srgbClr val="FF0000"/>
+              <a:schemeClr val="tx1"/>
             </a:solidFill>
           </a:ln>
         </p:spPr>
@@ -5779,7 +5871,7 @@
           <a:noFill/>
           <a:ln w="28575">
             <a:solidFill>
-              <a:srgbClr val="FF0000"/>
+              <a:schemeClr val="tx1"/>
             </a:solidFill>
             <a:prstDash val="dash"/>
           </a:ln>
@@ -5988,6 +6080,34 @@
       </p:grpSpPr>
       <p:sp>
         <p:nvSpPr>
+          <p:cNvPr id="2" name="Title 1"/>
+          <p:cNvSpPr>
+            <a:spLocks noGrp="1"/>
+          </p:cNvSpPr>
+          <p:nvPr>
+            <p:ph type="title"/>
+          </p:nvPr>
+        </p:nvSpPr>
+        <p:spPr>
+          <a:xfrm>
+            <a:off x="838200" y="234497"/>
+            <a:ext cx="10515600" cy="589468"/>
+          </a:xfrm>
+        </p:spPr>
+        <p:txBody>
+          <a:bodyPr/>
+          <a:lstStyle/>
+          <a:p>
+            <a:pPr algn="ctr"/>
+            <a:r>
+              <a:rPr lang="en-US"/>
+              <a:t>The oveall challenge</a:t>
+            </a:r>
+          </a:p>
+        </p:txBody>
+      </p:sp>
+      <p:sp>
+        <p:nvSpPr>
           <p:cNvPr id="3" name="Content Placeholder 2"/>
           <p:cNvSpPr>
             <a:spLocks noGrp="1"/>
@@ -5998,8 +6118,2982 @@
         </p:nvSpPr>
         <p:spPr>
           <a:xfrm>
-            <a:off x="838200" y="1402295"/>
-            <a:ext cx="4360333" cy="4992864"/>
+            <a:off x="838200" y="1446963"/>
+            <a:ext cx="10958566" cy="4730000"/>
+          </a:xfrm>
+        </p:spPr>
+        <p:txBody>
+          <a:bodyPr/>
+          <a:lstStyle/>
+          <a:p>
+            <a:r>
+              <a:rPr lang="en-US"/>
+              <a:t>Mix actors, static type-safety and efficient compilation...</a:t>
+            </a:r>
+          </a:p>
+          <a:p>
+            <a:r>
+              <a:rPr lang="en-US"/>
+              <a:t>... with Python syntax, idioms and general "flavor"</a:t>
+            </a:r>
+          </a:p>
+          <a:p>
+            <a:r>
+              <a:rPr lang="en-US"/>
+              <a:t>Issue #1: incorporating Python's </a:t>
+            </a:r>
+            <a:r>
+              <a:rPr lang="en-US" u="sng"/>
+              <a:t>classes</a:t>
+            </a:r>
+          </a:p>
+          <a:p>
+            <a:pPr lvl="1"/>
+            <a:r>
+              <a:rPr lang="en-US"/>
+              <a:t>on the surface only, or at depth (multiple inheritance, super(), the MRO, ...)?</a:t>
+            </a:r>
+          </a:p>
+          <a:p>
+            <a:pPr lvl="1"/>
+            <a:r>
+              <a:rPr lang="en-US"/>
+              <a:t>follow Python's emerging but informal </a:t>
+            </a:r>
+            <a:r>
+              <a:rPr lang="en-US" u="sng"/>
+              <a:t>protocol</a:t>
+            </a:r>
+            <a:r>
+              <a:rPr lang="en-US"/>
+              <a:t> structure (Number, Mapping, ...)?</a:t>
+            </a:r>
+          </a:p>
+          <a:p>
+            <a:pPr lvl="1"/>
+            <a:r>
+              <a:rPr lang="en-US"/>
+              <a:t>retain Python's overloading of binary operators (+, ==, &gt;, ...)?</a:t>
+            </a:r>
+          </a:p>
+          <a:p>
+            <a:r>
+              <a:rPr lang="en-US"/>
+              <a:t>Issue #2: making methods </a:t>
+            </a:r>
+            <a:r>
+              <a:rPr lang="en-US" u="sng"/>
+              <a:t>asynchronous</a:t>
+            </a:r>
+          </a:p>
+          <a:p>
+            <a:pPr lvl="1"/>
+            <a:r>
+              <a:rPr lang="en-US"/>
+              <a:t>enforcing asynchronous calls across actor boundaries</a:t>
+            </a:r>
+          </a:p>
+          <a:p>
+            <a:pPr lvl="1"/>
+            <a:r>
+              <a:rPr lang="en-US"/>
+              <a:t>while keeping sequential behavior for local method calls</a:t>
+            </a:r>
+          </a:p>
+          <a:p>
+            <a:pPr lvl="1"/>
+            <a:r>
+              <a:rPr lang="en-US"/>
+              <a:t>and avoiding exotic syntax that just puts the burden on the programmer</a:t>
+            </a:r>
+          </a:p>
+        </p:txBody>
+      </p:sp>
+    </p:spTree>
+    <p:extLst>
+      <p:ext uri="{BB962C8B-B14F-4D97-AF65-F5344CB8AC3E}">
+        <p14:creationId xmlns:p14="http://schemas.microsoft.com/office/powerpoint/2010/main" val="1678703019"/>
+      </p:ext>
+    </p:extLst>
+  </p:cSld>
+  <p:clrMapOvr>
+    <a:masterClrMapping/>
+  </p:clrMapOvr>
+  <p:timing>
+    <p:tnLst>
+      <p:par>
+        <p:cTn id="1" dur="indefinite" restart="never" nodeType="tmRoot"/>
+      </p:par>
+    </p:tnLst>
+  </p:timing>
+</p:sld>
+</file>
+
+<file path=ppt/slides/slide3.xml><?xml version="1.0" encoding="utf-8"?>
+<p:sld xmlns:a="http://schemas.openxmlformats.org/drawingml/2006/main" xmlns:r="http://schemas.openxmlformats.org/officeDocument/2006/relationships" xmlns:p="http://schemas.openxmlformats.org/presentationml/2006/main">
+  <p:cSld>
+    <p:spTree>
+      <p:nvGrpSpPr>
+        <p:cNvPr id="1" name=""/>
+        <p:cNvGrpSpPr/>
+        <p:nvPr/>
+      </p:nvGrpSpPr>
+      <p:grpSpPr>
+        <a:xfrm>
+          <a:off x="0" y="0"/>
+          <a:ext cx="0" cy="0"/>
+          <a:chOff x="0" y="0"/>
+          <a:chExt cx="0" cy="0"/>
+        </a:xfrm>
+      </p:grpSpPr>
+      <p:sp>
+        <p:nvSpPr>
+          <p:cNvPr id="2" name="Title 1"/>
+          <p:cNvSpPr>
+            <a:spLocks noGrp="1"/>
+          </p:cNvSpPr>
+          <p:nvPr>
+            <p:ph type="title"/>
+          </p:nvPr>
+        </p:nvSpPr>
+        <p:spPr>
+          <a:xfrm>
+            <a:off x="838200" y="234497"/>
+            <a:ext cx="10515600" cy="589468"/>
+          </a:xfrm>
+        </p:spPr>
+        <p:txBody>
+          <a:bodyPr/>
+          <a:lstStyle/>
+          <a:p>
+            <a:pPr algn="ctr"/>
+            <a:r>
+              <a:rPr lang="en-US"/>
+              <a:t>Choices made</a:t>
+            </a:r>
+          </a:p>
+        </p:txBody>
+      </p:sp>
+      <p:sp>
+        <p:nvSpPr>
+          <p:cNvPr id="3" name="Content Placeholder 2"/>
+          <p:cNvSpPr>
+            <a:spLocks noGrp="1"/>
+          </p:cNvSpPr>
+          <p:nvPr>
+            <p:ph idx="1"/>
+          </p:nvPr>
+        </p:nvSpPr>
+        <p:spPr>
+          <a:xfrm>
+            <a:off x="838200" y="1446963"/>
+            <a:ext cx="10958566" cy="4730000"/>
+          </a:xfrm>
+        </p:spPr>
+        <p:txBody>
+          <a:bodyPr/>
+          <a:lstStyle/>
+          <a:p>
+            <a:r>
+              <a:rPr lang="en-US"/>
+              <a:t>Issue #1: introduce special </a:t>
+            </a:r>
+            <a:r>
+              <a:rPr lang="en-US" u="sng"/>
+              <a:t>protocol</a:t>
+            </a:r>
+            <a:r>
+              <a:rPr lang="en-US"/>
+              <a:t> classes of reusable methods</a:t>
+            </a:r>
+            <a:endParaRPr lang="en-US" u="sng"/>
+          </a:p>
+          <a:p>
+            <a:pPr lvl="1"/>
+            <a:r>
+              <a:rPr lang="en-US"/>
+              <a:t>multiple inheritance is restricted to those</a:t>
+            </a:r>
+          </a:p>
+          <a:p>
+            <a:pPr lvl="1"/>
+            <a:r>
+              <a:rPr lang="en-US"/>
+              <a:t>formalizes Python's protocol structure (Number, Mapping, ...)</a:t>
+            </a:r>
+          </a:p>
+          <a:p>
+            <a:pPr lvl="1"/>
+            <a:r>
+              <a:rPr lang="en-US"/>
+              <a:t>provides a type-safe way of overloading binary operators "</a:t>
+            </a:r>
+            <a:r>
+              <a:rPr lang="en-US"/>
+              <a:t>Python style"</a:t>
+            </a:r>
+            <a:endParaRPr lang="en-US"/>
+          </a:p>
+          <a:p>
+            <a:r>
+              <a:rPr lang="en-US"/>
+              <a:t>Issue #2: rely on </a:t>
+            </a:r>
+            <a:r>
+              <a:rPr lang="en-US" u="sng"/>
+              <a:t>subtyping</a:t>
+            </a:r>
+            <a:r>
+              <a:rPr lang="en-US"/>
+              <a:t> for making methods asynchronous</a:t>
+            </a:r>
+            <a:endParaRPr lang="en-US" u="sng"/>
+          </a:p>
+          <a:p>
+            <a:pPr lvl="1"/>
+            <a:r>
+              <a:rPr lang="en-US"/>
+              <a:t>"internal" vs. "external" is determined by context</a:t>
+            </a:r>
+          </a:p>
+          <a:p>
+            <a:pPr lvl="1"/>
+            <a:r>
+              <a:rPr lang="en-US"/>
+              <a:t>every method can be promoted to asynchronous type if the context demands</a:t>
+            </a:r>
+          </a:p>
+          <a:p>
+            <a:pPr lvl="1"/>
+            <a:r>
+              <a:rPr lang="en-US"/>
+              <a:t>async promotion means wrapping a method inside the RTS call "ASYNC"</a:t>
+            </a:r>
+          </a:p>
+          <a:p>
+            <a:r>
+              <a:rPr lang="en-US"/>
+              <a:t>Consequences: </a:t>
+            </a:r>
+          </a:p>
+          <a:p>
+            <a:pPr lvl="1"/>
+            <a:r>
+              <a:rPr lang="en-US" u="sng"/>
+              <a:t>Witness translation</a:t>
+            </a:r>
+            <a:r>
+              <a:rPr lang="en-US"/>
+              <a:t> becomes a crucial element in the compilation of most code</a:t>
+            </a:r>
+          </a:p>
+          <a:p>
+            <a:pPr lvl="1"/>
+            <a:r>
+              <a:rPr lang="en-US"/>
+              <a:t>Subtyping now also involves witness translation</a:t>
+            </a:r>
+          </a:p>
+        </p:txBody>
+      </p:sp>
+    </p:spTree>
+    <p:extLst>
+      <p:ext uri="{BB962C8B-B14F-4D97-AF65-F5344CB8AC3E}">
+        <p14:creationId xmlns:p14="http://schemas.microsoft.com/office/powerpoint/2010/main" val="1777113056"/>
+      </p:ext>
+    </p:extLst>
+  </p:cSld>
+  <p:clrMapOvr>
+    <a:masterClrMapping/>
+  </p:clrMapOvr>
+  <p:timing>
+    <p:tnLst>
+      <p:par>
+        <p:cTn id="1" dur="indefinite" restart="never" nodeType="tmRoot"/>
+      </p:par>
+    </p:tnLst>
+  </p:timing>
+</p:sld>
+</file>
+
+<file path=ppt/slides/slide4.xml><?xml version="1.0" encoding="utf-8"?>
+<p:sld xmlns:a="http://schemas.openxmlformats.org/drawingml/2006/main" xmlns:r="http://schemas.openxmlformats.org/officeDocument/2006/relationships" xmlns:p="http://schemas.openxmlformats.org/presentationml/2006/main">
+  <p:cSld>
+    <p:spTree>
+      <p:nvGrpSpPr>
+        <p:cNvPr id="1" name=""/>
+        <p:cNvGrpSpPr/>
+        <p:nvPr/>
+      </p:nvGrpSpPr>
+      <p:grpSpPr>
+        <a:xfrm>
+          <a:off x="0" y="0"/>
+          <a:ext cx="0" cy="0"/>
+          <a:chOff x="0" y="0"/>
+          <a:chExt cx="0" cy="0"/>
+        </a:xfrm>
+      </p:grpSpPr>
+      <p:sp>
+        <p:nvSpPr>
+          <p:cNvPr id="156" name="Right Arrow 155"/>
+          <p:cNvSpPr/>
+          <p:nvPr/>
+        </p:nvSpPr>
+        <p:spPr>
+          <a:xfrm rot="5400000" flipV="1">
+            <a:off x="10548503" y="5461800"/>
+            <a:ext cx="517813" cy="255710"/>
+          </a:xfrm>
+          <a:prstGeom prst="rightArrow">
+            <a:avLst/>
+          </a:prstGeom>
+          <a:solidFill>
+            <a:schemeClr val="accent1">
+              <a:lumMod val="60000"/>
+              <a:lumOff val="40000"/>
+            </a:schemeClr>
+          </a:solidFill>
+          <a:ln w="3175">
+            <a:solidFill>
+              <a:schemeClr val="tx1"/>
+            </a:solidFill>
+          </a:ln>
+        </p:spPr>
+        <p:style>
+          <a:lnRef idx="2">
+            <a:schemeClr val="accent1">
+              <a:shade val="50000"/>
+            </a:schemeClr>
+          </a:lnRef>
+          <a:fillRef idx="1">
+            <a:schemeClr val="accent1"/>
+          </a:fillRef>
+          <a:effectRef idx="0">
+            <a:schemeClr val="accent1"/>
+          </a:effectRef>
+          <a:fontRef idx="minor">
+            <a:schemeClr val="lt1"/>
+          </a:fontRef>
+        </p:style>
+        <p:txBody>
+          <a:bodyPr rtlCol="0" anchor="ctr"/>
+          <a:lstStyle/>
+          <a:p>
+            <a:pPr algn="ctr"/>
+            <a:endParaRPr lang="en-US"/>
+          </a:p>
+        </p:txBody>
+      </p:sp>
+      <p:sp>
+        <p:nvSpPr>
+          <p:cNvPr id="114" name="Right Arrow 113"/>
+          <p:cNvSpPr/>
+          <p:nvPr/>
+        </p:nvSpPr>
+        <p:spPr>
+          <a:xfrm rot="16200000">
+            <a:off x="1100734" y="5492284"/>
+            <a:ext cx="517813" cy="255710"/>
+          </a:xfrm>
+          <a:prstGeom prst="rightArrow">
+            <a:avLst/>
+          </a:prstGeom>
+          <a:solidFill>
+            <a:schemeClr val="accent1">
+              <a:lumMod val="60000"/>
+              <a:lumOff val="40000"/>
+            </a:schemeClr>
+          </a:solidFill>
+          <a:ln w="3175">
+            <a:solidFill>
+              <a:schemeClr val="tx1"/>
+            </a:solidFill>
+          </a:ln>
+        </p:spPr>
+        <p:style>
+          <a:lnRef idx="2">
+            <a:schemeClr val="accent1">
+              <a:shade val="50000"/>
+            </a:schemeClr>
+          </a:lnRef>
+          <a:fillRef idx="1">
+            <a:schemeClr val="accent1"/>
+          </a:fillRef>
+          <a:effectRef idx="0">
+            <a:schemeClr val="accent1"/>
+          </a:effectRef>
+          <a:fontRef idx="minor">
+            <a:schemeClr val="lt1"/>
+          </a:fontRef>
+        </p:style>
+        <p:txBody>
+          <a:bodyPr rtlCol="0" anchor="ctr"/>
+          <a:lstStyle/>
+          <a:p>
+            <a:pPr algn="ctr"/>
+            <a:endParaRPr lang="en-US"/>
+          </a:p>
+        </p:txBody>
+      </p:sp>
+      <p:sp>
+        <p:nvSpPr>
+          <p:cNvPr id="117" name="Right Arrow 116"/>
+          <p:cNvSpPr/>
+          <p:nvPr/>
+        </p:nvSpPr>
+        <p:spPr>
+          <a:xfrm rot="5400000" flipV="1">
+            <a:off x="10545978" y="3261289"/>
+            <a:ext cx="522863" cy="255710"/>
+          </a:xfrm>
+          <a:prstGeom prst="rightArrow">
+            <a:avLst/>
+          </a:prstGeom>
+          <a:solidFill>
+            <a:schemeClr val="accent1">
+              <a:lumMod val="60000"/>
+              <a:lumOff val="40000"/>
+            </a:schemeClr>
+          </a:solidFill>
+          <a:ln w="3175">
+            <a:solidFill>
+              <a:schemeClr val="tx1"/>
+            </a:solidFill>
+          </a:ln>
+        </p:spPr>
+        <p:style>
+          <a:lnRef idx="2">
+            <a:schemeClr val="accent1">
+              <a:shade val="50000"/>
+            </a:schemeClr>
+          </a:lnRef>
+          <a:fillRef idx="1">
+            <a:schemeClr val="accent1"/>
+          </a:fillRef>
+          <a:effectRef idx="0">
+            <a:schemeClr val="accent1"/>
+          </a:effectRef>
+          <a:fontRef idx="minor">
+            <a:schemeClr val="lt1"/>
+          </a:fontRef>
+        </p:style>
+        <p:txBody>
+          <a:bodyPr rtlCol="0" anchor="ctr"/>
+          <a:lstStyle/>
+          <a:p>
+            <a:pPr algn="ctr"/>
+            <a:endParaRPr lang="en-US"/>
+          </a:p>
+        </p:txBody>
+      </p:sp>
+      <p:sp>
+        <p:nvSpPr>
+          <p:cNvPr id="110" name="Right Arrow 109"/>
+          <p:cNvSpPr/>
+          <p:nvPr/>
+        </p:nvSpPr>
+        <p:spPr>
+          <a:xfrm rot="16200000">
+            <a:off x="8185794" y="3263811"/>
+            <a:ext cx="517813" cy="255710"/>
+          </a:xfrm>
+          <a:prstGeom prst="rightArrow">
+            <a:avLst/>
+          </a:prstGeom>
+          <a:solidFill>
+            <a:schemeClr val="accent1">
+              <a:lumMod val="60000"/>
+              <a:lumOff val="40000"/>
+            </a:schemeClr>
+          </a:solidFill>
+          <a:ln w="3175">
+            <a:solidFill>
+              <a:schemeClr val="tx1"/>
+            </a:solidFill>
+          </a:ln>
+        </p:spPr>
+        <p:style>
+          <a:lnRef idx="2">
+            <a:schemeClr val="accent1">
+              <a:shade val="50000"/>
+            </a:schemeClr>
+          </a:lnRef>
+          <a:fillRef idx="1">
+            <a:schemeClr val="accent1"/>
+          </a:fillRef>
+          <a:effectRef idx="0">
+            <a:schemeClr val="accent1"/>
+          </a:effectRef>
+          <a:fontRef idx="minor">
+            <a:schemeClr val="lt1"/>
+          </a:fontRef>
+        </p:style>
+        <p:txBody>
+          <a:bodyPr rtlCol="0" anchor="ctr"/>
+          <a:lstStyle/>
+          <a:p>
+            <a:pPr algn="ctr"/>
+            <a:endParaRPr lang="en-US"/>
+          </a:p>
+        </p:txBody>
+      </p:sp>
+      <p:sp>
+        <p:nvSpPr>
+          <p:cNvPr id="112" name="Right Arrow 111"/>
+          <p:cNvSpPr/>
+          <p:nvPr/>
+        </p:nvSpPr>
+        <p:spPr>
+          <a:xfrm rot="5400000" flipV="1">
+            <a:off x="3196995" y="3258763"/>
+            <a:ext cx="517813" cy="255710"/>
+          </a:xfrm>
+          <a:prstGeom prst="rightArrow">
+            <a:avLst/>
+          </a:prstGeom>
+          <a:solidFill>
+            <a:schemeClr val="accent1">
+              <a:lumMod val="60000"/>
+              <a:lumOff val="40000"/>
+            </a:schemeClr>
+          </a:solidFill>
+          <a:ln w="3175">
+            <a:solidFill>
+              <a:schemeClr val="tx1"/>
+            </a:solidFill>
+          </a:ln>
+        </p:spPr>
+        <p:style>
+          <a:lnRef idx="2">
+            <a:schemeClr val="accent1">
+              <a:shade val="50000"/>
+            </a:schemeClr>
+          </a:lnRef>
+          <a:fillRef idx="1">
+            <a:schemeClr val="accent1"/>
+          </a:fillRef>
+          <a:effectRef idx="0">
+            <a:schemeClr val="accent1"/>
+          </a:effectRef>
+          <a:fontRef idx="minor">
+            <a:schemeClr val="lt1"/>
+          </a:fontRef>
+        </p:style>
+        <p:txBody>
+          <a:bodyPr rtlCol="0" anchor="ctr"/>
+          <a:lstStyle/>
+          <a:p>
+            <a:pPr algn="ctr"/>
+            <a:endParaRPr lang="en-US"/>
+          </a:p>
+        </p:txBody>
+      </p:sp>
+      <p:sp>
+        <p:nvSpPr>
+          <p:cNvPr id="113" name="Right Arrow 112"/>
+          <p:cNvSpPr/>
+          <p:nvPr/>
+        </p:nvSpPr>
+        <p:spPr>
+          <a:xfrm rot="16200000">
+            <a:off x="3783374" y="3263813"/>
+            <a:ext cx="517813" cy="255710"/>
+          </a:xfrm>
+          <a:prstGeom prst="rightArrow">
+            <a:avLst/>
+          </a:prstGeom>
+          <a:solidFill>
+            <a:schemeClr val="accent1">
+              <a:lumMod val="60000"/>
+              <a:lumOff val="40000"/>
+            </a:schemeClr>
+          </a:solidFill>
+          <a:ln w="3175">
+            <a:solidFill>
+              <a:schemeClr val="tx1"/>
+            </a:solidFill>
+          </a:ln>
+        </p:spPr>
+        <p:style>
+          <a:lnRef idx="2">
+            <a:schemeClr val="accent1">
+              <a:shade val="50000"/>
+            </a:schemeClr>
+          </a:lnRef>
+          <a:fillRef idx="1">
+            <a:schemeClr val="accent1"/>
+          </a:fillRef>
+          <a:effectRef idx="0">
+            <a:schemeClr val="accent1"/>
+          </a:effectRef>
+          <a:fontRef idx="minor">
+            <a:schemeClr val="lt1"/>
+          </a:fontRef>
+        </p:style>
+        <p:txBody>
+          <a:bodyPr rtlCol="0" anchor="ctr"/>
+          <a:lstStyle/>
+          <a:p>
+            <a:pPr algn="ctr"/>
+            <a:endParaRPr lang="en-US"/>
+          </a:p>
+        </p:txBody>
+      </p:sp>
+      <p:sp>
+        <p:nvSpPr>
+          <p:cNvPr id="111" name="Right Arrow 110"/>
+          <p:cNvSpPr/>
+          <p:nvPr/>
+        </p:nvSpPr>
+        <p:spPr>
+          <a:xfrm rot="5400000" flipV="1">
+            <a:off x="5824124" y="3257755"/>
+            <a:ext cx="517813" cy="255710"/>
+          </a:xfrm>
+          <a:prstGeom prst="rightArrow">
+            <a:avLst/>
+          </a:prstGeom>
+          <a:solidFill>
+            <a:schemeClr val="accent1">
+              <a:lumMod val="60000"/>
+              <a:lumOff val="40000"/>
+            </a:schemeClr>
+          </a:solidFill>
+          <a:ln w="3175">
+            <a:solidFill>
+              <a:schemeClr val="tx1"/>
+            </a:solidFill>
+          </a:ln>
+        </p:spPr>
+        <p:style>
+          <a:lnRef idx="2">
+            <a:schemeClr val="accent1">
+              <a:shade val="50000"/>
+            </a:schemeClr>
+          </a:lnRef>
+          <a:fillRef idx="1">
+            <a:schemeClr val="accent1"/>
+          </a:fillRef>
+          <a:effectRef idx="0">
+            <a:schemeClr val="accent1"/>
+          </a:effectRef>
+          <a:fontRef idx="minor">
+            <a:schemeClr val="lt1"/>
+          </a:fontRef>
+        </p:style>
+        <p:txBody>
+          <a:bodyPr rtlCol="0" anchor="ctr"/>
+          <a:lstStyle/>
+          <a:p>
+            <a:pPr algn="ctr"/>
+            <a:endParaRPr lang="en-US"/>
+          </a:p>
+        </p:txBody>
+      </p:sp>
+      <p:sp>
+        <p:nvSpPr>
+          <p:cNvPr id="109" name="Right Arrow 108"/>
+          <p:cNvSpPr/>
+          <p:nvPr/>
+        </p:nvSpPr>
+        <p:spPr>
+          <a:xfrm rot="16200000">
+            <a:off x="1099728" y="3262803"/>
+            <a:ext cx="517813" cy="255710"/>
+          </a:xfrm>
+          <a:prstGeom prst="rightArrow">
+            <a:avLst/>
+          </a:prstGeom>
+          <a:solidFill>
+            <a:schemeClr val="accent1">
+              <a:lumMod val="60000"/>
+              <a:lumOff val="40000"/>
+            </a:schemeClr>
+          </a:solidFill>
+          <a:ln w="3175">
+            <a:solidFill>
+              <a:schemeClr val="tx1"/>
+            </a:solidFill>
+          </a:ln>
+        </p:spPr>
+        <p:style>
+          <a:lnRef idx="2">
+            <a:schemeClr val="accent1">
+              <a:shade val="50000"/>
+            </a:schemeClr>
+          </a:lnRef>
+          <a:fillRef idx="1">
+            <a:schemeClr val="accent1"/>
+          </a:fillRef>
+          <a:effectRef idx="0">
+            <a:schemeClr val="accent1"/>
+          </a:effectRef>
+          <a:fontRef idx="minor">
+            <a:schemeClr val="lt1"/>
+          </a:fontRef>
+        </p:style>
+        <p:txBody>
+          <a:bodyPr rtlCol="0" anchor="ctr"/>
+          <a:lstStyle/>
+          <a:p>
+            <a:pPr algn="ctr"/>
+            <a:endParaRPr lang="en-US"/>
+          </a:p>
+        </p:txBody>
+      </p:sp>
+      <p:sp>
+        <p:nvSpPr>
+          <p:cNvPr id="106" name="Right Arrow 105"/>
+          <p:cNvSpPr/>
+          <p:nvPr/>
+        </p:nvSpPr>
+        <p:spPr>
+          <a:xfrm>
+            <a:off x="9285288" y="2144806"/>
+            <a:ext cx="677528" cy="255710"/>
+          </a:xfrm>
+          <a:prstGeom prst="rightArrow">
+            <a:avLst/>
+          </a:prstGeom>
+          <a:solidFill>
+            <a:schemeClr val="accent1">
+              <a:lumMod val="60000"/>
+              <a:lumOff val="40000"/>
+            </a:schemeClr>
+          </a:solidFill>
+          <a:ln w="3175">
+            <a:solidFill>
+              <a:schemeClr val="tx1"/>
+            </a:solidFill>
+          </a:ln>
+        </p:spPr>
+        <p:style>
+          <a:lnRef idx="2">
+            <a:schemeClr val="accent1">
+              <a:shade val="50000"/>
+            </a:schemeClr>
+          </a:lnRef>
+          <a:fillRef idx="1">
+            <a:schemeClr val="accent1"/>
+          </a:fillRef>
+          <a:effectRef idx="0">
+            <a:schemeClr val="accent1"/>
+          </a:effectRef>
+          <a:fontRef idx="minor">
+            <a:schemeClr val="lt1"/>
+          </a:fontRef>
+        </p:style>
+        <p:txBody>
+          <a:bodyPr rtlCol="0" anchor="ctr"/>
+          <a:lstStyle/>
+          <a:p>
+            <a:pPr algn="ctr"/>
+            <a:endParaRPr lang="en-US"/>
+          </a:p>
+        </p:txBody>
+      </p:sp>
+      <p:sp>
+        <p:nvSpPr>
+          <p:cNvPr id="108" name="Right Arrow 107"/>
+          <p:cNvSpPr/>
+          <p:nvPr/>
+        </p:nvSpPr>
+        <p:spPr>
+          <a:xfrm>
+            <a:off x="6917540" y="4370140"/>
+            <a:ext cx="677528" cy="255710"/>
+          </a:xfrm>
+          <a:prstGeom prst="rightArrow">
+            <a:avLst/>
+          </a:prstGeom>
+          <a:solidFill>
+            <a:schemeClr val="accent1">
+              <a:lumMod val="60000"/>
+              <a:lumOff val="40000"/>
+            </a:schemeClr>
+          </a:solidFill>
+          <a:ln w="3175">
+            <a:solidFill>
+              <a:schemeClr val="tx1"/>
+            </a:solidFill>
+          </a:ln>
+        </p:spPr>
+        <p:style>
+          <a:lnRef idx="2">
+            <a:schemeClr val="accent1">
+              <a:shade val="50000"/>
+            </a:schemeClr>
+          </a:lnRef>
+          <a:fillRef idx="1">
+            <a:schemeClr val="accent1"/>
+          </a:fillRef>
+          <a:effectRef idx="0">
+            <a:schemeClr val="accent1"/>
+          </a:effectRef>
+          <a:fontRef idx="minor">
+            <a:schemeClr val="lt1"/>
+          </a:fontRef>
+        </p:style>
+        <p:txBody>
+          <a:bodyPr rtlCol="0" anchor="ctr"/>
+          <a:lstStyle/>
+          <a:p>
+            <a:pPr algn="ctr"/>
+            <a:endParaRPr lang="en-US"/>
+          </a:p>
+        </p:txBody>
+      </p:sp>
+      <p:sp>
+        <p:nvSpPr>
+          <p:cNvPr id="105" name="Right Arrow 104"/>
+          <p:cNvSpPr/>
+          <p:nvPr/>
+        </p:nvSpPr>
+        <p:spPr>
+          <a:xfrm>
+            <a:off x="4554847" y="2143800"/>
+            <a:ext cx="677528" cy="255710"/>
+          </a:xfrm>
+          <a:prstGeom prst="rightArrow">
+            <a:avLst/>
+          </a:prstGeom>
+          <a:solidFill>
+            <a:schemeClr val="accent1">
+              <a:lumMod val="60000"/>
+              <a:lumOff val="40000"/>
+            </a:schemeClr>
+          </a:solidFill>
+          <a:ln w="3175">
+            <a:solidFill>
+              <a:schemeClr val="tx1"/>
+            </a:solidFill>
+          </a:ln>
+        </p:spPr>
+        <p:style>
+          <a:lnRef idx="2">
+            <a:schemeClr val="accent1">
+              <a:shade val="50000"/>
+            </a:schemeClr>
+          </a:lnRef>
+          <a:fillRef idx="1">
+            <a:schemeClr val="accent1"/>
+          </a:fillRef>
+          <a:effectRef idx="0">
+            <a:schemeClr val="accent1"/>
+          </a:effectRef>
+          <a:fontRef idx="minor">
+            <a:schemeClr val="lt1"/>
+          </a:fontRef>
+        </p:style>
+        <p:txBody>
+          <a:bodyPr rtlCol="0" anchor="ctr"/>
+          <a:lstStyle/>
+          <a:p>
+            <a:pPr algn="ctr"/>
+            <a:endParaRPr lang="en-US"/>
+          </a:p>
+        </p:txBody>
+      </p:sp>
+      <p:sp>
+        <p:nvSpPr>
+          <p:cNvPr id="104" name="Right Arrow 103"/>
+          <p:cNvSpPr/>
+          <p:nvPr/>
+        </p:nvSpPr>
+        <p:spPr>
+          <a:xfrm>
+            <a:off x="2192140" y="2142793"/>
+            <a:ext cx="677528" cy="255710"/>
+          </a:xfrm>
+          <a:prstGeom prst="rightArrow">
+            <a:avLst/>
+          </a:prstGeom>
+          <a:solidFill>
+            <a:schemeClr val="accent1">
+              <a:lumMod val="60000"/>
+              <a:lumOff val="40000"/>
+            </a:schemeClr>
+          </a:solidFill>
+          <a:ln w="3175">
+            <a:solidFill>
+              <a:schemeClr val="tx1"/>
+            </a:solidFill>
+          </a:ln>
+        </p:spPr>
+        <p:style>
+          <a:lnRef idx="2">
+            <a:schemeClr val="accent1">
+              <a:shade val="50000"/>
+            </a:schemeClr>
+          </a:lnRef>
+          <a:fillRef idx="1">
+            <a:schemeClr val="accent1"/>
+          </a:fillRef>
+          <a:effectRef idx="0">
+            <a:schemeClr val="accent1"/>
+          </a:effectRef>
+          <a:fontRef idx="minor">
+            <a:schemeClr val="lt1"/>
+          </a:fontRef>
+        </p:style>
+        <p:txBody>
+          <a:bodyPr rtlCol="0" anchor="ctr"/>
+          <a:lstStyle/>
+          <a:p>
+            <a:pPr algn="ctr"/>
+            <a:endParaRPr lang="en-US"/>
+          </a:p>
+        </p:txBody>
+      </p:sp>
+      <p:sp>
+        <p:nvSpPr>
+          <p:cNvPr id="2" name="Title 1"/>
+          <p:cNvSpPr>
+            <a:spLocks noGrp="1"/>
+          </p:cNvSpPr>
+          <p:nvPr>
+            <p:ph type="title"/>
+          </p:nvPr>
+        </p:nvSpPr>
+        <p:spPr>
+          <a:xfrm>
+            <a:off x="838200" y="253615"/>
+            <a:ext cx="10515600" cy="571577"/>
+          </a:xfrm>
+        </p:spPr>
+        <p:txBody>
+          <a:bodyPr/>
+          <a:lstStyle/>
+          <a:p>
+            <a:pPr algn="ctr"/>
+            <a:r>
+              <a:rPr lang="en-US"/>
+              <a:t>The Acton Compiler (update)</a:t>
+            </a:r>
+          </a:p>
+        </p:txBody>
+      </p:sp>
+      <p:sp>
+        <p:nvSpPr>
+          <p:cNvPr id="4" name="Rectangle 3"/>
+          <p:cNvSpPr/>
+          <p:nvPr/>
+        </p:nvSpPr>
+        <p:spPr>
+          <a:xfrm>
+            <a:off x="525136" y="1432190"/>
+            <a:ext cx="1673060" cy="1685581"/>
+          </a:xfrm>
+          <a:prstGeom prst="rect">
+            <a:avLst/>
+          </a:prstGeom>
+          <a:noFill/>
+          <a:ln w="28575">
+            <a:solidFill>
+              <a:schemeClr val="tx1"/>
+            </a:solidFill>
+          </a:ln>
+        </p:spPr>
+        <p:style>
+          <a:lnRef idx="2">
+            <a:schemeClr val="accent1">
+              <a:shade val="50000"/>
+            </a:schemeClr>
+          </a:lnRef>
+          <a:fillRef idx="1">
+            <a:schemeClr val="accent1"/>
+          </a:fillRef>
+          <a:effectRef idx="0">
+            <a:schemeClr val="accent1"/>
+          </a:effectRef>
+          <a:fontRef idx="minor">
+            <a:schemeClr val="lt1"/>
+          </a:fontRef>
+        </p:style>
+        <p:txBody>
+          <a:bodyPr rtlCol="0" anchor="ctr"/>
+          <a:lstStyle/>
+          <a:p>
+            <a:pPr algn="ctr"/>
+            <a:endParaRPr lang="en-US">
+              <a:solidFill>
+                <a:schemeClr val="tx1"/>
+              </a:solidFill>
+            </a:endParaRPr>
+          </a:p>
+        </p:txBody>
+      </p:sp>
+      <p:sp>
+        <p:nvSpPr>
+          <p:cNvPr id="23" name="TextBox 22"/>
+          <p:cNvSpPr txBox="1"/>
+          <p:nvPr/>
+        </p:nvSpPr>
+        <p:spPr>
+          <a:xfrm>
+            <a:off x="525136" y="1432190"/>
+            <a:ext cx="1673060" cy="369332"/>
+          </a:xfrm>
+          <a:prstGeom prst="rect">
+            <a:avLst/>
+          </a:prstGeom>
+          <a:noFill/>
+        </p:spPr>
+        <p:txBody>
+          <a:bodyPr wrap="square" rtlCol="0">
+            <a:spAutoFit/>
+          </a:bodyPr>
+          <a:lstStyle/>
+          <a:p>
+            <a:pPr algn="ctr"/>
+            <a:r>
+              <a:rPr lang="en-US"/>
+              <a:t>Kinds</a:t>
+            </a:r>
+          </a:p>
+        </p:txBody>
+      </p:sp>
+      <p:sp>
+        <p:nvSpPr>
+          <p:cNvPr id="24" name="TextBox 23"/>
+          <p:cNvSpPr txBox="1"/>
+          <p:nvPr/>
+        </p:nvSpPr>
+        <p:spPr>
+          <a:xfrm>
+            <a:off x="525136" y="1801522"/>
+            <a:ext cx="1673060" cy="830997"/>
+          </a:xfrm>
+          <a:prstGeom prst="rect">
+            <a:avLst/>
+          </a:prstGeom>
+          <a:noFill/>
+        </p:spPr>
+        <p:txBody>
+          <a:bodyPr wrap="square" rtlCol="0">
+            <a:spAutoFit/>
+          </a:bodyPr>
+          <a:lstStyle/>
+          <a:p>
+            <a:pPr marL="171450" indent="-171450">
+              <a:buSzPct val="100000"/>
+              <a:buFont typeface="Arial" charset="0"/>
+              <a:buChar char="•"/>
+            </a:pPr>
+            <a:r>
+              <a:rPr lang="en-US" sz="1200"/>
+              <a:t>Check annotations for well-formedness</a:t>
+            </a:r>
+          </a:p>
+          <a:p>
+            <a:pPr marL="171450" indent="-171450">
+              <a:buSzPct val="100000"/>
+              <a:buFont typeface="Arial" charset="0"/>
+              <a:buChar char="•"/>
+            </a:pPr>
+            <a:r>
+              <a:rPr lang="en-US" sz="1200"/>
+              <a:t>Replace annotation wildcards</a:t>
+            </a:r>
+          </a:p>
+        </p:txBody>
+      </p:sp>
+      <p:grpSp>
+        <p:nvGrpSpPr>
+          <p:cNvPr id="57" name="Group 56"/>
+          <p:cNvGrpSpPr/>
+          <p:nvPr/>
+        </p:nvGrpSpPr>
+        <p:grpSpPr>
+          <a:xfrm>
+            <a:off x="1901089" y="5950211"/>
+            <a:ext cx="8389821" cy="678232"/>
+            <a:chOff x="1464705" y="5947253"/>
+            <a:chExt cx="9262589" cy="678232"/>
+          </a:xfrm>
+          <a:scene3d>
+            <a:camera prst="perspectiveRelaxed" fov="7200000"/>
+            <a:lightRig rig="threePt" dir="t"/>
+          </a:scene3d>
+        </p:grpSpPr>
+        <p:sp>
+          <p:nvSpPr>
+            <p:cNvPr id="53" name="Rectangle 52"/>
+            <p:cNvSpPr/>
+            <p:nvPr/>
+          </p:nvSpPr>
+          <p:spPr>
+            <a:xfrm>
+              <a:off x="1464705" y="5947254"/>
+              <a:ext cx="9262589" cy="678231"/>
+            </a:xfrm>
+            <a:prstGeom prst="rect">
+              <a:avLst/>
+            </a:prstGeom>
+            <a:solidFill>
+              <a:schemeClr val="accent1">
+                <a:lumMod val="60000"/>
+                <a:lumOff val="40000"/>
+              </a:schemeClr>
+            </a:solidFill>
+            <a:ln>
+              <a:noFill/>
+            </a:ln>
+          </p:spPr>
+          <p:style>
+            <a:lnRef idx="2">
+              <a:schemeClr val="accent1">
+                <a:shade val="50000"/>
+              </a:schemeClr>
+            </a:lnRef>
+            <a:fillRef idx="1">
+              <a:schemeClr val="accent1"/>
+            </a:fillRef>
+            <a:effectRef idx="0">
+              <a:schemeClr val="accent1"/>
+            </a:effectRef>
+            <a:fontRef idx="minor">
+              <a:schemeClr val="lt1"/>
+            </a:fontRef>
+          </p:style>
+          <p:txBody>
+            <a:bodyPr rtlCol="0" anchor="ctr"/>
+            <a:lstStyle/>
+            <a:p>
+              <a:pPr algn="ctr"/>
+              <a:endParaRPr lang="en-US"/>
+            </a:p>
+          </p:txBody>
+        </p:sp>
+        <p:sp>
+          <p:nvSpPr>
+            <p:cNvPr id="54" name="TextBox 53"/>
+            <p:cNvSpPr txBox="1"/>
+            <p:nvPr/>
+          </p:nvSpPr>
+          <p:spPr>
+            <a:xfrm>
+              <a:off x="1477567" y="6121586"/>
+              <a:ext cx="4033049" cy="369332"/>
+            </a:xfrm>
+            <a:prstGeom prst="rect">
+              <a:avLst/>
+            </a:prstGeom>
+            <a:noFill/>
+          </p:spPr>
+          <p:txBody>
+            <a:bodyPr wrap="square" rtlCol="0">
+              <a:spAutoFit/>
+            </a:bodyPr>
+            <a:lstStyle/>
+            <a:p>
+              <a:pPr algn="ctr"/>
+              <a:r>
+                <a:rPr lang="en-US"/>
+                <a:t>Static semantics (</a:t>
+              </a:r>
+              <a:r>
+                <a:rPr lang="en-US">
+                  <a:solidFill>
+                    <a:srgbClr val="FF0000"/>
+                  </a:solidFill>
+                </a:rPr>
+                <a:t>revised</a:t>
+              </a:r>
+              <a:r>
+                <a:rPr lang="en-US"/>
+                <a:t>)</a:t>
+              </a:r>
+            </a:p>
+          </p:txBody>
+        </p:sp>
+        <p:sp>
+          <p:nvSpPr>
+            <p:cNvPr id="55" name="TextBox 54"/>
+            <p:cNvSpPr txBox="1"/>
+            <p:nvPr/>
+          </p:nvSpPr>
+          <p:spPr>
+            <a:xfrm>
+              <a:off x="6680362" y="6119871"/>
+              <a:ext cx="4033049" cy="369332"/>
+            </a:xfrm>
+            <a:prstGeom prst="rect">
+              <a:avLst/>
+            </a:prstGeom>
+            <a:noFill/>
+          </p:spPr>
+          <p:txBody>
+            <a:bodyPr wrap="square" rtlCol="0">
+              <a:spAutoFit/>
+            </a:bodyPr>
+            <a:lstStyle/>
+            <a:p>
+              <a:pPr algn="ctr"/>
+              <a:r>
+                <a:rPr lang="en-US"/>
+                <a:t>Dynamic semantics</a:t>
+              </a:r>
+            </a:p>
+          </p:txBody>
+        </p:sp>
+        <p:sp>
+          <p:nvSpPr>
+            <p:cNvPr id="56" name="Rectangle 55"/>
+            <p:cNvSpPr/>
+            <p:nvPr/>
+          </p:nvSpPr>
+          <p:spPr>
+            <a:xfrm>
+              <a:off x="5683660" y="5947253"/>
+              <a:ext cx="829628" cy="678231"/>
+            </a:xfrm>
+            <a:prstGeom prst="rect">
+              <a:avLst/>
+            </a:prstGeom>
+            <a:solidFill>
+              <a:schemeClr val="bg1"/>
+            </a:solidFill>
+            <a:ln>
+              <a:noFill/>
+            </a:ln>
+          </p:spPr>
+          <p:style>
+            <a:lnRef idx="2">
+              <a:schemeClr val="accent1">
+                <a:shade val="50000"/>
+              </a:schemeClr>
+            </a:lnRef>
+            <a:fillRef idx="1">
+              <a:schemeClr val="accent1"/>
+            </a:fillRef>
+            <a:effectRef idx="0">
+              <a:schemeClr val="accent1"/>
+            </a:effectRef>
+            <a:fontRef idx="minor">
+              <a:schemeClr val="lt1"/>
+            </a:fontRef>
+          </p:style>
+          <p:txBody>
+            <a:bodyPr rtlCol="0" anchor="ctr"/>
+            <a:lstStyle/>
+            <a:p>
+              <a:pPr algn="ctr"/>
+              <a:endParaRPr lang="en-US"/>
+            </a:p>
+          </p:txBody>
+        </p:sp>
+      </p:grpSp>
+      <p:sp>
+        <p:nvSpPr>
+          <p:cNvPr id="71" name="Rectangle 70"/>
+          <p:cNvSpPr/>
+          <p:nvPr/>
+        </p:nvSpPr>
+        <p:spPr>
+          <a:xfrm>
+            <a:off x="2887836" y="1433196"/>
+            <a:ext cx="1673060" cy="1685581"/>
+          </a:xfrm>
+          <a:prstGeom prst="rect">
+            <a:avLst/>
+          </a:prstGeom>
+          <a:noFill/>
+          <a:ln w="28575">
+            <a:solidFill>
+              <a:schemeClr val="tx1"/>
+            </a:solidFill>
+            <a:prstDash val="dash"/>
+          </a:ln>
+        </p:spPr>
+        <p:style>
+          <a:lnRef idx="2">
+            <a:schemeClr val="accent1">
+              <a:shade val="50000"/>
+            </a:schemeClr>
+          </a:lnRef>
+          <a:fillRef idx="1">
+            <a:schemeClr val="accent1"/>
+          </a:fillRef>
+          <a:effectRef idx="0">
+            <a:schemeClr val="accent1"/>
+          </a:effectRef>
+          <a:fontRef idx="minor">
+            <a:schemeClr val="lt1"/>
+          </a:fontRef>
+        </p:style>
+        <p:txBody>
+          <a:bodyPr rtlCol="0" anchor="ctr"/>
+          <a:lstStyle/>
+          <a:p>
+            <a:pPr algn="ctr"/>
+            <a:endParaRPr lang="en-US"/>
+          </a:p>
+        </p:txBody>
+      </p:sp>
+      <p:sp>
+        <p:nvSpPr>
+          <p:cNvPr id="72" name="TextBox 71"/>
+          <p:cNvSpPr txBox="1"/>
+          <p:nvPr/>
+        </p:nvSpPr>
+        <p:spPr>
+          <a:xfrm>
+            <a:off x="2887836" y="1433196"/>
+            <a:ext cx="1673060" cy="369332"/>
+          </a:xfrm>
+          <a:prstGeom prst="rect">
+            <a:avLst/>
+          </a:prstGeom>
+          <a:noFill/>
+        </p:spPr>
+        <p:txBody>
+          <a:bodyPr wrap="square" rtlCol="0">
+            <a:spAutoFit/>
+          </a:bodyPr>
+          <a:lstStyle/>
+          <a:p>
+            <a:pPr algn="ctr"/>
+            <a:r>
+              <a:rPr lang="en-US"/>
+              <a:t>Types</a:t>
+            </a:r>
+          </a:p>
+        </p:txBody>
+      </p:sp>
+      <p:sp>
+        <p:nvSpPr>
+          <p:cNvPr id="73" name="TextBox 72"/>
+          <p:cNvSpPr txBox="1"/>
+          <p:nvPr/>
+        </p:nvSpPr>
+        <p:spPr>
+          <a:xfrm>
+            <a:off x="2887836" y="1802528"/>
+            <a:ext cx="1673060" cy="1200329"/>
+          </a:xfrm>
+          <a:prstGeom prst="rect">
+            <a:avLst/>
+          </a:prstGeom>
+          <a:noFill/>
+        </p:spPr>
+        <p:txBody>
+          <a:bodyPr wrap="square" rtlCol="0">
+            <a:spAutoFit/>
+          </a:bodyPr>
+          <a:lstStyle/>
+          <a:p>
+            <a:pPr marL="171450" indent="-171450">
+              <a:buSzPct val="100000"/>
+              <a:buFont typeface="Arial" charset="0"/>
+              <a:buChar char="•"/>
+            </a:pPr>
+            <a:r>
+              <a:rPr lang="en-US" sz="1200"/>
+              <a:t>Infer missing types</a:t>
+            </a:r>
+          </a:p>
+          <a:p>
+            <a:pPr marL="171450" indent="-171450">
+              <a:buSzPct val="100000"/>
+              <a:buFont typeface="Arial" charset="0"/>
+              <a:buChar char="•"/>
+            </a:pPr>
+            <a:r>
+              <a:rPr lang="en-US" sz="1200"/>
+              <a:t>Check correctness</a:t>
+            </a:r>
+          </a:p>
+          <a:p>
+            <a:pPr marL="171450" indent="-171450">
+              <a:buSzPct val="100000"/>
+              <a:buFont typeface="Arial" charset="0"/>
+              <a:buChar char="•"/>
+            </a:pPr>
+            <a:r>
+              <a:rPr lang="en-US" sz="1200"/>
+              <a:t>Infer effects</a:t>
+            </a:r>
+          </a:p>
+          <a:p>
+            <a:pPr marL="171450" indent="-171450">
+              <a:buSzPct val="100000"/>
+              <a:buFont typeface="Arial" charset="0"/>
+              <a:buChar char="•"/>
+            </a:pPr>
+            <a:r>
+              <a:rPr lang="en-US" sz="1200">
+                <a:solidFill>
+                  <a:srgbClr val="FF0000"/>
+                </a:solidFill>
+              </a:rPr>
+              <a:t>Resolve overloading</a:t>
+            </a:r>
+          </a:p>
+          <a:p>
+            <a:pPr marL="171450" indent="-171450">
+              <a:buSzPct val="100000"/>
+              <a:buFont typeface="Arial" charset="0"/>
+              <a:buChar char="•"/>
+            </a:pPr>
+            <a:r>
+              <a:rPr lang="en-US" sz="1200"/>
+              <a:t>Compute the MRO</a:t>
+            </a:r>
+          </a:p>
+          <a:p>
+            <a:pPr marL="171450" indent="-171450">
+              <a:buSzPct val="100000"/>
+              <a:buFont typeface="Arial" charset="0"/>
+              <a:buChar char="•"/>
+            </a:pPr>
+            <a:r>
+              <a:rPr lang="en-US" sz="1200"/>
+              <a:t>Write interface files</a:t>
+            </a:r>
+          </a:p>
+        </p:txBody>
+      </p:sp>
+      <p:sp>
+        <p:nvSpPr>
+          <p:cNvPr id="74" name="Rectangle 73"/>
+          <p:cNvSpPr/>
+          <p:nvPr/>
+        </p:nvSpPr>
+        <p:spPr>
+          <a:xfrm>
+            <a:off x="5250536" y="1434202"/>
+            <a:ext cx="1673060" cy="1685581"/>
+          </a:xfrm>
+          <a:prstGeom prst="rect">
+            <a:avLst/>
+          </a:prstGeom>
+          <a:noFill/>
+          <a:ln w="28575">
+            <a:solidFill>
+              <a:schemeClr val="tx1"/>
+            </a:solidFill>
+          </a:ln>
+        </p:spPr>
+        <p:style>
+          <a:lnRef idx="2">
+            <a:schemeClr val="accent1">
+              <a:shade val="50000"/>
+            </a:schemeClr>
+          </a:lnRef>
+          <a:fillRef idx="1">
+            <a:schemeClr val="accent1"/>
+          </a:fillRef>
+          <a:effectRef idx="0">
+            <a:schemeClr val="accent1"/>
+          </a:effectRef>
+          <a:fontRef idx="minor">
+            <a:schemeClr val="lt1"/>
+          </a:fontRef>
+        </p:style>
+        <p:txBody>
+          <a:bodyPr rtlCol="0" anchor="ctr"/>
+          <a:lstStyle/>
+          <a:p>
+            <a:pPr algn="ctr"/>
+            <a:endParaRPr lang="en-US"/>
+          </a:p>
+        </p:txBody>
+      </p:sp>
+      <p:sp>
+        <p:nvSpPr>
+          <p:cNvPr id="75" name="TextBox 74"/>
+          <p:cNvSpPr txBox="1"/>
+          <p:nvPr/>
+        </p:nvSpPr>
+        <p:spPr>
+          <a:xfrm>
+            <a:off x="5250536" y="1434202"/>
+            <a:ext cx="1673060" cy="369332"/>
+          </a:xfrm>
+          <a:prstGeom prst="rect">
+            <a:avLst/>
+          </a:prstGeom>
+          <a:noFill/>
+        </p:spPr>
+        <p:txBody>
+          <a:bodyPr wrap="square" rtlCol="0">
+            <a:spAutoFit/>
+          </a:bodyPr>
+          <a:lstStyle/>
+          <a:p>
+            <a:pPr algn="ctr"/>
+            <a:r>
+              <a:rPr lang="en-US"/>
+              <a:t>Normalizer</a:t>
+            </a:r>
+          </a:p>
+        </p:txBody>
+      </p:sp>
+      <p:sp>
+        <p:nvSpPr>
+          <p:cNvPr id="76" name="TextBox 75"/>
+          <p:cNvSpPr txBox="1"/>
+          <p:nvPr/>
+        </p:nvSpPr>
+        <p:spPr>
+          <a:xfrm>
+            <a:off x="5250536" y="1803534"/>
+            <a:ext cx="1712654" cy="1200329"/>
+          </a:xfrm>
+          <a:prstGeom prst="rect">
+            <a:avLst/>
+          </a:prstGeom>
+          <a:noFill/>
+        </p:spPr>
+        <p:txBody>
+          <a:bodyPr wrap="square" rtlCol="0">
+            <a:spAutoFit/>
+          </a:bodyPr>
+          <a:lstStyle/>
+          <a:p>
+            <a:pPr marL="171450" indent="-171450">
+              <a:buSzPct val="100000"/>
+              <a:buFont typeface="Arial" charset="0"/>
+              <a:buChar char="•"/>
+            </a:pPr>
+            <a:r>
+              <a:rPr lang="en-US" sz="1200"/>
+              <a:t>Qualify global names</a:t>
+            </a:r>
+          </a:p>
+          <a:p>
+            <a:pPr marL="171450" indent="-171450">
+              <a:buSzPct val="100000"/>
+              <a:buFont typeface="Arial" charset="0"/>
+              <a:buChar char="•"/>
+            </a:pPr>
+            <a:r>
+              <a:rPr lang="en-US" sz="1200">
+                <a:solidFill>
+                  <a:schemeClr val="bg2">
+                    <a:lumMod val="75000"/>
+                  </a:schemeClr>
+                </a:solidFill>
+              </a:rPr>
+              <a:t>Turn comprehensions into loops</a:t>
+            </a:r>
+          </a:p>
+          <a:p>
+            <a:pPr marL="171450" indent="-171450">
+              <a:buSzPct val="100000"/>
+              <a:buFont typeface="Arial" charset="0"/>
+              <a:buChar char="•"/>
+            </a:pPr>
+            <a:r>
+              <a:rPr lang="en-US" sz="1200"/>
+              <a:t>Move parameter defaults</a:t>
+            </a:r>
+          </a:p>
+          <a:p>
+            <a:pPr marL="171450" indent="-171450">
+              <a:buSzPct val="100000"/>
+              <a:buFont typeface="Arial" charset="0"/>
+              <a:buChar char="•"/>
+            </a:pPr>
+            <a:r>
+              <a:rPr lang="en-US" sz="1200"/>
+              <a:t>Simplify assignments </a:t>
+            </a:r>
+          </a:p>
+        </p:txBody>
+      </p:sp>
+      <p:sp>
+        <p:nvSpPr>
+          <p:cNvPr id="77" name="Rectangle 76"/>
+          <p:cNvSpPr/>
+          <p:nvPr/>
+        </p:nvSpPr>
+        <p:spPr>
+          <a:xfrm>
+            <a:off x="7613236" y="1435208"/>
+            <a:ext cx="1673060" cy="1685581"/>
+          </a:xfrm>
+          <a:prstGeom prst="rect">
+            <a:avLst/>
+          </a:prstGeom>
+          <a:noFill/>
+          <a:ln w="28575">
+            <a:solidFill>
+              <a:schemeClr val="tx1"/>
+            </a:solidFill>
+            <a:prstDash val="dash"/>
+          </a:ln>
+        </p:spPr>
+        <p:style>
+          <a:lnRef idx="2">
+            <a:schemeClr val="accent1">
+              <a:shade val="50000"/>
+            </a:schemeClr>
+          </a:lnRef>
+          <a:fillRef idx="1">
+            <a:schemeClr val="accent1"/>
+          </a:fillRef>
+          <a:effectRef idx="0">
+            <a:schemeClr val="accent1"/>
+          </a:effectRef>
+          <a:fontRef idx="minor">
+            <a:schemeClr val="lt1"/>
+          </a:fontRef>
+        </p:style>
+        <p:txBody>
+          <a:bodyPr rtlCol="0" anchor="ctr"/>
+          <a:lstStyle/>
+          <a:p>
+            <a:pPr algn="ctr"/>
+            <a:endParaRPr lang="en-US"/>
+          </a:p>
+        </p:txBody>
+      </p:sp>
+      <p:sp>
+        <p:nvSpPr>
+          <p:cNvPr id="78" name="TextBox 77"/>
+          <p:cNvSpPr txBox="1"/>
+          <p:nvPr/>
+        </p:nvSpPr>
+        <p:spPr>
+          <a:xfrm>
+            <a:off x="7613236" y="1435208"/>
+            <a:ext cx="1673060" cy="369332"/>
+          </a:xfrm>
+          <a:prstGeom prst="rect">
+            <a:avLst/>
+          </a:prstGeom>
+          <a:noFill/>
+        </p:spPr>
+        <p:txBody>
+          <a:bodyPr wrap="square" rtlCol="0">
+            <a:spAutoFit/>
+          </a:bodyPr>
+          <a:lstStyle/>
+          <a:p>
+            <a:pPr algn="ctr"/>
+            <a:r>
+              <a:rPr lang="en-US"/>
+              <a:t>LambdaLifter</a:t>
+            </a:r>
+          </a:p>
+        </p:txBody>
+      </p:sp>
+      <p:sp>
+        <p:nvSpPr>
+          <p:cNvPr id="79" name="TextBox 78"/>
+          <p:cNvSpPr txBox="1"/>
+          <p:nvPr/>
+        </p:nvSpPr>
+        <p:spPr>
+          <a:xfrm>
+            <a:off x="7613236" y="1804540"/>
+            <a:ext cx="1673060" cy="1200329"/>
+          </a:xfrm>
+          <a:prstGeom prst="rect">
+            <a:avLst/>
+          </a:prstGeom>
+          <a:noFill/>
+        </p:spPr>
+        <p:txBody>
+          <a:bodyPr wrap="square" rtlCol="0">
+            <a:spAutoFit/>
+          </a:bodyPr>
+          <a:lstStyle/>
+          <a:p>
+            <a:pPr marL="171450" indent="-171450">
+              <a:buSzPct val="100000"/>
+              <a:buFont typeface="Arial" charset="0"/>
+              <a:buChar char="•"/>
+            </a:pPr>
+            <a:r>
+              <a:rPr lang="en-US" sz="1200"/>
+              <a:t>Turn free variables into parameters or self-attributes</a:t>
+            </a:r>
+          </a:p>
+          <a:p>
+            <a:pPr marL="171450" indent="-171450">
+              <a:buSzPct val="100000"/>
+              <a:buFont typeface="Arial" charset="0"/>
+              <a:buChar char="•"/>
+            </a:pPr>
+            <a:r>
+              <a:rPr lang="en-US" sz="1200"/>
+              <a:t>Lift all functions and classes to the top </a:t>
+            </a:r>
+            <a:r>
+              <a:rPr lang="en-US" sz="1200" strike="sngStrike">
+                <a:solidFill>
+                  <a:schemeClr val="bg2">
+                    <a:lumMod val="75000"/>
+                  </a:schemeClr>
+                </a:solidFill>
+              </a:rPr>
+              <a:t>or nearest class level</a:t>
+            </a:r>
+          </a:p>
+        </p:txBody>
+      </p:sp>
+      <p:sp>
+        <p:nvSpPr>
+          <p:cNvPr id="89" name="Rectangle 88"/>
+          <p:cNvSpPr/>
+          <p:nvPr/>
+        </p:nvSpPr>
+        <p:spPr>
+          <a:xfrm>
+            <a:off x="526145" y="3655620"/>
+            <a:ext cx="1673060" cy="1685581"/>
+          </a:xfrm>
+          <a:prstGeom prst="rect">
+            <a:avLst/>
+          </a:prstGeom>
+          <a:noFill/>
+          <a:ln w="28575">
+            <a:solidFill>
+              <a:schemeClr val="tx1"/>
+            </a:solidFill>
+          </a:ln>
+        </p:spPr>
+        <p:style>
+          <a:lnRef idx="2">
+            <a:schemeClr val="accent1">
+              <a:shade val="50000"/>
+            </a:schemeClr>
+          </a:lnRef>
+          <a:fillRef idx="1">
+            <a:schemeClr val="accent1"/>
+          </a:fillRef>
+          <a:effectRef idx="0">
+            <a:schemeClr val="accent1"/>
+          </a:effectRef>
+          <a:fontRef idx="minor">
+            <a:schemeClr val="lt1"/>
+          </a:fontRef>
+        </p:style>
+        <p:txBody>
+          <a:bodyPr rtlCol="0" anchor="ctr"/>
+          <a:lstStyle/>
+          <a:p>
+            <a:pPr algn="ctr"/>
+            <a:endParaRPr lang="en-US"/>
+          </a:p>
+        </p:txBody>
+      </p:sp>
+      <p:sp>
+        <p:nvSpPr>
+          <p:cNvPr id="90" name="TextBox 89"/>
+          <p:cNvSpPr txBox="1"/>
+          <p:nvPr/>
+        </p:nvSpPr>
+        <p:spPr>
+          <a:xfrm>
+            <a:off x="526145" y="3655620"/>
+            <a:ext cx="1673060" cy="369332"/>
+          </a:xfrm>
+          <a:prstGeom prst="rect">
+            <a:avLst/>
+          </a:prstGeom>
+          <a:noFill/>
+        </p:spPr>
+        <p:txBody>
+          <a:bodyPr wrap="square" rtlCol="0">
+            <a:spAutoFit/>
+          </a:bodyPr>
+          <a:lstStyle/>
+          <a:p>
+            <a:pPr algn="ctr"/>
+            <a:r>
+              <a:rPr lang="en-US"/>
+              <a:t>Parser</a:t>
+            </a:r>
+          </a:p>
+        </p:txBody>
+      </p:sp>
+      <p:sp>
+        <p:nvSpPr>
+          <p:cNvPr id="91" name="TextBox 90"/>
+          <p:cNvSpPr txBox="1"/>
+          <p:nvPr/>
+        </p:nvSpPr>
+        <p:spPr>
+          <a:xfrm>
+            <a:off x="526145" y="4024952"/>
+            <a:ext cx="1673060" cy="830997"/>
+          </a:xfrm>
+          <a:prstGeom prst="rect">
+            <a:avLst/>
+          </a:prstGeom>
+          <a:noFill/>
+        </p:spPr>
+        <p:txBody>
+          <a:bodyPr wrap="square" rtlCol="0">
+            <a:spAutoFit/>
+          </a:bodyPr>
+          <a:lstStyle/>
+          <a:p>
+            <a:pPr marL="171450" indent="-171450">
+              <a:buSzPct val="100000"/>
+              <a:buFont typeface="Arial" charset="0"/>
+              <a:buChar char="•"/>
+            </a:pPr>
+            <a:r>
+              <a:rPr lang="en-US" sz="1200"/>
+              <a:t>Check grammar</a:t>
+            </a:r>
+          </a:p>
+          <a:p>
+            <a:pPr marL="171450" indent="-171450">
+              <a:buSzPct val="100000"/>
+              <a:buFont typeface="Arial" charset="0"/>
+              <a:buChar char="•"/>
+            </a:pPr>
+            <a:r>
+              <a:rPr lang="en-US" sz="1200"/>
+              <a:t>Identify recursive definition groups</a:t>
+            </a:r>
+          </a:p>
+          <a:p>
+            <a:pPr marL="171450" indent="-171450">
+              <a:buSzPct val="100000"/>
+              <a:buFont typeface="Arial" charset="0"/>
+              <a:buChar char="•"/>
+            </a:pPr>
+            <a:r>
+              <a:rPr lang="en-US" sz="1200"/>
+              <a:t>Build syntax tree</a:t>
+            </a:r>
+          </a:p>
+        </p:txBody>
+      </p:sp>
+      <p:sp>
+        <p:nvSpPr>
+          <p:cNvPr id="92" name="Rectangle 91"/>
+          <p:cNvSpPr/>
+          <p:nvPr/>
+        </p:nvSpPr>
+        <p:spPr>
+          <a:xfrm>
+            <a:off x="2888845" y="3656626"/>
+            <a:ext cx="1673060" cy="1685581"/>
+          </a:xfrm>
+          <a:prstGeom prst="rect">
+            <a:avLst/>
+          </a:prstGeom>
+          <a:noFill/>
+          <a:ln w="28575">
+            <a:solidFill>
+              <a:schemeClr val="tx1"/>
+            </a:solidFill>
+          </a:ln>
+        </p:spPr>
+        <p:style>
+          <a:lnRef idx="2">
+            <a:schemeClr val="accent1">
+              <a:shade val="50000"/>
+            </a:schemeClr>
+          </a:lnRef>
+          <a:fillRef idx="1">
+            <a:schemeClr val="accent1"/>
+          </a:fillRef>
+          <a:effectRef idx="0">
+            <a:schemeClr val="accent1"/>
+          </a:effectRef>
+          <a:fontRef idx="minor">
+            <a:schemeClr val="lt1"/>
+          </a:fontRef>
+        </p:style>
+        <p:txBody>
+          <a:bodyPr rtlCol="0" anchor="ctr"/>
+          <a:lstStyle/>
+          <a:p>
+            <a:pPr algn="ctr"/>
+            <a:endParaRPr lang="en-US"/>
+          </a:p>
+        </p:txBody>
+      </p:sp>
+      <p:sp>
+        <p:nvSpPr>
+          <p:cNvPr id="93" name="TextBox 92"/>
+          <p:cNvSpPr txBox="1"/>
+          <p:nvPr/>
+        </p:nvSpPr>
+        <p:spPr>
+          <a:xfrm>
+            <a:off x="2888845" y="3656626"/>
+            <a:ext cx="1673060" cy="369332"/>
+          </a:xfrm>
+          <a:prstGeom prst="rect">
+            <a:avLst/>
+          </a:prstGeom>
+          <a:noFill/>
+        </p:spPr>
+        <p:txBody>
+          <a:bodyPr wrap="square" rtlCol="0">
+            <a:spAutoFit/>
+          </a:bodyPr>
+          <a:lstStyle/>
+          <a:p>
+            <a:pPr algn="ctr"/>
+            <a:r>
+              <a:rPr lang="en-US"/>
+              <a:t>Solver</a:t>
+            </a:r>
+          </a:p>
+        </p:txBody>
+      </p:sp>
+      <p:sp>
+        <p:nvSpPr>
+          <p:cNvPr id="94" name="TextBox 93"/>
+          <p:cNvSpPr txBox="1"/>
+          <p:nvPr/>
+        </p:nvSpPr>
+        <p:spPr>
+          <a:xfrm>
+            <a:off x="2878797" y="4025958"/>
+            <a:ext cx="1734018" cy="1200329"/>
+          </a:xfrm>
+          <a:prstGeom prst="rect">
+            <a:avLst/>
+          </a:prstGeom>
+          <a:noFill/>
+        </p:spPr>
+        <p:txBody>
+          <a:bodyPr wrap="square" rtlCol="0">
+            <a:spAutoFit/>
+          </a:bodyPr>
+          <a:lstStyle/>
+          <a:p>
+            <a:pPr marL="171450" indent="-171450">
+              <a:buSzPct val="100000"/>
+              <a:buFont typeface="Arial" charset="0"/>
+              <a:buChar char="•"/>
+            </a:pPr>
+            <a:r>
+              <a:rPr lang="en-US" sz="1200"/>
+              <a:t>Validate subtyping</a:t>
+            </a:r>
+          </a:p>
+          <a:p>
+            <a:pPr marL="171450" indent="-171450">
+              <a:buSzPct val="100000"/>
+              <a:buFont typeface="Arial" charset="0"/>
+              <a:buChar char="•"/>
+            </a:pPr>
+            <a:r>
+              <a:rPr lang="en-US" sz="1200">
+                <a:solidFill>
+                  <a:srgbClr val="FF0000"/>
+                </a:solidFill>
+              </a:rPr>
+              <a:t>Compute subtyping/ overloading witnesses</a:t>
+            </a:r>
+          </a:p>
+          <a:p>
+            <a:pPr marL="171450" indent="-171450">
+              <a:buSzPct val="100000"/>
+              <a:buFont typeface="Arial" charset="0"/>
+              <a:buChar char="•"/>
+            </a:pPr>
+            <a:r>
+              <a:rPr lang="en-US" sz="1200">
+                <a:solidFill>
+                  <a:srgbClr val="FF0000"/>
+                </a:solidFill>
+              </a:rPr>
+              <a:t>Compute LUBs/GLBs</a:t>
+            </a:r>
+          </a:p>
+          <a:p>
+            <a:pPr marL="171450" indent="-171450">
+              <a:buSzPct val="100000"/>
+              <a:buFont typeface="Arial" charset="0"/>
+              <a:buChar char="•"/>
+            </a:pPr>
+            <a:r>
+              <a:rPr lang="en-US" sz="1200"/>
+              <a:t>Match function args</a:t>
+            </a:r>
+          </a:p>
+          <a:p>
+            <a:pPr marL="171450" indent="-171450">
+              <a:buSzPct val="100000"/>
+              <a:buFont typeface="Arial" charset="0"/>
+              <a:buChar char="•"/>
+            </a:pPr>
+            <a:r>
+              <a:rPr lang="en-US" sz="1200"/>
+              <a:t>Apply defaults</a:t>
+            </a:r>
+          </a:p>
+        </p:txBody>
+      </p:sp>
+      <p:sp>
+        <p:nvSpPr>
+          <p:cNvPr id="95" name="Rectangle 94"/>
+          <p:cNvSpPr/>
+          <p:nvPr/>
+        </p:nvSpPr>
+        <p:spPr>
+          <a:xfrm>
+            <a:off x="5251545" y="3657632"/>
+            <a:ext cx="1673060" cy="1685581"/>
+          </a:xfrm>
+          <a:prstGeom prst="rect">
+            <a:avLst/>
+          </a:prstGeom>
+          <a:noFill/>
+          <a:ln w="28575">
+            <a:solidFill>
+              <a:schemeClr val="tx1"/>
+            </a:solidFill>
+          </a:ln>
+        </p:spPr>
+        <p:style>
+          <a:lnRef idx="2">
+            <a:schemeClr val="accent1">
+              <a:shade val="50000"/>
+            </a:schemeClr>
+          </a:lnRef>
+          <a:fillRef idx="1">
+            <a:schemeClr val="accent1"/>
+          </a:fillRef>
+          <a:effectRef idx="0">
+            <a:schemeClr val="accent1"/>
+          </a:effectRef>
+          <a:fontRef idx="minor">
+            <a:schemeClr val="lt1"/>
+          </a:fontRef>
+        </p:style>
+        <p:txBody>
+          <a:bodyPr rtlCol="0" anchor="ctr"/>
+          <a:lstStyle/>
+          <a:p>
+            <a:pPr algn="ctr"/>
+            <a:endParaRPr lang="en-US"/>
+          </a:p>
+        </p:txBody>
+      </p:sp>
+      <p:sp>
+        <p:nvSpPr>
+          <p:cNvPr id="96" name="TextBox 95"/>
+          <p:cNvSpPr txBox="1"/>
+          <p:nvPr/>
+        </p:nvSpPr>
+        <p:spPr>
+          <a:xfrm>
+            <a:off x="5251545" y="3657632"/>
+            <a:ext cx="1673060" cy="369332"/>
+          </a:xfrm>
+          <a:prstGeom prst="rect">
+            <a:avLst/>
+          </a:prstGeom>
+          <a:noFill/>
+        </p:spPr>
+        <p:txBody>
+          <a:bodyPr wrap="square" rtlCol="0">
+            <a:spAutoFit/>
+          </a:bodyPr>
+          <a:lstStyle/>
+          <a:p>
+            <a:pPr algn="ctr"/>
+            <a:r>
+              <a:rPr lang="en-US"/>
+              <a:t>Deactorizer</a:t>
+            </a:r>
+          </a:p>
+        </p:txBody>
+      </p:sp>
+      <p:sp>
+        <p:nvSpPr>
+          <p:cNvPr id="97" name="TextBox 96"/>
+          <p:cNvSpPr txBox="1"/>
+          <p:nvPr/>
+        </p:nvSpPr>
+        <p:spPr>
+          <a:xfrm>
+            <a:off x="5251545" y="4026964"/>
+            <a:ext cx="1673060" cy="830997"/>
+          </a:xfrm>
+          <a:prstGeom prst="rect">
+            <a:avLst/>
+          </a:prstGeom>
+          <a:noFill/>
+        </p:spPr>
+        <p:txBody>
+          <a:bodyPr wrap="square" rtlCol="0">
+            <a:spAutoFit/>
+          </a:bodyPr>
+          <a:lstStyle/>
+          <a:p>
+            <a:pPr marL="171450" indent="-171450">
+              <a:buSzPct val="100000"/>
+              <a:buFont typeface="Arial" charset="0"/>
+              <a:buChar char="•"/>
+            </a:pPr>
+            <a:r>
+              <a:rPr lang="en-US" sz="1200"/>
+              <a:t>Replace actors with classes and RTS calls</a:t>
+            </a:r>
+          </a:p>
+          <a:p>
+            <a:pPr marL="171450" indent="-171450">
+              <a:buSzPct val="100000"/>
+              <a:buFont typeface="Arial" charset="0"/>
+              <a:buChar char="•"/>
+            </a:pPr>
+            <a:r>
+              <a:rPr lang="en-US" sz="1200"/>
+              <a:t>Wrap actor methods into RTS calls</a:t>
+            </a:r>
+          </a:p>
+        </p:txBody>
+      </p:sp>
+      <p:sp>
+        <p:nvSpPr>
+          <p:cNvPr id="98" name="Rectangle 97"/>
+          <p:cNvSpPr/>
+          <p:nvPr/>
+        </p:nvSpPr>
+        <p:spPr>
+          <a:xfrm>
+            <a:off x="7614245" y="3658638"/>
+            <a:ext cx="1673060" cy="1685581"/>
+          </a:xfrm>
+          <a:prstGeom prst="rect">
+            <a:avLst/>
+          </a:prstGeom>
+          <a:noFill/>
+          <a:ln w="28575">
+            <a:solidFill>
+              <a:schemeClr val="tx1"/>
+            </a:solidFill>
+          </a:ln>
+        </p:spPr>
+        <p:style>
+          <a:lnRef idx="2">
+            <a:schemeClr val="accent1">
+              <a:shade val="50000"/>
+            </a:schemeClr>
+          </a:lnRef>
+          <a:fillRef idx="1">
+            <a:schemeClr val="accent1"/>
+          </a:fillRef>
+          <a:effectRef idx="0">
+            <a:schemeClr val="accent1"/>
+          </a:effectRef>
+          <a:fontRef idx="minor">
+            <a:schemeClr val="lt1"/>
+          </a:fontRef>
+        </p:style>
+        <p:txBody>
+          <a:bodyPr rtlCol="0" anchor="ctr"/>
+          <a:lstStyle/>
+          <a:p>
+            <a:pPr algn="ctr"/>
+            <a:endParaRPr lang="en-US"/>
+          </a:p>
+        </p:txBody>
+      </p:sp>
+      <p:sp>
+        <p:nvSpPr>
+          <p:cNvPr id="99" name="TextBox 98"/>
+          <p:cNvSpPr txBox="1"/>
+          <p:nvPr/>
+        </p:nvSpPr>
+        <p:spPr>
+          <a:xfrm>
+            <a:off x="7614245" y="3658638"/>
+            <a:ext cx="1673060" cy="369332"/>
+          </a:xfrm>
+          <a:prstGeom prst="rect">
+            <a:avLst/>
+          </a:prstGeom>
+          <a:noFill/>
+        </p:spPr>
+        <p:txBody>
+          <a:bodyPr wrap="square" rtlCol="0">
+            <a:spAutoFit/>
+          </a:bodyPr>
+          <a:lstStyle/>
+          <a:p>
+            <a:pPr algn="ctr"/>
+            <a:r>
+              <a:rPr lang="en-US"/>
+              <a:t>CPS</a:t>
+            </a:r>
+          </a:p>
+        </p:txBody>
+      </p:sp>
+      <p:sp>
+        <p:nvSpPr>
+          <p:cNvPr id="100" name="TextBox 99"/>
+          <p:cNvSpPr txBox="1"/>
+          <p:nvPr/>
+        </p:nvSpPr>
+        <p:spPr>
+          <a:xfrm>
+            <a:off x="7614245" y="4027970"/>
+            <a:ext cx="1673060" cy="1200329"/>
+          </a:xfrm>
+          <a:prstGeom prst="rect">
+            <a:avLst/>
+          </a:prstGeom>
+          <a:noFill/>
+        </p:spPr>
+        <p:txBody>
+          <a:bodyPr wrap="square" rtlCol="0">
+            <a:spAutoFit/>
+          </a:bodyPr>
+          <a:lstStyle/>
+          <a:p>
+            <a:pPr marL="171450" indent="-171450">
+              <a:buSzPct val="100000"/>
+              <a:buFont typeface="Arial" charset="0"/>
+              <a:buChar char="•"/>
+            </a:pPr>
+            <a:r>
+              <a:rPr lang="en-US" sz="1200"/>
+              <a:t>Turn all (blocking) functions and calls into continuations</a:t>
+            </a:r>
+          </a:p>
+          <a:p>
+            <a:pPr marL="171450" indent="-171450">
+              <a:buSzPct val="100000"/>
+              <a:buFont typeface="Arial" charset="0"/>
+              <a:buChar char="•"/>
+            </a:pPr>
+            <a:r>
+              <a:rPr lang="en-US" sz="1200"/>
+              <a:t>Replace exception handlers with RTS calls</a:t>
+            </a:r>
+          </a:p>
+        </p:txBody>
+      </p:sp>
+      <p:sp>
+        <p:nvSpPr>
+          <p:cNvPr id="101" name="Rectangle 100"/>
+          <p:cNvSpPr/>
+          <p:nvPr/>
+        </p:nvSpPr>
+        <p:spPr>
+          <a:xfrm>
+            <a:off x="9976949" y="1437230"/>
+            <a:ext cx="1673060" cy="1685581"/>
+          </a:xfrm>
+          <a:prstGeom prst="rect">
+            <a:avLst/>
+          </a:prstGeom>
+          <a:noFill/>
+          <a:ln w="28575">
+            <a:solidFill>
+              <a:schemeClr val="tx1"/>
+            </a:solidFill>
+          </a:ln>
+        </p:spPr>
+        <p:style>
+          <a:lnRef idx="2">
+            <a:schemeClr val="accent1">
+              <a:shade val="50000"/>
+            </a:schemeClr>
+          </a:lnRef>
+          <a:fillRef idx="1">
+            <a:schemeClr val="accent1"/>
+          </a:fillRef>
+          <a:effectRef idx="0">
+            <a:schemeClr val="accent1"/>
+          </a:effectRef>
+          <a:fontRef idx="minor">
+            <a:schemeClr val="lt1"/>
+          </a:fontRef>
+        </p:style>
+        <p:txBody>
+          <a:bodyPr rtlCol="0" anchor="ctr"/>
+          <a:lstStyle/>
+          <a:p>
+            <a:pPr algn="ctr"/>
+            <a:endParaRPr lang="en-US"/>
+          </a:p>
+        </p:txBody>
+      </p:sp>
+      <p:sp>
+        <p:nvSpPr>
+          <p:cNvPr id="102" name="TextBox 101"/>
+          <p:cNvSpPr txBox="1"/>
+          <p:nvPr/>
+        </p:nvSpPr>
+        <p:spPr>
+          <a:xfrm>
+            <a:off x="9976949" y="1437230"/>
+            <a:ext cx="1673060" cy="369332"/>
+          </a:xfrm>
+          <a:prstGeom prst="rect">
+            <a:avLst/>
+          </a:prstGeom>
+          <a:noFill/>
+        </p:spPr>
+        <p:txBody>
+          <a:bodyPr wrap="square" rtlCol="0">
+            <a:spAutoFit/>
+          </a:bodyPr>
+          <a:lstStyle/>
+          <a:p>
+            <a:pPr algn="ctr"/>
+            <a:r>
+              <a:rPr lang="en-US"/>
+              <a:t>CodeGen</a:t>
+            </a:r>
+          </a:p>
+        </p:txBody>
+      </p:sp>
+      <p:sp>
+        <p:nvSpPr>
+          <p:cNvPr id="103" name="TextBox 102"/>
+          <p:cNvSpPr txBox="1"/>
+          <p:nvPr/>
+        </p:nvSpPr>
+        <p:spPr>
+          <a:xfrm>
+            <a:off x="9976949" y="1806562"/>
+            <a:ext cx="1673060" cy="1200329"/>
+          </a:xfrm>
+          <a:prstGeom prst="rect">
+            <a:avLst/>
+          </a:prstGeom>
+          <a:noFill/>
+        </p:spPr>
+        <p:txBody>
+          <a:bodyPr wrap="square" rtlCol="0">
+            <a:spAutoFit/>
+          </a:bodyPr>
+          <a:lstStyle/>
+          <a:p>
+            <a:pPr marL="171450" indent="-171450">
+              <a:buSzPct val="100000"/>
+              <a:buFont typeface="Arial" charset="0"/>
+              <a:buChar char="•"/>
+            </a:pPr>
+            <a:r>
+              <a:rPr lang="en-US" sz="1200"/>
+              <a:t>Print function defs in C syntax</a:t>
+            </a:r>
+          </a:p>
+          <a:p>
+            <a:pPr marL="171450" indent="-171450">
+              <a:buSzPct val="100000"/>
+              <a:buFont typeface="Arial" charset="0"/>
+              <a:buChar char="•"/>
+            </a:pPr>
+            <a:r>
+              <a:rPr lang="en-US" sz="1200">
+                <a:solidFill>
+                  <a:schemeClr val="bg2">
+                    <a:lumMod val="75000"/>
+                  </a:schemeClr>
+                </a:solidFill>
+              </a:rPr>
+              <a:t>Print classes as C struct types and function-pointer tables</a:t>
+            </a:r>
+          </a:p>
+        </p:txBody>
+      </p:sp>
+      <p:sp>
+        <p:nvSpPr>
+          <p:cNvPr id="118" name="TextBox 117"/>
+          <p:cNvSpPr txBox="1"/>
+          <p:nvPr/>
+        </p:nvSpPr>
+        <p:spPr>
+          <a:xfrm>
+            <a:off x="485194" y="5479381"/>
+            <a:ext cx="830548" cy="276999"/>
+          </a:xfrm>
+          <a:prstGeom prst="rect">
+            <a:avLst/>
+          </a:prstGeom>
+          <a:noFill/>
+        </p:spPr>
+        <p:txBody>
+          <a:bodyPr wrap="none" rtlCol="0">
+            <a:spAutoFit/>
+          </a:bodyPr>
+          <a:lstStyle/>
+          <a:p>
+            <a:pPr algn="ctr"/>
+            <a:r>
+              <a:rPr lang="en-US" sz="1200"/>
+              <a:t>Acton text</a:t>
+            </a:r>
+          </a:p>
+        </p:txBody>
+      </p:sp>
+      <p:sp>
+        <p:nvSpPr>
+          <p:cNvPr id="119" name="TextBox 118"/>
+          <p:cNvSpPr txBox="1"/>
+          <p:nvPr/>
+        </p:nvSpPr>
+        <p:spPr>
+          <a:xfrm>
+            <a:off x="10848818" y="3239403"/>
+            <a:ext cx="545022" cy="276999"/>
+          </a:xfrm>
+          <a:prstGeom prst="rect">
+            <a:avLst/>
+          </a:prstGeom>
+          <a:noFill/>
+        </p:spPr>
+        <p:txBody>
+          <a:bodyPr wrap="none" rtlCol="0">
+            <a:spAutoFit/>
+          </a:bodyPr>
+          <a:lstStyle/>
+          <a:p>
+            <a:pPr algn="ctr"/>
+            <a:r>
+              <a:rPr lang="en-US" sz="1200"/>
+              <a:t>C text</a:t>
+            </a:r>
+          </a:p>
+        </p:txBody>
+      </p:sp>
+      <p:sp>
+        <p:nvSpPr>
+          <p:cNvPr id="120" name="TextBox 119"/>
+          <p:cNvSpPr txBox="1"/>
+          <p:nvPr/>
+        </p:nvSpPr>
+        <p:spPr>
+          <a:xfrm>
+            <a:off x="2235855" y="1760908"/>
+            <a:ext cx="590097" cy="461665"/>
+          </a:xfrm>
+          <a:prstGeom prst="rect">
+            <a:avLst/>
+          </a:prstGeom>
+          <a:noFill/>
+        </p:spPr>
+        <p:txBody>
+          <a:bodyPr wrap="none" rtlCol="0">
+            <a:spAutoFit/>
+          </a:bodyPr>
+          <a:lstStyle/>
+          <a:p>
+            <a:pPr algn="ctr"/>
+            <a:r>
+              <a:rPr lang="en-US" sz="1200"/>
+              <a:t>Syntax</a:t>
+            </a:r>
+          </a:p>
+          <a:p>
+            <a:pPr algn="ctr"/>
+            <a:r>
+              <a:rPr lang="en-US" sz="1200"/>
+              <a:t>tree</a:t>
+            </a:r>
+          </a:p>
+        </p:txBody>
+      </p:sp>
+      <p:sp>
+        <p:nvSpPr>
+          <p:cNvPr id="121" name="TextBox 120"/>
+          <p:cNvSpPr txBox="1"/>
+          <p:nvPr/>
+        </p:nvSpPr>
+        <p:spPr>
+          <a:xfrm>
+            <a:off x="6141472" y="3215383"/>
+            <a:ext cx="881460" cy="276999"/>
+          </a:xfrm>
+          <a:prstGeom prst="rect">
+            <a:avLst/>
+          </a:prstGeom>
+          <a:noFill/>
+        </p:spPr>
+        <p:txBody>
+          <a:bodyPr wrap="none" rtlCol="0">
+            <a:spAutoFit/>
+          </a:bodyPr>
+          <a:lstStyle/>
+          <a:p>
+            <a:pPr algn="ctr"/>
+            <a:r>
+              <a:rPr lang="en-US" sz="1200"/>
+              <a:t>Syntax tree</a:t>
+            </a:r>
+          </a:p>
+        </p:txBody>
+      </p:sp>
+      <p:sp>
+        <p:nvSpPr>
+          <p:cNvPr id="122" name="TextBox 121"/>
+          <p:cNvSpPr txBox="1"/>
+          <p:nvPr/>
+        </p:nvSpPr>
+        <p:spPr>
+          <a:xfrm>
+            <a:off x="8495333" y="3227290"/>
+            <a:ext cx="881460" cy="276999"/>
+          </a:xfrm>
+          <a:prstGeom prst="rect">
+            <a:avLst/>
+          </a:prstGeom>
+          <a:noFill/>
+        </p:spPr>
+        <p:txBody>
+          <a:bodyPr wrap="none" rtlCol="0">
+            <a:spAutoFit/>
+          </a:bodyPr>
+          <a:lstStyle/>
+          <a:p>
+            <a:pPr algn="ctr"/>
+            <a:r>
+              <a:rPr lang="en-US" sz="1200"/>
+              <a:t>Syntax tree</a:t>
+            </a:r>
+          </a:p>
+        </p:txBody>
+      </p:sp>
+      <p:sp>
+        <p:nvSpPr>
+          <p:cNvPr id="123" name="TextBox 122"/>
+          <p:cNvSpPr txBox="1"/>
+          <p:nvPr/>
+        </p:nvSpPr>
+        <p:spPr>
+          <a:xfrm>
+            <a:off x="1401849" y="3240121"/>
+            <a:ext cx="881460" cy="276999"/>
+          </a:xfrm>
+          <a:prstGeom prst="rect">
+            <a:avLst/>
+          </a:prstGeom>
+          <a:noFill/>
+        </p:spPr>
+        <p:txBody>
+          <a:bodyPr wrap="none" rtlCol="0">
+            <a:spAutoFit/>
+          </a:bodyPr>
+          <a:lstStyle/>
+          <a:p>
+            <a:pPr algn="ctr"/>
+            <a:r>
+              <a:rPr lang="en-US" sz="1200"/>
+              <a:t>Syntax tree</a:t>
+            </a:r>
+          </a:p>
+        </p:txBody>
+      </p:sp>
+      <p:sp>
+        <p:nvSpPr>
+          <p:cNvPr id="124" name="TextBox 123"/>
+          <p:cNvSpPr txBox="1"/>
+          <p:nvPr/>
+        </p:nvSpPr>
+        <p:spPr>
+          <a:xfrm>
+            <a:off x="4598562" y="1753234"/>
+            <a:ext cx="590097" cy="461665"/>
+          </a:xfrm>
+          <a:prstGeom prst="rect">
+            <a:avLst/>
+          </a:prstGeom>
+          <a:noFill/>
+        </p:spPr>
+        <p:txBody>
+          <a:bodyPr wrap="none" rtlCol="0">
+            <a:spAutoFit/>
+          </a:bodyPr>
+          <a:lstStyle/>
+          <a:p>
+            <a:pPr algn="ctr"/>
+            <a:r>
+              <a:rPr lang="en-US" sz="1200"/>
+              <a:t>Syntax</a:t>
+            </a:r>
+          </a:p>
+          <a:p>
+            <a:pPr algn="ctr"/>
+            <a:r>
+              <a:rPr lang="en-US" sz="1200"/>
+              <a:t>tree</a:t>
+            </a:r>
+          </a:p>
+        </p:txBody>
+      </p:sp>
+      <p:sp>
+        <p:nvSpPr>
+          <p:cNvPr id="125" name="TextBox 124"/>
+          <p:cNvSpPr txBox="1"/>
+          <p:nvPr/>
+        </p:nvSpPr>
+        <p:spPr>
+          <a:xfrm>
+            <a:off x="9300429" y="1753233"/>
+            <a:ext cx="590097" cy="461665"/>
+          </a:xfrm>
+          <a:prstGeom prst="rect">
+            <a:avLst/>
+          </a:prstGeom>
+          <a:noFill/>
+        </p:spPr>
+        <p:txBody>
+          <a:bodyPr wrap="none" rtlCol="0">
+            <a:spAutoFit/>
+          </a:bodyPr>
+          <a:lstStyle/>
+          <a:p>
+            <a:pPr algn="ctr"/>
+            <a:r>
+              <a:rPr lang="en-US" sz="1200"/>
+              <a:t>Syntax</a:t>
+            </a:r>
+          </a:p>
+          <a:p>
+            <a:pPr algn="ctr"/>
+            <a:r>
+              <a:rPr lang="en-US" sz="1200"/>
+              <a:t>tree</a:t>
+            </a:r>
+          </a:p>
+        </p:txBody>
+      </p:sp>
+      <p:sp>
+        <p:nvSpPr>
+          <p:cNvPr id="127" name="TextBox 126"/>
+          <p:cNvSpPr txBox="1"/>
+          <p:nvPr/>
+        </p:nvSpPr>
+        <p:spPr>
+          <a:xfrm>
+            <a:off x="6963190" y="3974057"/>
+            <a:ext cx="590097" cy="461665"/>
+          </a:xfrm>
+          <a:prstGeom prst="rect">
+            <a:avLst/>
+          </a:prstGeom>
+          <a:noFill/>
+        </p:spPr>
+        <p:txBody>
+          <a:bodyPr wrap="none" rtlCol="0">
+            <a:spAutoFit/>
+          </a:bodyPr>
+          <a:lstStyle/>
+          <a:p>
+            <a:pPr algn="ctr"/>
+            <a:r>
+              <a:rPr lang="en-US" sz="1200"/>
+              <a:t>Syntax</a:t>
+            </a:r>
+          </a:p>
+          <a:p>
+            <a:pPr algn="ctr"/>
+            <a:r>
+              <a:rPr lang="en-US" sz="1200"/>
+              <a:t>tree</a:t>
+            </a:r>
+          </a:p>
+        </p:txBody>
+      </p:sp>
+      <p:sp>
+        <p:nvSpPr>
+          <p:cNvPr id="128" name="TextBox 127"/>
+          <p:cNvSpPr txBox="1"/>
+          <p:nvPr/>
+        </p:nvSpPr>
+        <p:spPr>
+          <a:xfrm>
+            <a:off x="2537729" y="3235073"/>
+            <a:ext cx="888641" cy="276999"/>
+          </a:xfrm>
+          <a:prstGeom prst="rect">
+            <a:avLst/>
+          </a:prstGeom>
+          <a:noFill/>
+        </p:spPr>
+        <p:txBody>
+          <a:bodyPr wrap="none" rtlCol="0">
+            <a:spAutoFit/>
+          </a:bodyPr>
+          <a:lstStyle/>
+          <a:p>
+            <a:pPr algn="ctr"/>
+            <a:r>
+              <a:rPr lang="en-US" sz="1200"/>
+              <a:t>Constraints</a:t>
+            </a:r>
+          </a:p>
+        </p:txBody>
+      </p:sp>
+      <p:sp>
+        <p:nvSpPr>
+          <p:cNvPr id="129" name="TextBox 128"/>
+          <p:cNvSpPr txBox="1"/>
+          <p:nvPr/>
+        </p:nvSpPr>
+        <p:spPr>
+          <a:xfrm>
+            <a:off x="4081001" y="3236079"/>
+            <a:ext cx="1001493" cy="276999"/>
+          </a:xfrm>
+          <a:prstGeom prst="rect">
+            <a:avLst/>
+          </a:prstGeom>
+          <a:noFill/>
+        </p:spPr>
+        <p:txBody>
+          <a:bodyPr wrap="none" rtlCol="0">
+            <a:spAutoFit/>
+          </a:bodyPr>
+          <a:lstStyle/>
+          <a:p>
+            <a:pPr algn="ctr"/>
+            <a:r>
+              <a:rPr lang="en-US" sz="1200"/>
+              <a:t>Substitutions</a:t>
+            </a:r>
+          </a:p>
+        </p:txBody>
+      </p:sp>
+      <p:sp>
+        <p:nvSpPr>
+          <p:cNvPr id="135" name="Rectangle 134"/>
+          <p:cNvSpPr/>
+          <p:nvPr/>
+        </p:nvSpPr>
+        <p:spPr>
+          <a:xfrm>
+            <a:off x="9976945" y="3668156"/>
+            <a:ext cx="1673064" cy="1670017"/>
+          </a:xfrm>
+          <a:prstGeom prst="rect">
+            <a:avLst/>
+          </a:prstGeom>
+          <a:noFill/>
+          <a:ln w="28575">
+            <a:solidFill>
+              <a:schemeClr val="tx1"/>
+            </a:solidFill>
+            <a:prstDash val="dash"/>
+          </a:ln>
+        </p:spPr>
+        <p:style>
+          <a:lnRef idx="2">
+            <a:schemeClr val="accent1">
+              <a:shade val="50000"/>
+            </a:schemeClr>
+          </a:lnRef>
+          <a:fillRef idx="1">
+            <a:schemeClr val="accent1"/>
+          </a:fillRef>
+          <a:effectRef idx="0">
+            <a:schemeClr val="accent1"/>
+          </a:effectRef>
+          <a:fontRef idx="minor">
+            <a:schemeClr val="lt1"/>
+          </a:fontRef>
+        </p:style>
+        <p:txBody>
+          <a:bodyPr rtlCol="0" anchor="ctr"/>
+          <a:lstStyle/>
+          <a:p>
+            <a:pPr algn="ctr"/>
+            <a:endParaRPr lang="en-US"/>
+          </a:p>
+        </p:txBody>
+      </p:sp>
+      <p:sp>
+        <p:nvSpPr>
+          <p:cNvPr id="154" name="TextBox 153"/>
+          <p:cNvSpPr txBox="1"/>
+          <p:nvPr/>
+        </p:nvSpPr>
+        <p:spPr>
+          <a:xfrm>
+            <a:off x="9982446" y="3682963"/>
+            <a:ext cx="1673060" cy="369332"/>
+          </a:xfrm>
+          <a:prstGeom prst="rect">
+            <a:avLst/>
+          </a:prstGeom>
+          <a:noFill/>
+        </p:spPr>
+        <p:txBody>
+          <a:bodyPr wrap="square" rtlCol="0">
+            <a:spAutoFit/>
+          </a:bodyPr>
+          <a:lstStyle/>
+          <a:p>
+            <a:pPr algn="ctr"/>
+            <a:r>
+              <a:rPr lang="en-US"/>
+              <a:t>Clang + RTS lib</a:t>
+            </a:r>
+          </a:p>
+        </p:txBody>
+      </p:sp>
+      <p:sp>
+        <p:nvSpPr>
+          <p:cNvPr id="155" name="TextBox 154"/>
+          <p:cNvSpPr txBox="1"/>
+          <p:nvPr/>
+        </p:nvSpPr>
+        <p:spPr>
+          <a:xfrm>
+            <a:off x="9984493" y="4052957"/>
+            <a:ext cx="1673060" cy="1015663"/>
+          </a:xfrm>
+          <a:prstGeom prst="rect">
+            <a:avLst/>
+          </a:prstGeom>
+          <a:noFill/>
+        </p:spPr>
+        <p:txBody>
+          <a:bodyPr wrap="square" rtlCol="0">
+            <a:spAutoFit/>
+          </a:bodyPr>
+          <a:lstStyle/>
+          <a:p>
+            <a:pPr marL="171450" indent="-171450">
+              <a:buSzPct val="100000"/>
+              <a:buFont typeface="Arial" charset="0"/>
+              <a:buChar char="•"/>
+            </a:pPr>
+            <a:r>
+              <a:rPr lang="en-US" sz="1200"/>
+              <a:t>Scheduler</a:t>
+            </a:r>
+          </a:p>
+          <a:p>
+            <a:pPr marL="171450" indent="-171450">
+              <a:buSzPct val="100000"/>
+              <a:buFont typeface="Arial" charset="0"/>
+              <a:buChar char="•"/>
+            </a:pPr>
+            <a:r>
+              <a:rPr lang="en-US" sz="1200"/>
+              <a:t>Socket IO</a:t>
+            </a:r>
+          </a:p>
+          <a:p>
+            <a:pPr marL="171450" indent="-171450">
+              <a:buSzPct val="100000"/>
+              <a:buFont typeface="Arial" charset="0"/>
+              <a:buChar char="•"/>
+            </a:pPr>
+            <a:r>
+              <a:rPr lang="en-US" sz="1200"/>
+              <a:t>Built-in data structs</a:t>
+            </a:r>
+            <a:br>
+              <a:rPr lang="en-US" sz="1200"/>
+            </a:br>
+            <a:r>
+              <a:rPr lang="en-US" sz="1200"/>
+              <a:t>(list,dict,set,str)</a:t>
+            </a:r>
+          </a:p>
+          <a:p>
+            <a:pPr marL="171450" indent="-171450">
+              <a:buSzPct val="100000"/>
+              <a:buFont typeface="Arial" charset="0"/>
+              <a:buChar char="•"/>
+            </a:pPr>
+            <a:r>
+              <a:rPr lang="en-US" sz="1200">
+                <a:solidFill>
+                  <a:schemeClr val="bg2">
+                    <a:lumMod val="75000"/>
+                  </a:schemeClr>
+                </a:solidFill>
+              </a:rPr>
+              <a:t>Garbage collection</a:t>
+            </a:r>
+          </a:p>
+        </p:txBody>
+      </p:sp>
+      <p:sp>
+        <p:nvSpPr>
+          <p:cNvPr id="157" name="TextBox 156"/>
+          <p:cNvSpPr txBox="1"/>
+          <p:nvPr/>
+        </p:nvSpPr>
+        <p:spPr>
+          <a:xfrm>
+            <a:off x="10867093" y="5426491"/>
+            <a:ext cx="861711" cy="276999"/>
+          </a:xfrm>
+          <a:prstGeom prst="rect">
+            <a:avLst/>
+          </a:prstGeom>
+          <a:noFill/>
+        </p:spPr>
+        <p:txBody>
+          <a:bodyPr wrap="none" rtlCol="0">
+            <a:spAutoFit/>
+          </a:bodyPr>
+          <a:lstStyle/>
+          <a:p>
+            <a:pPr algn="ctr"/>
+            <a:r>
+              <a:rPr lang="en-US" sz="1200"/>
+              <a:t>Executable</a:t>
+            </a:r>
+          </a:p>
+        </p:txBody>
+      </p:sp>
+    </p:spTree>
+    <p:extLst>
+      <p:ext uri="{BB962C8B-B14F-4D97-AF65-F5344CB8AC3E}">
+        <p14:creationId xmlns:p14="http://schemas.microsoft.com/office/powerpoint/2010/main" val="1218434877"/>
+      </p:ext>
+    </p:extLst>
+  </p:cSld>
+  <p:clrMapOvr>
+    <a:masterClrMapping/>
+  </p:clrMapOvr>
+  <p:timing>
+    <p:tnLst>
+      <p:par>
+        <p:cTn id="1" dur="indefinite" restart="never" nodeType="tmRoot"/>
+      </p:par>
+    </p:tnLst>
+  </p:timing>
+</p:sld>
+</file>
+
+<file path=ppt/slides/slide5.xml><?xml version="1.0" encoding="utf-8"?>
+<p:sld xmlns:a="http://schemas.openxmlformats.org/drawingml/2006/main" xmlns:r="http://schemas.openxmlformats.org/officeDocument/2006/relationships" xmlns:p="http://schemas.openxmlformats.org/presentationml/2006/main">
+  <p:cSld>
+    <p:spTree>
+      <p:nvGrpSpPr>
+        <p:cNvPr id="1" name=""/>
+        <p:cNvGrpSpPr/>
+        <p:nvPr/>
+      </p:nvGrpSpPr>
+      <p:grpSpPr>
+        <a:xfrm>
+          <a:off x="0" y="0"/>
+          <a:ext cx="0" cy="0"/>
+          <a:chOff x="0" y="0"/>
+          <a:chExt cx="0" cy="0"/>
+        </a:xfrm>
+      </p:grpSpPr>
+      <p:sp>
+        <p:nvSpPr>
+          <p:cNvPr id="3" name="Content Placeholder 2"/>
+          <p:cNvSpPr>
+            <a:spLocks noGrp="1"/>
+          </p:cNvSpPr>
+          <p:nvPr>
+            <p:ph idx="1"/>
+          </p:nvPr>
+        </p:nvSpPr>
+        <p:spPr>
+          <a:xfrm>
+            <a:off x="677429" y="1211376"/>
+            <a:ext cx="4653847" cy="5279859"/>
           </a:xfrm>
           <a:ln>
             <a:solidFill>
@@ -6023,11 +9117,11 @@
               <a:buNone/>
             </a:pPr>
             <a:r>
-              <a:rPr lang="en-US" sz="1200" b="1"/>
+              <a:rPr lang="en-US" sz="1400" b="1"/>
               <a:t>import</a:t>
             </a:r>
             <a:r>
-              <a:rPr lang="en-US" sz="1200"/>
+              <a:rPr lang="en-US" sz="1400"/>
               <a:t> netconf</a:t>
             </a:r>
           </a:p>
@@ -6041,7 +9135,7 @@
               </a:spcBef>
               <a:buNone/>
             </a:pPr>
-            <a:endParaRPr lang="en-US" sz="1200"/>
+            <a:endParaRPr lang="en-US" sz="1400"/>
           </a:p>
           <a:p>
             <a:pPr marL="0" indent="0">
@@ -6054,27 +9148,27 @@
               <a:buNone/>
             </a:pPr>
             <a:r>
-              <a:rPr lang="en-US" sz="1200" b="1"/>
+              <a:rPr lang="en-US" sz="1400" b="1"/>
               <a:t>def</a:t>
             </a:r>
             <a:r>
-              <a:rPr lang="en-US" sz="1200"/>
+              <a:rPr lang="en-US" sz="1400"/>
               <a:t> compute(</a:t>
             </a:r>
             <a:r>
-              <a:rPr lang="en-US" sz="1200" i="1"/>
+              <a:rPr lang="en-US" sz="1400" i="1"/>
               <a:t>setting</a:t>
             </a:r>
             <a:r>
-              <a:rPr lang="en-US" sz="1200"/>
+              <a:rPr lang="en-US" sz="1400"/>
               <a:t>, </a:t>
             </a:r>
             <a:r>
-              <a:rPr lang="en-US" sz="1200" i="1"/>
+              <a:rPr lang="en-US" sz="1400" i="1"/>
               <a:t>newval</a:t>
             </a:r>
             <a:r>
-              <a:rPr lang="en-US" sz="1200"/>
+              <a:rPr lang="en-US" sz="1400"/>
               <a:t>):</a:t>
             </a:r>
           </a:p>
@@ -6089,31 +9183,31 @@
               <a:buNone/>
             </a:pPr>
             <a:r>
-              <a:rPr lang="en-US" sz="1200"/>
-              <a:t>    </a:t>
-            </a:r>
-            <a:r>
-              <a:rPr lang="en-US" sz="1200" b="1"/>
+              <a:rPr lang="en-US" sz="1400"/>
+              <a:t>      </a:t>
+            </a:r>
+            <a:r>
+              <a:rPr lang="en-US" sz="1400" b="1"/>
               <a:t>return</a:t>
             </a:r>
             <a:r>
-              <a:rPr lang="en-US" sz="1200"/>
+              <a:rPr lang="en-US" sz="1400"/>
               <a:t> (</a:t>
             </a:r>
             <a:r>
-              <a:rPr lang="en-US" sz="1200" i="1"/>
+              <a:rPr lang="en-US" sz="1400" i="1"/>
               <a:t>setting</a:t>
             </a:r>
             <a:r>
-              <a:rPr lang="en-US" sz="1200"/>
+              <a:rPr lang="en-US" sz="1400"/>
               <a:t> + </a:t>
             </a:r>
             <a:r>
-              <a:rPr lang="en-US" sz="1200" i="1"/>
+              <a:rPr lang="en-US" sz="1400" i="1"/>
               <a:t>newval</a:t>
             </a:r>
             <a:r>
-              <a:rPr lang="en-US" sz="1200"/>
+              <a:rPr lang="en-US" sz="1400"/>
               <a:t>) // 2</a:t>
             </a:r>
           </a:p>
@@ -6127,7 +9221,7 @@
               </a:spcBef>
               <a:buNone/>
             </a:pPr>
-            <a:endParaRPr lang="en-US" sz="1200"/>
+            <a:endParaRPr lang="en-US" sz="1400"/>
           </a:p>
           <a:p>
             <a:pPr marL="0" indent="0">
@@ -6140,35 +9234,35 @@
               <a:buNone/>
             </a:pPr>
             <a:r>
-              <a:rPr lang="en-US" sz="1200" b="1"/>
+              <a:rPr lang="en-US" sz="1400" b="1"/>
               <a:t>actor</a:t>
             </a:r>
             <a:r>
-              <a:rPr lang="en-US" sz="1200"/>
+              <a:rPr lang="en-US" sz="1400"/>
               <a:t> Controller(</a:t>
             </a:r>
             <a:r>
-              <a:rPr lang="en-US" sz="1200" i="1"/>
+              <a:rPr lang="en-US" sz="1400" i="1"/>
               <a:t>env</a:t>
             </a:r>
             <a:r>
-              <a:rPr lang="en-US" sz="1200"/>
+              <a:rPr lang="en-US" sz="1400"/>
               <a:t>, </a:t>
             </a:r>
             <a:r>
-              <a:rPr lang="en-US" sz="1200" i="1"/>
+              <a:rPr lang="en-US" sz="1400" i="1"/>
               <a:t>address</a:t>
             </a:r>
             <a:r>
-              <a:rPr lang="en-US" sz="1200"/>
+              <a:rPr lang="en-US" sz="1400"/>
               <a:t>, </a:t>
             </a:r>
             <a:r>
-              <a:rPr lang="en-US" sz="1200" i="1"/>
+              <a:rPr lang="en-US" sz="1400" i="1"/>
               <a:t>port</a:t>
             </a:r>
             <a:r>
-              <a:rPr lang="en-US" sz="1200"/>
+              <a:rPr lang="en-US" sz="1400"/>
               <a:t>):        </a:t>
             </a:r>
           </a:p>
@@ -6183,23 +9277,23 @@
               <a:buNone/>
             </a:pPr>
             <a:r>
-              <a:rPr lang="en-US" sz="1200"/>
-              <a:t>    </a:t>
-            </a:r>
-            <a:r>
-              <a:rPr lang="en-US" sz="1200" b="1"/>
+              <a:rPr lang="en-US" sz="1400"/>
+              <a:t>      </a:t>
+            </a:r>
+            <a:r>
+              <a:rPr lang="en-US" sz="1400" b="1"/>
               <a:t>var</a:t>
             </a:r>
             <a:r>
-              <a:rPr lang="en-US" sz="1200"/>
+              <a:rPr lang="en-US" sz="1400"/>
               <a:t> </a:t>
             </a:r>
             <a:r>
-              <a:rPr lang="en-US" sz="1200" i="1"/>
+              <a:rPr lang="en-US" sz="1400" i="1"/>
               <a:t>nc</a:t>
             </a:r>
             <a:r>
-              <a:rPr lang="en-US" sz="1200"/>
+              <a:rPr lang="en-US" sz="1400"/>
               <a:t> = None</a:t>
             </a:r>
           </a:p>
@@ -6214,27 +9308,27 @@
               <a:buNone/>
             </a:pPr>
             <a:r>
-              <a:rPr lang="en-US" sz="1200"/>
-              <a:t>    </a:t>
-            </a:r>
-            <a:r>
-              <a:rPr lang="en-US" sz="1200" b="1"/>
+              <a:rPr lang="en-US" sz="1400"/>
+              <a:t>      </a:t>
+            </a:r>
+            <a:r>
+              <a:rPr lang="en-US" sz="1400" b="1"/>
               <a:t>var</a:t>
             </a:r>
             <a:r>
-              <a:rPr lang="en-US" sz="1200"/>
+              <a:rPr lang="en-US" sz="1400"/>
               <a:t> </a:t>
             </a:r>
             <a:r>
-              <a:rPr lang="en-US" sz="1200" i="1"/>
+              <a:rPr lang="en-US" sz="1400" i="1"/>
               <a:t>state</a:t>
             </a:r>
             <a:r>
-              <a:rPr lang="en-US" sz="1200"/>
+              <a:rPr lang="en-US" sz="1400"/>
               <a:t> = </a:t>
             </a:r>
             <a:r>
-              <a:rPr lang="en-US" sz="1200">
+              <a:rPr lang="en-US" sz="1400">
                 <a:solidFill>
                   <a:schemeClr val="accent2"/>
                 </a:solidFill>
@@ -6253,23 +9347,23 @@
               <a:buNone/>
             </a:pPr>
             <a:r>
-              <a:rPr lang="en-US" sz="1200"/>
-              <a:t>    </a:t>
-            </a:r>
-            <a:r>
-              <a:rPr lang="en-US" sz="1200" b="1"/>
+              <a:rPr lang="en-US" sz="1400"/>
+              <a:t>      </a:t>
+            </a:r>
+            <a:r>
+              <a:rPr lang="en-US" sz="1400" b="1"/>
               <a:t>var</a:t>
             </a:r>
             <a:r>
-              <a:rPr lang="en-US" sz="1200"/>
+              <a:rPr lang="en-US" sz="1400"/>
               <a:t> </a:t>
             </a:r>
             <a:r>
-              <a:rPr lang="en-US" sz="1200" i="1"/>
+              <a:rPr lang="en-US" sz="1400" i="1"/>
               <a:t>setting</a:t>
             </a:r>
             <a:r>
-              <a:rPr lang="en-US" sz="1200"/>
+              <a:rPr lang="en-US" sz="1400"/>
               <a:t> = 0</a:t>
             </a:r>
           </a:p>
@@ -6283,7 +9377,7 @@
               </a:spcBef>
               <a:buNone/>
             </a:pPr>
-            <a:endParaRPr lang="en-US" sz="1200"/>
+            <a:endParaRPr lang="en-US" sz="1400"/>
           </a:p>
           <a:p>
             <a:pPr marL="0" indent="0">
@@ -6296,23 +9390,23 @@
               <a:buNone/>
             </a:pPr>
             <a:r>
-              <a:rPr lang="en-US" sz="1200"/>
-              <a:t>    </a:t>
-            </a:r>
-            <a:r>
-              <a:rPr lang="en-US" sz="1200" b="1"/>
+              <a:rPr lang="en-US" sz="1400"/>
+              <a:t>      </a:t>
+            </a:r>
+            <a:r>
+              <a:rPr lang="en-US" sz="1400" b="1"/>
               <a:t>def </a:t>
             </a:r>
             <a:r>
-              <a:rPr lang="en-US" sz="1200"/>
+              <a:rPr lang="en-US" sz="1400"/>
               <a:t>restart(</a:t>
             </a:r>
             <a:r>
-              <a:rPr lang="en-US" sz="1200" i="1"/>
+              <a:rPr lang="en-US" sz="1400" i="1"/>
               <a:t>what</a:t>
             </a:r>
             <a:r>
-              <a:rPr lang="en-US" sz="1200"/>
+              <a:rPr lang="en-US" sz="1400"/>
               <a:t>):</a:t>
             </a:r>
           </a:p>
@@ -6327,23 +9421,23 @@
               <a:buNone/>
             </a:pPr>
             <a:r>
-              <a:rPr lang="en-US" sz="1200"/>
-              <a:t>        </a:t>
-            </a:r>
-            <a:r>
-              <a:rPr lang="en-US" sz="1200" b="1"/>
+              <a:rPr lang="en-US" sz="1400"/>
+              <a:t>            </a:t>
+            </a:r>
+            <a:r>
+              <a:rPr lang="en-US" sz="1400" b="1"/>
               <a:t>if</a:t>
             </a:r>
             <a:r>
-              <a:rPr lang="en-US" sz="1200"/>
+              <a:rPr lang="en-US" sz="1400"/>
               <a:t> </a:t>
             </a:r>
             <a:r>
-              <a:rPr lang="en-US" sz="1200" i="1"/>
+              <a:rPr lang="en-US" sz="1400" i="1"/>
               <a:t>nc</a:t>
             </a:r>
             <a:r>
-              <a:rPr lang="en-US" sz="1200"/>
+              <a:rPr lang="en-US" sz="1400"/>
               <a:t> != None:</a:t>
             </a:r>
           </a:p>
@@ -6358,15 +9452,15 @@
               <a:buNone/>
             </a:pPr>
             <a:r>
-              <a:rPr lang="en-US" sz="1200"/>
-              <a:t>            </a:t>
-            </a:r>
-            <a:r>
-              <a:rPr lang="en-US" sz="1200" i="1"/>
+              <a:rPr lang="en-US" sz="1400"/>
+              <a:t>                  </a:t>
+            </a:r>
+            <a:r>
+              <a:rPr lang="en-US" sz="1400" i="1"/>
               <a:t>nc</a:t>
             </a:r>
             <a:r>
-              <a:rPr lang="en-US" sz="1200"/>
+              <a:rPr lang="en-US" sz="1400"/>
               <a:t>.abort()</a:t>
             </a:r>
           </a:p>
@@ -6381,15 +9475,15 @@
               <a:buNone/>
             </a:pPr>
             <a:r>
-              <a:rPr lang="en-US" sz="1200"/>
-              <a:t>            </a:t>
-            </a:r>
-            <a:r>
-              <a:rPr lang="en-US" sz="1200" i="1"/>
+              <a:rPr lang="en-US" sz="1400"/>
+              <a:t>                  </a:t>
+            </a:r>
+            <a:r>
+              <a:rPr lang="en-US" sz="1400" i="1"/>
               <a:t>nc</a:t>
             </a:r>
             <a:r>
-              <a:rPr lang="en-US" sz="1200"/>
+              <a:rPr lang="en-US" sz="1400"/>
               <a:t> = None</a:t>
             </a:r>
           </a:p>
@@ -6404,31 +9498,31 @@
               <a:buNone/>
             </a:pPr>
             <a:r>
-              <a:rPr lang="en-US" sz="1200"/>
-              <a:t>        netconf.connect(</a:t>
-            </a:r>
-            <a:r>
-              <a:rPr lang="en-US" sz="1200" i="1"/>
+              <a:rPr lang="en-US" sz="1400"/>
+              <a:t>            netconf.connect(</a:t>
+            </a:r>
+            <a:r>
+              <a:rPr lang="en-US" sz="1400" i="1"/>
               <a:t>env</a:t>
             </a:r>
             <a:r>
-              <a:rPr lang="en-US" sz="1200"/>
+              <a:rPr lang="en-US" sz="1400"/>
               <a:t>, </a:t>
             </a:r>
             <a:r>
-              <a:rPr lang="en-US" sz="1200" i="1"/>
+              <a:rPr lang="en-US" sz="1400" i="1"/>
               <a:t>address</a:t>
             </a:r>
             <a:r>
-              <a:rPr lang="en-US" sz="1200"/>
+              <a:rPr lang="en-US" sz="1400"/>
               <a:t>, </a:t>
             </a:r>
             <a:r>
-              <a:rPr lang="en-US" sz="1200" i="1"/>
+              <a:rPr lang="en-US" sz="1400" i="1"/>
               <a:t>port</a:t>
             </a:r>
             <a:r>
-              <a:rPr lang="en-US" sz="1200"/>
+              <a:rPr lang="en-US" sz="1400"/>
               <a:t>, established, error)</a:t>
             </a:r>
           </a:p>
@@ -6443,19 +9537,19 @@
               <a:buNone/>
             </a:pPr>
             <a:r>
-              <a:rPr lang="en-US" sz="1200"/>
-              <a:t>        </a:t>
-            </a:r>
-            <a:r>
-              <a:rPr lang="en-US" sz="1200" i="1"/>
+              <a:rPr lang="en-US" sz="1400"/>
+              <a:t>            </a:t>
+            </a:r>
+            <a:r>
+              <a:rPr lang="en-US" sz="1400" i="1"/>
               <a:t>state</a:t>
             </a:r>
             <a:r>
-              <a:rPr lang="en-US" sz="1200"/>
+              <a:rPr lang="en-US" sz="1400"/>
               <a:t> = </a:t>
             </a:r>
             <a:r>
-              <a:rPr lang="en-US" sz="1200">
+              <a:rPr lang="en-US" sz="1400">
                 <a:solidFill>
                   <a:schemeClr val="accent2"/>
                 </a:solidFill>
@@ -6474,11 +9568,11 @@
               <a:buNone/>
             </a:pPr>
             <a:r>
-              <a:rPr lang="en-US" sz="1200"/>
-              <a:t>        print(</a:t>
-            </a:r>
-            <a:r>
-              <a:rPr lang="en-US" sz="1200">
+              <a:rPr lang="en-US" sz="1400"/>
+              <a:t>            print(</a:t>
+            </a:r>
+            <a:r>
+              <a:rPr lang="en-US" sz="1400">
                 <a:solidFill>
                   <a:schemeClr val="accent2"/>
                 </a:solidFill>
@@ -6486,19 +9580,19 @@
               <a:t>'Controller'</a:t>
             </a:r>
             <a:r>
-              <a:rPr lang="en-US" sz="1200"/>
+              <a:rPr lang="en-US" sz="1400"/>
               <a:t>, str(</a:t>
             </a:r>
             <a:r>
-              <a:rPr lang="en-US" sz="1200" i="1"/>
+              <a:rPr lang="en-US" sz="1400" i="1"/>
               <a:t>address</a:t>
             </a:r>
             <a:r>
-              <a:rPr lang="en-US" sz="1200"/>
+              <a:rPr lang="en-US" sz="1400"/>
               <a:t>) + </a:t>
             </a:r>
             <a:r>
-              <a:rPr lang="en-US" sz="1200">
+              <a:rPr lang="en-US" sz="1400">
                 <a:solidFill>
                   <a:schemeClr val="accent2"/>
                 </a:solidFill>
@@ -6506,23 +9600,23 @@
               <a:t>':'</a:t>
             </a:r>
             <a:r>
-              <a:rPr lang="en-US" sz="1200"/>
+              <a:rPr lang="en-US" sz="1400"/>
               <a:t> + str(</a:t>
             </a:r>
             <a:r>
-              <a:rPr lang="en-US" sz="1200" i="1"/>
+              <a:rPr lang="en-US" sz="1400" i="1"/>
               <a:t>port</a:t>
             </a:r>
             <a:r>
-              <a:rPr lang="en-US" sz="1200"/>
+              <a:rPr lang="en-US" sz="1400"/>
               <a:t>), </a:t>
             </a:r>
             <a:r>
-              <a:rPr lang="en-US" sz="1200" i="1"/>
+              <a:rPr lang="en-US" sz="1400" i="1"/>
               <a:t>what</a:t>
             </a:r>
             <a:r>
-              <a:rPr lang="en-US" sz="1200"/>
+              <a:rPr lang="en-US" sz="1400"/>
               <a:t>)</a:t>
             </a:r>
           </a:p>
@@ -6536,7 +9630,7 @@
               </a:spcBef>
               <a:buNone/>
             </a:pPr>
-            <a:endParaRPr lang="sv-SE" sz="1200"/>
+            <a:endParaRPr lang="sv-SE" sz="1400"/>
           </a:p>
           <a:p>
             <a:pPr marL="0" indent="0">
@@ -6549,38 +9643,30 @@
               <a:buNone/>
             </a:pPr>
             <a:r>
-              <a:rPr lang="en-US" sz="1200"/>
-              <a:t>    </a:t>
-            </a:r>
-            <a:r>
-              <a:rPr lang="sv-SE" sz="1200" b="1"/>
-              <a:t>async</a:t>
-            </a:r>
-            <a:r>
-              <a:rPr lang="sv-SE" sz="1200"/>
-              <a:t> </a:t>
-            </a:r>
-            <a:r>
-              <a:rPr lang="sv-SE" sz="1200" b="1"/>
+              <a:rPr lang="en-US" sz="1400"/>
+              <a:t>      </a:t>
+            </a:r>
+            <a:r>
+              <a:rPr lang="sv-SE" sz="1400" b="1"/>
               <a:t>def </a:t>
             </a:r>
             <a:r>
-              <a:rPr lang="mr-IN" sz="1200"/>
+              <a:rPr lang="mr-IN" sz="1400"/>
               <a:t>established(</a:t>
             </a:r>
             <a:r>
-              <a:rPr lang="mr-IN" sz="1200" i="1"/>
+              <a:rPr lang="mr-IN" sz="1400" i="1"/>
               <a:t>sess</a:t>
             </a:r>
             <a:r>
-              <a:rPr lang="sv-SE" sz="1200" i="1"/>
+              <a:rPr lang="sv-SE" sz="1400" i="1"/>
               <a:t>ion</a:t>
             </a:r>
             <a:r>
-              <a:rPr lang="mr-IN" sz="1200"/>
+              <a:rPr lang="mr-IN" sz="1400"/>
               <a:t>):</a:t>
             </a:r>
-            <a:endParaRPr lang="sv-SE" sz="1200"/>
+            <a:endParaRPr lang="sv-SE" sz="1400"/>
           </a:p>
           <a:p>
             <a:pPr marL="0" indent="0">
@@ -6593,34 +9679,34 @@
               <a:buNone/>
             </a:pPr>
             <a:r>
-              <a:rPr lang="en-US" sz="1200"/>
-              <a:t>        </a:t>
-            </a:r>
-            <a:r>
-              <a:rPr lang="mr-IN" sz="1200" b="1"/>
+              <a:rPr lang="en-US" sz="1400"/>
+              <a:t>            </a:t>
+            </a:r>
+            <a:r>
+              <a:rPr lang="mr-IN" sz="1400" b="1"/>
               <a:t>if</a:t>
             </a:r>
             <a:r>
-              <a:rPr lang="sv-SE" sz="1200"/>
+              <a:rPr lang="sv-SE" sz="1400"/>
               <a:t> </a:t>
             </a:r>
             <a:r>
-              <a:rPr lang="mr-IN" sz="1200" i="1"/>
+              <a:rPr lang="mr-IN" sz="1400" i="1"/>
               <a:t>sess</a:t>
             </a:r>
             <a:r>
-              <a:rPr lang="sv-SE" sz="1200" i="1"/>
+              <a:rPr lang="sv-SE" sz="1400" i="1"/>
               <a:t>ion</a:t>
             </a:r>
             <a:r>
-              <a:rPr lang="en-US" sz="1200"/>
+              <a:rPr lang="en-US" sz="1400"/>
               <a:t> != </a:t>
             </a:r>
             <a:r>
-              <a:rPr lang="mr-IN" sz="1200"/>
+              <a:rPr lang="mr-IN" sz="1400"/>
               <a:t>None:</a:t>
             </a:r>
-            <a:endParaRPr lang="sv-SE" sz="1200"/>
+            <a:endParaRPr lang="sv-SE" sz="1400"/>
           </a:p>
           <a:p>
             <a:pPr marL="0" indent="0">
@@ -6633,23 +9719,23 @@
               <a:buNone/>
             </a:pPr>
             <a:r>
-              <a:rPr lang="sv-SE" sz="1200"/>
-              <a:t>            </a:t>
-            </a:r>
-            <a:r>
-              <a:rPr lang="mr-IN" sz="1200" i="1"/>
+              <a:rPr lang="sv-SE" sz="1400"/>
+              <a:t>                  </a:t>
+            </a:r>
+            <a:r>
+              <a:rPr lang="mr-IN" sz="1400" i="1"/>
               <a:t>nc</a:t>
             </a:r>
             <a:r>
-              <a:rPr lang="en-US" sz="1200"/>
+              <a:rPr lang="en-US" sz="1400"/>
               <a:t> = </a:t>
             </a:r>
             <a:r>
-              <a:rPr lang="mr-IN" sz="1200" i="1"/>
+              <a:rPr lang="mr-IN" sz="1400" i="1"/>
               <a:t>sess</a:t>
             </a:r>
             <a:r>
-              <a:rPr lang="sv-SE" sz="1200" i="1"/>
+              <a:rPr lang="sv-SE" sz="1400" i="1"/>
               <a:t>ion</a:t>
             </a:r>
           </a:p>
@@ -6664,18 +9750,38 @@
               <a:buNone/>
             </a:pPr>
             <a:r>
-              <a:rPr lang="sv-SE" sz="1200"/>
-              <a:t>            </a:t>
-            </a:r>
-            <a:r>
-              <a:rPr lang="mr-IN" sz="1200" b="1"/>
-              <a:t>postpone</a:t>
-            </a:r>
-            <a:r>
-              <a:rPr lang="mr-IN" sz="1200"/>
-              <a:t>(10, tick)</a:t>
-            </a:r>
-            <a:endParaRPr lang="sv-SE" sz="1200"/>
+              <a:rPr lang="sv-SE" sz="1400"/>
+              <a:t>                  </a:t>
+            </a:r>
+            <a:r>
+              <a:rPr lang="sv-SE" sz="1400" b="1"/>
+              <a:t>after</a:t>
+            </a:r>
+            <a:r>
+              <a:rPr lang="sv-SE" sz="1400"/>
+              <a:t> sec</a:t>
+            </a:r>
+            <a:r>
+              <a:rPr lang="mr-IN" sz="1400"/>
+              <a:t>(10</a:t>
+            </a:r>
+            <a:r>
+              <a:rPr lang="sv-SE" sz="1400"/>
+              <a:t>): </a:t>
+            </a:r>
+            <a:r>
+              <a:rPr lang="mr-IN" sz="1400"/>
+              <a:t>tick</a:t>
+            </a:r>
+            <a:r>
+              <a:rPr lang="sv-SE" sz="1400"/>
+              <a:t>(</a:t>
+            </a:r>
+            <a:r>
+              <a:rPr lang="mr-IN" sz="1400"/>
+              <a:t>)</a:t>
+            </a:r>
+            <a:endParaRPr lang="sv-SE" sz="1400"/>
           </a:p>
           <a:p>
             <a:pPr marL="0" indent="0">
@@ -6688,18 +9794,18 @@
               <a:buNone/>
             </a:pPr>
             <a:r>
-              <a:rPr lang="en-US" sz="1200"/>
-              <a:t>        </a:t>
-            </a:r>
-            <a:r>
-              <a:rPr lang="mr-IN" sz="1200" b="1"/>
+              <a:rPr lang="en-US" sz="1400"/>
+              <a:t>            </a:t>
+            </a:r>
+            <a:r>
+              <a:rPr lang="mr-IN" sz="1400" b="1"/>
               <a:t>else</a:t>
             </a:r>
             <a:r>
-              <a:rPr lang="mr-IN" sz="1200"/>
+              <a:rPr lang="mr-IN" sz="1400"/>
               <a:t>:</a:t>
             </a:r>
-            <a:endParaRPr lang="sv-SE" sz="1200"/>
+            <a:endParaRPr lang="sv-SE" sz="1400"/>
           </a:p>
           <a:p>
             <a:pPr marL="0" indent="0">
@@ -6712,11 +9818,15 @@
               <a:buNone/>
             </a:pPr>
             <a:r>
-              <a:rPr lang="mr-IN" sz="1200"/>
-              <a:t>            restart(</a:t>
-            </a:r>
-            <a:r>
-              <a:rPr lang="mr-IN" sz="1200">
+              <a:rPr lang="sv-SE" sz="1400"/>
+              <a:t>                  </a:t>
+            </a:r>
+            <a:r>
+              <a:rPr lang="mr-IN" sz="1400"/>
+              <a:t>restart(</a:t>
+            </a:r>
+            <a:r>
+              <a:rPr lang="mr-IN" sz="1400">
                 <a:solidFill>
                   <a:schemeClr val="accent2"/>
                 </a:solidFill>
@@ -6724,37 +9834,10 @@
               <a:t>'connection failure'</a:t>
             </a:r>
             <a:r>
-              <a:rPr lang="mr-IN" sz="1200"/>
+              <a:rPr lang="mr-IN" sz="1400"/>
               <a:t>)</a:t>
             </a:r>
-            <a:endParaRPr lang="sv-SE" sz="1200"/>
-          </a:p>
-          <a:p>
-            <a:pPr marL="0" indent="0">
-              <a:lnSpc>
-                <a:spcPct val="100000"/>
-              </a:lnSpc>
-              <a:spcBef>
-                <a:spcPts val="0"/>
-              </a:spcBef>
-              <a:buNone/>
-            </a:pPr>
-            <a:endParaRPr lang="sv-SE" sz="1200"/>
-          </a:p>
-          <a:p>
-            <a:pPr marL="0" indent="0">
-              <a:lnSpc>
-                <a:spcPct val="100000"/>
-              </a:lnSpc>
-              <a:spcBef>
-                <a:spcPts val="0"/>
-              </a:spcBef>
-              <a:buNone/>
-            </a:pPr>
-            <a:r>
-              <a:rPr lang="sv-SE" sz="1200"/>
-              <a:t>    ...</a:t>
-            </a:r>
+            <a:endParaRPr lang="sv-SE" sz="1400"/>
           </a:p>
         </p:txBody>
       </p:sp>
@@ -6768,8 +9851,8 @@
         </p:nvSpPr>
         <p:spPr>
           <a:xfrm>
-            <a:off x="6838246" y="1402295"/>
-            <a:ext cx="4360333" cy="4992864"/>
+            <a:off x="6747812" y="1201331"/>
+            <a:ext cx="4653847" cy="5289898"/>
           </a:xfrm>
           <a:prstGeom prst="rect">
             <a:avLst/>
@@ -6782,7 +9865,7 @@
         </p:spPr>
         <p:txBody>
           <a:bodyPr vert="horz" lIns="91440" tIns="45720" rIns="91440" bIns="45720" rtlCol="0">
-            <a:normAutofit/>
+            <a:noAutofit/>
           </a:bodyPr>
           <a:lstStyle>
             <a:lvl1pPr marL="228600" indent="-228600" algn="l" defTabSz="914400" rtl="0" eaLnBrk="1" latinLnBrk="0" hangingPunct="1">
@@ -6958,7 +10041,7 @@
               </a:spcBef>
               <a:buNone/>
             </a:pPr>
-            <a:endParaRPr lang="sv-SE" sz="1200"/>
+            <a:endParaRPr lang="sv-SE" sz="1400"/>
           </a:p>
           <a:p>
             <a:pPr marL="0" indent="0">
@@ -6971,8 +10054,8 @@
               <a:buNone/>
             </a:pPr>
             <a:r>
-              <a:rPr lang="sv-SE" sz="1200"/>
-              <a:t>    ...</a:t>
+              <a:rPr lang="sv-SE" sz="1400"/>
+              <a:t>      ...</a:t>
             </a:r>
           </a:p>
           <a:p>
@@ -6985,7 +10068,7 @@
               </a:spcBef>
               <a:buNone/>
             </a:pPr>
-            <a:endParaRPr lang="sv-SE" sz="1200"/>
+            <a:endParaRPr lang="sv-SE" sz="1400"/>
           </a:p>
           <a:p>
             <a:pPr marL="0" indent="0">
@@ -6998,26 +10081,18 @@
               <a:buNone/>
             </a:pPr>
             <a:r>
-              <a:rPr lang="en-US" sz="1200"/>
-              <a:t>    </a:t>
-            </a:r>
-            <a:r>
-              <a:rPr lang="mr-IN" sz="1200" b="1"/>
-              <a:t>async</a:t>
-            </a:r>
-            <a:r>
-              <a:rPr lang="sv-SE" sz="1200"/>
-              <a:t> </a:t>
-            </a:r>
-            <a:r>
-              <a:rPr lang="mr-IN" sz="1200" b="1"/>
+              <a:rPr lang="en-US" sz="1400"/>
+              <a:t>      </a:t>
+            </a:r>
+            <a:r>
+              <a:rPr lang="mr-IN" sz="1400" b="1"/>
               <a:t>def</a:t>
             </a:r>
             <a:r>
-              <a:rPr lang="mr-IN" sz="1200"/>
+              <a:rPr lang="mr-IN" sz="1400"/>
               <a:t> tick():</a:t>
             </a:r>
-            <a:endParaRPr lang="sv-SE" sz="1200"/>
+            <a:endParaRPr lang="sv-SE" sz="1400"/>
           </a:p>
           <a:p>
             <a:pPr marL="0" indent="0">
@@ -7030,27 +10105,27 @@
               <a:buNone/>
             </a:pPr>
             <a:r>
-              <a:rPr lang="en-US" sz="1200"/>
-              <a:t>        </a:t>
-            </a:r>
-            <a:r>
-              <a:rPr lang="mr-IN" sz="1200" b="1"/>
+              <a:rPr lang="en-US" sz="1400"/>
+              <a:t>            </a:t>
+            </a:r>
+            <a:r>
+              <a:rPr lang="mr-IN" sz="1400" b="1"/>
               <a:t>if</a:t>
             </a:r>
             <a:r>
-              <a:rPr lang="mr-IN" sz="1200"/>
+              <a:rPr lang="mr-IN" sz="1400"/>
               <a:t> state</a:t>
             </a:r>
             <a:r>
-              <a:rPr lang="sv-SE" sz="1200"/>
+              <a:rPr lang="sv-SE" sz="1400"/>
               <a:t> </a:t>
             </a:r>
             <a:r>
-              <a:rPr lang="en-US" sz="1200"/>
+              <a:rPr lang="en-US" sz="1400"/>
               <a:t>== </a:t>
             </a:r>
             <a:r>
-              <a:rPr lang="mr-IN" sz="1200">
+              <a:rPr lang="mr-IN" sz="1400">
                 <a:solidFill>
                   <a:schemeClr val="accent2"/>
                 </a:solidFill>
@@ -7058,10 +10133,10 @@
               <a:t>'IDLE'</a:t>
             </a:r>
             <a:r>
-              <a:rPr lang="mr-IN" sz="1200"/>
+              <a:rPr lang="mr-IN" sz="1400"/>
               <a:t>:</a:t>
             </a:r>
-            <a:endParaRPr lang="sv-SE" sz="1200"/>
+            <a:endParaRPr lang="sv-SE" sz="1400"/>
           </a:p>
           <a:p>
             <a:pPr marL="0" indent="0">
@@ -7074,19 +10149,19 @@
               <a:buNone/>
             </a:pPr>
             <a:r>
-              <a:rPr lang="sv-SE" sz="1200"/>
-              <a:t>            </a:t>
-            </a:r>
-            <a:r>
-              <a:rPr lang="mr-IN" sz="1200" i="1"/>
+              <a:rPr lang="sv-SE" sz="1400"/>
+              <a:t>                  </a:t>
+            </a:r>
+            <a:r>
+              <a:rPr lang="mr-IN" sz="1400" i="1"/>
               <a:t>nc</a:t>
             </a:r>
             <a:r>
-              <a:rPr lang="mr-IN" sz="1200"/>
+              <a:rPr lang="mr-IN" sz="1400"/>
               <a:t>.get(</a:t>
             </a:r>
             <a:r>
-              <a:rPr lang="mr-IN" sz="1200">
+              <a:rPr lang="mr-IN" sz="1400">
                 <a:solidFill>
                   <a:schemeClr val="accent2"/>
                 </a:solidFill>
@@ -7094,10 +10169,10 @@
               <a:t>'/oper/thevalue'</a:t>
             </a:r>
             <a:r>
-              <a:rPr lang="mr-IN" sz="1200"/>
+              <a:rPr lang="mr-IN" sz="1400"/>
               <a:t>, reply)</a:t>
             </a:r>
-            <a:endParaRPr lang="sv-SE" sz="1200"/>
+            <a:endParaRPr lang="sv-SE" sz="1400"/>
           </a:p>
           <a:p>
             <a:pPr marL="0" indent="0">
@@ -7110,30 +10185,30 @@
               <a:buNone/>
             </a:pPr>
             <a:r>
-              <a:rPr lang="sv-SE" sz="1200"/>
-              <a:t>            </a:t>
-            </a:r>
-            <a:r>
-              <a:rPr lang="mr-IN" sz="1200" i="1"/>
+              <a:rPr lang="sv-SE" sz="1400"/>
+              <a:t>                  </a:t>
+            </a:r>
+            <a:r>
+              <a:rPr lang="mr-IN" sz="1400" i="1"/>
               <a:t>state</a:t>
             </a:r>
             <a:r>
-              <a:rPr lang="sv-SE" sz="1200"/>
+              <a:rPr lang="sv-SE" sz="1400"/>
               <a:t> </a:t>
             </a:r>
             <a:r>
-              <a:rPr lang="en-US" sz="1200"/>
+              <a:rPr lang="en-US" sz="1400"/>
               <a:t>= </a:t>
             </a:r>
             <a:r>
-              <a:rPr lang="mr-IN" sz="1200">
+              <a:rPr lang="mr-IN" sz="1400">
                 <a:solidFill>
                   <a:schemeClr val="accent2"/>
                 </a:solidFill>
               </a:rPr>
               <a:t>'GET'</a:t>
             </a:r>
-            <a:endParaRPr lang="sv-SE" sz="1200">
+            <a:endParaRPr lang="sv-SE" sz="1400">
               <a:solidFill>
                 <a:schemeClr val="accent2"/>
               </a:solidFill>
@@ -7150,18 +10225,38 @@
               <a:buNone/>
             </a:pPr>
             <a:r>
-              <a:rPr lang="sv-SE" sz="1200"/>
-              <a:t>            </a:t>
-            </a:r>
-            <a:r>
-              <a:rPr lang="mr-IN" sz="1200" b="1"/>
-              <a:t>postpone</a:t>
-            </a:r>
-            <a:r>
-              <a:rPr lang="mr-IN" sz="1200"/>
-              <a:t>(10, tick)</a:t>
-            </a:r>
-            <a:endParaRPr lang="sv-SE" sz="1200"/>
+              <a:rPr lang="sv-SE" sz="1400"/>
+              <a:t>                  </a:t>
+            </a:r>
+            <a:r>
+              <a:rPr lang="sv-SE" sz="1400" b="1"/>
+              <a:t>after</a:t>
+            </a:r>
+            <a:r>
+              <a:rPr lang="sv-SE" sz="1400"/>
+              <a:t> sec</a:t>
+            </a:r>
+            <a:r>
+              <a:rPr lang="mr-IN" sz="1400"/>
+              <a:t>(10</a:t>
+            </a:r>
+            <a:r>
+              <a:rPr lang="sv-SE" sz="1400"/>
+              <a:t>): </a:t>
+            </a:r>
+            <a:r>
+              <a:rPr lang="mr-IN" sz="1400"/>
+              <a:t>tick</a:t>
+            </a:r>
+            <a:r>
+              <a:rPr lang="sv-SE" sz="1400"/>
+              <a:t>(</a:t>
+            </a:r>
+            <a:r>
+              <a:rPr lang="mr-IN" sz="1400"/>
+              <a:t>)</a:t>
+            </a:r>
+            <a:endParaRPr lang="sv-SE" sz="1400"/>
           </a:p>
           <a:p>
             <a:pPr marL="0" indent="0">
@@ -7174,18 +10269,18 @@
               <a:buNone/>
             </a:pPr>
             <a:r>
-              <a:rPr lang="en-US" sz="1200"/>
-              <a:t>        </a:t>
-            </a:r>
-            <a:r>
-              <a:rPr lang="mr-IN" sz="1200" b="1"/>
+              <a:rPr lang="en-US" sz="1400"/>
+              <a:t>            </a:t>
+            </a:r>
+            <a:r>
+              <a:rPr lang="mr-IN" sz="1400" b="1"/>
               <a:t>else</a:t>
             </a:r>
             <a:r>
-              <a:rPr lang="mr-IN" sz="1200"/>
+              <a:rPr lang="mr-IN" sz="1400"/>
               <a:t>:</a:t>
             </a:r>
-            <a:endParaRPr lang="sv-SE" sz="1200"/>
+            <a:endParaRPr lang="sv-SE" sz="1400"/>
           </a:p>
           <a:p>
             <a:pPr marL="0" indent="0">
@@ -7198,11 +10293,15 @@
               <a:buNone/>
             </a:pPr>
             <a:r>
-              <a:rPr lang="mr-IN" sz="1200"/>
-              <a:t>            restart(</a:t>
-            </a:r>
-            <a:r>
-              <a:rPr lang="mr-IN" sz="1200">
+              <a:rPr lang="sv-SE" sz="1400"/>
+              <a:t>                  </a:t>
+            </a:r>
+            <a:r>
+              <a:rPr lang="mr-IN" sz="1400"/>
+              <a:t>restart(</a:t>
+            </a:r>
+            <a:r>
+              <a:rPr lang="mr-IN" sz="1400">
                 <a:solidFill>
                   <a:schemeClr val="accent2"/>
                 </a:solidFill>
@@ -7210,10 +10309,10 @@
               <a:t>'timeout'</a:t>
             </a:r>
             <a:r>
-              <a:rPr lang="mr-IN" sz="1200"/>
+              <a:rPr lang="mr-IN" sz="1400"/>
               <a:t>)</a:t>
             </a:r>
-            <a:endParaRPr lang="en-US" sz="1200"/>
+            <a:endParaRPr lang="en-US" sz="1400"/>
           </a:p>
           <a:p>
             <a:pPr marL="0" indent="0">
@@ -7225,7 +10324,7 @@
               </a:spcBef>
               <a:buNone/>
             </a:pPr>
-            <a:endParaRPr lang="en-US" sz="1200"/>
+            <a:endParaRPr lang="en-US" sz="1400"/>
           </a:p>
           <a:p>
             <a:pPr marL="0" indent="0">
@@ -7238,31 +10337,23 @@
               <a:buNone/>
             </a:pPr>
             <a:r>
-              <a:rPr lang="en-US" sz="1200"/>
-              <a:t>    </a:t>
-            </a:r>
-            <a:r>
-              <a:rPr lang="en-US" sz="1200" b="1"/>
-              <a:t>async</a:t>
-            </a:r>
-            <a:r>
-              <a:rPr lang="en-US" sz="1200"/>
-              <a:t> </a:t>
-            </a:r>
-            <a:r>
-              <a:rPr lang="en-US" sz="1200" b="1"/>
+              <a:rPr lang="en-US" sz="1400"/>
+              <a:t>      </a:t>
+            </a:r>
+            <a:r>
+              <a:rPr lang="en-US" sz="1400" b="1"/>
               <a:t>def</a:t>
             </a:r>
             <a:r>
-              <a:rPr lang="en-US" sz="1200"/>
+              <a:rPr lang="en-US" sz="1400"/>
               <a:t> reply(</a:t>
             </a:r>
             <a:r>
-              <a:rPr lang="en-US" sz="1200" i="1"/>
+              <a:rPr lang="en-US" sz="1400" i="1"/>
               <a:t>newval</a:t>
             </a:r>
             <a:r>
-              <a:rPr lang="en-US" sz="1200"/>
+              <a:rPr lang="en-US" sz="1400"/>
               <a:t>):</a:t>
             </a:r>
           </a:p>
@@ -7277,19 +10368,19 @@
               <a:buNone/>
             </a:pPr>
             <a:r>
-              <a:rPr lang="en-US" sz="1200"/>
-              <a:t>        </a:t>
-            </a:r>
-            <a:r>
-              <a:rPr lang="en-US" sz="1200" b="1"/>
+              <a:rPr lang="en-US" sz="1400"/>
+              <a:t>            </a:t>
+            </a:r>
+            <a:r>
+              <a:rPr lang="en-US" sz="1400" b="1"/>
               <a:t>if</a:t>
             </a:r>
             <a:r>
-              <a:rPr lang="en-US" sz="1200"/>
+              <a:rPr lang="en-US" sz="1400"/>
               <a:t> state == </a:t>
             </a:r>
             <a:r>
-              <a:rPr lang="en-US" sz="1200">
+              <a:rPr lang="en-US" sz="1400">
                 <a:solidFill>
                   <a:schemeClr val="accent2"/>
                 </a:solidFill>
@@ -7297,7 +10388,7 @@
               <a:t>'GET'</a:t>
             </a:r>
             <a:r>
-              <a:rPr lang="en-US" sz="1200"/>
+              <a:rPr lang="en-US" sz="1400"/>
               <a:t>:</a:t>
             </a:r>
           </a:p>
@@ -7312,31 +10403,31 @@
               <a:buNone/>
             </a:pPr>
             <a:r>
-              <a:rPr lang="en-US" sz="1200"/>
-              <a:t>            </a:t>
-            </a:r>
-            <a:r>
-              <a:rPr lang="en-US" sz="1200" i="1"/>
+              <a:rPr lang="en-US" sz="1400"/>
+              <a:t>                  </a:t>
+            </a:r>
+            <a:r>
+              <a:rPr lang="en-US" sz="1400" i="1"/>
               <a:t>setting</a:t>
             </a:r>
             <a:r>
-              <a:rPr lang="en-US" sz="1200"/>
+              <a:rPr lang="en-US" sz="1400"/>
               <a:t> = compute(</a:t>
             </a:r>
             <a:r>
-              <a:rPr lang="en-US" sz="1200" i="1"/>
+              <a:rPr lang="en-US" sz="1400" i="1"/>
               <a:t>setting</a:t>
             </a:r>
             <a:r>
-              <a:rPr lang="en-US" sz="1200"/>
+              <a:rPr lang="en-US" sz="1400"/>
               <a:t>, </a:t>
             </a:r>
             <a:r>
-              <a:rPr lang="en-US" sz="1200" i="1"/>
+              <a:rPr lang="en-US" sz="1400" i="1"/>
               <a:t>newval</a:t>
             </a:r>
             <a:r>
-              <a:rPr lang="en-US" sz="1200"/>
+              <a:rPr lang="en-US" sz="1400"/>
               <a:t>)</a:t>
             </a:r>
           </a:p>
@@ -7351,19 +10442,19 @@
               <a:buNone/>
             </a:pPr>
             <a:r>
-              <a:rPr lang="en-US" sz="1200"/>
-              <a:t>            </a:t>
-            </a:r>
-            <a:r>
-              <a:rPr lang="en-US" sz="1200" i="1"/>
+              <a:rPr lang="en-US" sz="1400"/>
+              <a:t>                  </a:t>
+            </a:r>
+            <a:r>
+              <a:rPr lang="en-US" sz="1400" i="1"/>
               <a:t>nc</a:t>
             </a:r>
             <a:r>
-              <a:rPr lang="en-US" sz="1200"/>
+              <a:rPr lang="en-US" sz="1400"/>
               <a:t>.edit_config(</a:t>
             </a:r>
             <a:r>
-              <a:rPr lang="en-US" sz="1200">
+              <a:rPr lang="en-US" sz="1400">
                 <a:solidFill>
                   <a:schemeClr val="accent2"/>
                 </a:solidFill>
@@ -7371,15 +10462,15 @@
               <a:t>'/config/settings/thesetting'</a:t>
             </a:r>
             <a:r>
-              <a:rPr lang="en-US" sz="1200"/>
+              <a:rPr lang="en-US" sz="1400"/>
               <a:t>, </a:t>
             </a:r>
             <a:r>
-              <a:rPr lang="en-US" sz="1200" i="1"/>
+              <a:rPr lang="en-US" sz="1400" i="1"/>
               <a:t>setting</a:t>
             </a:r>
             <a:r>
-              <a:rPr lang="en-US" sz="1200"/>
+              <a:rPr lang="en-US" sz="1400"/>
               <a:t>)</a:t>
             </a:r>
           </a:p>
@@ -7394,19 +10485,19 @@
               <a:buNone/>
             </a:pPr>
             <a:r>
-              <a:rPr lang="en-US" sz="1200"/>
-              <a:t>            </a:t>
-            </a:r>
-            <a:r>
-              <a:rPr lang="en-US" sz="1200" i="1"/>
+              <a:rPr lang="en-US" sz="1400"/>
+              <a:t>                  </a:t>
+            </a:r>
+            <a:r>
+              <a:rPr lang="en-US" sz="1400" i="1"/>
               <a:t>state</a:t>
             </a:r>
             <a:r>
-              <a:rPr lang="en-US" sz="1200"/>
+              <a:rPr lang="en-US" sz="1400"/>
               <a:t> = </a:t>
             </a:r>
             <a:r>
-              <a:rPr lang="en-US" sz="1200">
+              <a:rPr lang="en-US" sz="1400">
                 <a:solidFill>
                   <a:schemeClr val="accent2"/>
                 </a:solidFill>
@@ -7425,15 +10516,15 @@
               <a:buNone/>
             </a:pPr>
             <a:r>
-              <a:rPr lang="en-US" sz="1200"/>
-              <a:t>        </a:t>
-            </a:r>
-            <a:r>
-              <a:rPr lang="en-US" sz="1200" b="1"/>
+              <a:rPr lang="en-US" sz="1400"/>
+              <a:t>            </a:t>
+            </a:r>
+            <a:r>
+              <a:rPr lang="en-US" sz="1400" b="1"/>
               <a:t>else</a:t>
             </a:r>
             <a:r>
-              <a:rPr lang="en-US" sz="1200"/>
+              <a:rPr lang="en-US" sz="1400"/>
               <a:t>:</a:t>
             </a:r>
           </a:p>
@@ -7448,11 +10539,11 @@
               <a:buNone/>
             </a:pPr>
             <a:r>
-              <a:rPr lang="en-US" sz="1200"/>
-              <a:t>            restart(</a:t>
-            </a:r>
-            <a:r>
-              <a:rPr lang="en-US" sz="1200">
+              <a:rPr lang="en-US" sz="1400"/>
+              <a:t>                  restart(</a:t>
+            </a:r>
+            <a:r>
+              <a:rPr lang="en-US" sz="1400">
                 <a:solidFill>
                   <a:schemeClr val="accent2"/>
                 </a:solidFill>
@@ -7460,7 +10551,7 @@
               <a:t>'stray reply'</a:t>
             </a:r>
             <a:r>
-              <a:rPr lang="en-US" sz="1200"/>
+              <a:rPr lang="en-US" sz="1400"/>
               <a:t>)</a:t>
             </a:r>
           </a:p>
@@ -7474,7 +10565,7 @@
               </a:spcBef>
               <a:buNone/>
             </a:pPr>
-            <a:endParaRPr lang="en-US" sz="1200"/>
+            <a:endParaRPr lang="en-US" sz="1400"/>
           </a:p>
           <a:p>
             <a:pPr marL="0" indent="0">
@@ -7487,23 +10578,15 @@
               <a:buNone/>
             </a:pPr>
             <a:r>
-              <a:rPr lang="en-US" sz="1200"/>
-              <a:t>    </a:t>
-            </a:r>
-            <a:r>
-              <a:rPr lang="en-US" sz="1200" b="1"/>
-              <a:t>async</a:t>
-            </a:r>
-            <a:r>
-              <a:rPr lang="en-US" sz="1200"/>
-              <a:t> </a:t>
-            </a:r>
-            <a:r>
-              <a:rPr lang="en-US" sz="1200" b="1"/>
+              <a:rPr lang="en-US" sz="1400"/>
+              <a:t>      </a:t>
+            </a:r>
+            <a:r>
+              <a:rPr lang="en-US" sz="1400" b="1"/>
               <a:t>def</a:t>
             </a:r>
             <a:r>
-              <a:rPr lang="en-US" sz="1200"/>
+              <a:rPr lang="en-US" sz="1400"/>
               <a:t> error(what):</a:t>
             </a:r>
           </a:p>
@@ -7518,11 +10601,11 @@
               <a:buNone/>
             </a:pPr>
             <a:r>
-              <a:rPr lang="en-US" sz="1200"/>
-              <a:t>        restart(</a:t>
-            </a:r>
-            <a:r>
-              <a:rPr lang="en-US" sz="1200">
+              <a:rPr lang="en-US" sz="1400"/>
+              <a:t>            restart(</a:t>
+            </a:r>
+            <a:r>
+              <a:rPr lang="en-US" sz="1400">
                 <a:solidFill>
                   <a:schemeClr val="accent2"/>
                 </a:solidFill>
@@ -7530,7 +10613,7 @@
               <a:t>'NETCONF error:'</a:t>
             </a:r>
             <a:r>
-              <a:rPr lang="en-US" sz="1200"/>
+              <a:rPr lang="en-US" sz="1400"/>
               <a:t> + what)</a:t>
             </a:r>
           </a:p>
@@ -7544,7 +10627,7 @@
               </a:spcBef>
               <a:buNone/>
             </a:pPr>
-            <a:endParaRPr lang="en-US" sz="1200"/>
+            <a:endParaRPr lang="en-US" sz="1400"/>
           </a:p>
           <a:p>
             <a:pPr marL="0" indent="0">
@@ -7557,11 +10640,11 @@
               <a:buNone/>
             </a:pPr>
             <a:r>
-              <a:rPr lang="en-US" sz="1200"/>
-              <a:t>    restart(</a:t>
-            </a:r>
-            <a:r>
-              <a:rPr lang="en-US" sz="1200">
+              <a:rPr lang="en-US" sz="1400"/>
+              <a:t>      restart(</a:t>
+            </a:r>
+            <a:r>
+              <a:rPr lang="en-US" sz="1400">
                 <a:solidFill>
                   <a:schemeClr val="accent2"/>
                 </a:solidFill>
@@ -7569,7 +10652,7 @@
               <a:t>'initial'</a:t>
             </a:r>
             <a:r>
-              <a:rPr lang="en-US" sz="1200"/>
+              <a:rPr lang="en-US" sz="1400"/>
               <a:t>)</a:t>
             </a:r>
           </a:p>
@@ -7583,7 +10666,7 @@
               </a:spcBef>
               <a:buNone/>
             </a:pPr>
-            <a:endParaRPr lang="en-US" sz="1200"/>
+            <a:endParaRPr lang="en-US" sz="1400"/>
           </a:p>
         </p:txBody>
       </p:sp>
@@ -7623,7 +10706,7 @@
         </p:nvSpPr>
         <p:spPr>
           <a:xfrm>
-            <a:off x="5294491" y="6203241"/>
+            <a:off x="5445217" y="6293673"/>
             <a:ext cx="197556" cy="197556"/>
           </a:xfrm>
           <a:prstGeom prst="bentUpArrow">
@@ -7671,7 +10754,7 @@
         </p:nvSpPr>
         <p:spPr>
           <a:xfrm rot="16200000" flipV="1">
-            <a:off x="6584240" y="1385363"/>
+            <a:off x="6473709" y="1184399"/>
             <a:ext cx="197556" cy="197556"/>
           </a:xfrm>
           <a:prstGeom prst="bentUpArrow">
@@ -7721,6 +10804,1663 @@
   <p:clrMapOvr>
     <a:masterClrMapping/>
   </p:clrMapOvr>
+  <p:timing>
+    <p:tnLst>
+      <p:par>
+        <p:cTn id="1" dur="indefinite" restart="never" nodeType="tmRoot"/>
+      </p:par>
+    </p:tnLst>
+  </p:timing>
+</p:sld>
+</file>
+
+<file path=ppt/slides/slide6.xml><?xml version="1.0" encoding="utf-8"?>
+<p:sld xmlns:a="http://schemas.openxmlformats.org/drawingml/2006/main" xmlns:r="http://schemas.openxmlformats.org/officeDocument/2006/relationships" xmlns:p="http://schemas.openxmlformats.org/presentationml/2006/main">
+  <p:cSld>
+    <p:spTree>
+      <p:nvGrpSpPr>
+        <p:cNvPr id="1" name=""/>
+        <p:cNvGrpSpPr/>
+        <p:nvPr/>
+      </p:nvGrpSpPr>
+      <p:grpSpPr>
+        <a:xfrm>
+          <a:off x="0" y="0"/>
+          <a:ext cx="0" cy="0"/>
+          <a:chOff x="0" y="0"/>
+          <a:chExt cx="0" cy="0"/>
+        </a:xfrm>
+      </p:grpSpPr>
+      <p:sp>
+        <p:nvSpPr>
+          <p:cNvPr id="3" name="Content Placeholder 2"/>
+          <p:cNvSpPr>
+            <a:spLocks noGrp="1"/>
+          </p:cNvSpPr>
+          <p:nvPr>
+            <p:ph idx="1"/>
+          </p:nvPr>
+        </p:nvSpPr>
+        <p:spPr>
+          <a:xfrm>
+            <a:off x="677429" y="1211376"/>
+            <a:ext cx="4653847" cy="5279853"/>
+          </a:xfrm>
+          <a:ln>
+            <a:solidFill>
+              <a:schemeClr val="tx1"/>
+            </a:solidFill>
+          </a:ln>
+        </p:spPr>
+        <p:txBody>
+          <a:bodyPr>
+            <a:normAutofit/>
+          </a:bodyPr>
+          <a:lstStyle/>
+          <a:p>
+            <a:pPr marL="0" indent="0">
+              <a:lnSpc>
+                <a:spcPct val="100000"/>
+              </a:lnSpc>
+              <a:spcBef>
+                <a:spcPts val="0"/>
+              </a:spcBef>
+              <a:buNone/>
+            </a:pPr>
+            <a:r>
+              <a:rPr lang="en-US" sz="1400" b="1"/>
+              <a:t>import</a:t>
+            </a:r>
+            <a:r>
+              <a:rPr lang="en-US" sz="1400"/>
+              <a:t> netconf</a:t>
+            </a:r>
+          </a:p>
+          <a:p>
+            <a:pPr marL="0" indent="0">
+              <a:lnSpc>
+                <a:spcPct val="100000"/>
+              </a:lnSpc>
+              <a:spcBef>
+                <a:spcPts val="0"/>
+              </a:spcBef>
+              <a:buNone/>
+            </a:pPr>
+            <a:endParaRPr lang="en-US" sz="1400"/>
+          </a:p>
+          <a:p>
+            <a:pPr marL="0" indent="0">
+              <a:lnSpc>
+                <a:spcPct val="100000"/>
+              </a:lnSpc>
+              <a:spcBef>
+                <a:spcPts val="0"/>
+              </a:spcBef>
+              <a:buNone/>
+            </a:pPr>
+            <a:r>
+              <a:rPr lang="en-US" sz="1400" b="1"/>
+              <a:t>def</a:t>
+            </a:r>
+            <a:r>
+              <a:rPr lang="en-US" sz="1400"/>
+              <a:t> compute(</a:t>
+            </a:r>
+            <a:r>
+              <a:rPr lang="en-US" sz="1400" i="1"/>
+              <a:t>setting</a:t>
+            </a:r>
+            <a:r>
+              <a:rPr lang="en-US" sz="1400"/>
+              <a:t>, </a:t>
+            </a:r>
+            <a:r>
+              <a:rPr lang="en-US" sz="1400" i="1"/>
+              <a:t>newval</a:t>
+            </a:r>
+            <a:r>
+              <a:rPr lang="en-US" sz="1400"/>
+              <a:t>):</a:t>
+            </a:r>
+          </a:p>
+          <a:p>
+            <a:pPr marL="0" indent="0">
+              <a:lnSpc>
+                <a:spcPct val="100000"/>
+              </a:lnSpc>
+              <a:spcBef>
+                <a:spcPts val="0"/>
+              </a:spcBef>
+              <a:buNone/>
+            </a:pPr>
+            <a:r>
+              <a:rPr lang="en-US" sz="1400"/>
+              <a:t>      </a:t>
+            </a:r>
+            <a:r>
+              <a:rPr lang="en-US" sz="1400" b="1"/>
+              <a:t>return</a:t>
+            </a:r>
+            <a:r>
+              <a:rPr lang="en-US" sz="1400"/>
+              <a:t> (</a:t>
+            </a:r>
+            <a:r>
+              <a:rPr lang="en-US" sz="1400" i="1"/>
+              <a:t>setting</a:t>
+            </a:r>
+            <a:r>
+              <a:rPr lang="en-US" sz="1400"/>
+              <a:t> + </a:t>
+            </a:r>
+            <a:r>
+              <a:rPr lang="en-US" sz="1400" i="1"/>
+              <a:t>newval</a:t>
+            </a:r>
+            <a:r>
+              <a:rPr lang="en-US" sz="1400"/>
+              <a:t>) // 2</a:t>
+            </a:r>
+          </a:p>
+          <a:p>
+            <a:pPr marL="0" indent="0">
+              <a:lnSpc>
+                <a:spcPct val="100000"/>
+              </a:lnSpc>
+              <a:spcBef>
+                <a:spcPts val="0"/>
+              </a:spcBef>
+              <a:buNone/>
+            </a:pPr>
+            <a:endParaRPr lang="en-US" sz="1400"/>
+          </a:p>
+          <a:p>
+            <a:pPr marL="0" indent="0">
+              <a:lnSpc>
+                <a:spcPct val="100000"/>
+              </a:lnSpc>
+              <a:spcBef>
+                <a:spcPts val="0"/>
+              </a:spcBef>
+              <a:buNone/>
+            </a:pPr>
+            <a:r>
+              <a:rPr lang="en-US" sz="1400" b="1"/>
+              <a:t>actor</a:t>
+            </a:r>
+            <a:r>
+              <a:rPr lang="en-US" sz="1400"/>
+              <a:t> Controller(</a:t>
+            </a:r>
+            <a:r>
+              <a:rPr lang="en-US" sz="1400" i="1"/>
+              <a:t>env</a:t>
+            </a:r>
+            <a:r>
+              <a:rPr lang="en-US" sz="1400"/>
+              <a:t>, </a:t>
+            </a:r>
+            <a:r>
+              <a:rPr lang="en-US" sz="1400" i="1"/>
+              <a:t>address</a:t>
+            </a:r>
+            <a:r>
+              <a:rPr lang="en-US" sz="1400"/>
+              <a:t>, </a:t>
+            </a:r>
+            <a:r>
+              <a:rPr lang="en-US" sz="1400" i="1"/>
+              <a:t>port</a:t>
+            </a:r>
+            <a:r>
+              <a:rPr lang="en-US" sz="1400"/>
+              <a:t>):        </a:t>
+            </a:r>
+          </a:p>
+          <a:p>
+            <a:pPr marL="0" indent="0">
+              <a:lnSpc>
+                <a:spcPct val="100000"/>
+              </a:lnSpc>
+              <a:spcBef>
+                <a:spcPts val="0"/>
+              </a:spcBef>
+              <a:buNone/>
+            </a:pPr>
+            <a:r>
+              <a:rPr lang="en-US" sz="1400"/>
+              <a:t>      </a:t>
+            </a:r>
+            <a:r>
+              <a:rPr lang="en-US" sz="1400" b="1"/>
+              <a:t>var</a:t>
+            </a:r>
+            <a:r>
+              <a:rPr lang="en-US" sz="1400"/>
+              <a:t> </a:t>
+            </a:r>
+            <a:r>
+              <a:rPr lang="en-US" sz="1400" i="1"/>
+              <a:t>nc</a:t>
+            </a:r>
+            <a:r>
+              <a:rPr lang="en-US" sz="1400"/>
+              <a:t> = None</a:t>
+            </a:r>
+          </a:p>
+          <a:p>
+            <a:pPr marL="0" indent="0">
+              <a:lnSpc>
+                <a:spcPct val="100000"/>
+              </a:lnSpc>
+              <a:spcBef>
+                <a:spcPts val="0"/>
+              </a:spcBef>
+              <a:buNone/>
+            </a:pPr>
+            <a:r>
+              <a:rPr lang="en-US" sz="1400"/>
+              <a:t>      </a:t>
+            </a:r>
+            <a:r>
+              <a:rPr lang="en-US" sz="1400" b="1"/>
+              <a:t>var</a:t>
+            </a:r>
+            <a:r>
+              <a:rPr lang="en-US" sz="1400"/>
+              <a:t> </a:t>
+            </a:r>
+            <a:r>
+              <a:rPr lang="en-US" sz="1400" i="1"/>
+              <a:t>setting</a:t>
+            </a:r>
+            <a:r>
+              <a:rPr lang="en-US" sz="1400"/>
+              <a:t> = 0</a:t>
+            </a:r>
+          </a:p>
+          <a:p>
+            <a:pPr marL="0" indent="0">
+              <a:lnSpc>
+                <a:spcPct val="100000"/>
+              </a:lnSpc>
+              <a:spcBef>
+                <a:spcPts val="0"/>
+              </a:spcBef>
+              <a:buNone/>
+            </a:pPr>
+            <a:r>
+              <a:rPr lang="en-US" sz="1400"/>
+              <a:t>      </a:t>
+            </a:r>
+            <a:r>
+              <a:rPr lang="en-US" sz="1400" b="1"/>
+              <a:t>var</a:t>
+            </a:r>
+            <a:r>
+              <a:rPr lang="en-US" sz="1400"/>
+              <a:t> </a:t>
+            </a:r>
+            <a:r>
+              <a:rPr lang="en-US" sz="1400" i="1"/>
+              <a:t>thevalue</a:t>
+            </a:r>
+            <a:r>
+              <a:rPr lang="en-US" sz="1400"/>
+              <a:t> = 0</a:t>
+            </a:r>
+          </a:p>
+          <a:p>
+            <a:pPr marL="0" indent="0">
+              <a:lnSpc>
+                <a:spcPct val="100000"/>
+              </a:lnSpc>
+              <a:spcBef>
+                <a:spcPts val="0"/>
+              </a:spcBef>
+              <a:buNone/>
+            </a:pPr>
+            <a:endParaRPr lang="en-US" sz="1400"/>
+          </a:p>
+          <a:p>
+            <a:pPr marL="0" indent="0">
+              <a:lnSpc>
+                <a:spcPct val="100000"/>
+              </a:lnSpc>
+              <a:spcBef>
+                <a:spcPts val="0"/>
+              </a:spcBef>
+              <a:buNone/>
+            </a:pPr>
+            <a:r>
+              <a:rPr lang="en-US" sz="1400"/>
+              <a:t>      </a:t>
+            </a:r>
+            <a:r>
+              <a:rPr lang="en-US" sz="1400" b="1"/>
+              <a:t>def </a:t>
+            </a:r>
+            <a:r>
+              <a:rPr lang="en-US" sz="1400"/>
+              <a:t>restart(</a:t>
+            </a:r>
+            <a:r>
+              <a:rPr lang="en-US" sz="1400" i="1"/>
+              <a:t>what</a:t>
+            </a:r>
+            <a:r>
+              <a:rPr lang="en-US" sz="1400"/>
+              <a:t>):</a:t>
+            </a:r>
+          </a:p>
+          <a:p>
+            <a:pPr marL="0" indent="0">
+              <a:lnSpc>
+                <a:spcPct val="100000"/>
+              </a:lnSpc>
+              <a:spcBef>
+                <a:spcPts val="0"/>
+              </a:spcBef>
+              <a:buNone/>
+            </a:pPr>
+            <a:r>
+              <a:rPr lang="en-US" sz="1400"/>
+              <a:t>            </a:t>
+            </a:r>
+            <a:r>
+              <a:rPr lang="en-US" sz="1400" b="1"/>
+              <a:t>if</a:t>
+            </a:r>
+            <a:r>
+              <a:rPr lang="en-US" sz="1400"/>
+              <a:t> </a:t>
+            </a:r>
+            <a:r>
+              <a:rPr lang="en-US" sz="1400" i="1"/>
+              <a:t>nc</a:t>
+            </a:r>
+            <a:r>
+              <a:rPr lang="en-US" sz="1400"/>
+              <a:t> != None:</a:t>
+            </a:r>
+          </a:p>
+          <a:p>
+            <a:pPr marL="0" indent="0">
+              <a:lnSpc>
+                <a:spcPct val="100000"/>
+              </a:lnSpc>
+              <a:spcBef>
+                <a:spcPts val="0"/>
+              </a:spcBef>
+              <a:buNone/>
+            </a:pPr>
+            <a:r>
+              <a:rPr lang="en-US" sz="1400"/>
+              <a:t>                  </a:t>
+            </a:r>
+            <a:r>
+              <a:rPr lang="en-US" sz="1400" i="1"/>
+              <a:t>nc</a:t>
+            </a:r>
+            <a:r>
+              <a:rPr lang="en-US" sz="1400"/>
+              <a:t>.abort()</a:t>
+            </a:r>
+          </a:p>
+          <a:p>
+            <a:pPr marL="0" indent="0">
+              <a:lnSpc>
+                <a:spcPct val="100000"/>
+              </a:lnSpc>
+              <a:spcBef>
+                <a:spcPts val="0"/>
+              </a:spcBef>
+              <a:buNone/>
+            </a:pPr>
+            <a:r>
+              <a:rPr lang="en-US" sz="1400"/>
+              <a:t>                  </a:t>
+            </a:r>
+            <a:r>
+              <a:rPr lang="en-US" sz="1400" i="1"/>
+              <a:t>nc</a:t>
+            </a:r>
+            <a:r>
+              <a:rPr lang="en-US" sz="1400"/>
+              <a:t> = None</a:t>
+            </a:r>
+          </a:p>
+          <a:p>
+            <a:pPr marL="0" indent="0">
+              <a:lnSpc>
+                <a:spcPct val="100000"/>
+              </a:lnSpc>
+              <a:spcBef>
+                <a:spcPts val="0"/>
+              </a:spcBef>
+              <a:buNone/>
+            </a:pPr>
+            <a:r>
+              <a:rPr lang="en-US" sz="1400"/>
+              <a:t>            netconf.connect(</a:t>
+            </a:r>
+            <a:r>
+              <a:rPr lang="en-US" sz="1400" i="1"/>
+              <a:t>env</a:t>
+            </a:r>
+            <a:r>
+              <a:rPr lang="en-US" sz="1400"/>
+              <a:t>, </a:t>
+            </a:r>
+            <a:r>
+              <a:rPr lang="en-US" sz="1400" i="1"/>
+              <a:t>address</a:t>
+            </a:r>
+            <a:r>
+              <a:rPr lang="en-US" sz="1400"/>
+              <a:t>, </a:t>
+            </a:r>
+            <a:r>
+              <a:rPr lang="en-US" sz="1400" i="1"/>
+              <a:t>port</a:t>
+            </a:r>
+            <a:r>
+              <a:rPr lang="en-US" sz="1400"/>
+              <a:t>, established, error)</a:t>
+            </a:r>
+          </a:p>
+          <a:p>
+            <a:pPr marL="0" indent="0">
+              <a:lnSpc>
+                <a:spcPct val="100000"/>
+              </a:lnSpc>
+              <a:spcBef>
+                <a:spcPts val="0"/>
+              </a:spcBef>
+              <a:buNone/>
+            </a:pPr>
+            <a:r>
+              <a:rPr lang="en-US" sz="1400"/>
+              <a:t>            print(</a:t>
+            </a:r>
+            <a:r>
+              <a:rPr lang="en-US" sz="1400">
+                <a:solidFill>
+                  <a:schemeClr val="accent2"/>
+                </a:solidFill>
+              </a:rPr>
+              <a:t>'Controller'</a:t>
+            </a:r>
+            <a:r>
+              <a:rPr lang="en-US" sz="1400"/>
+              <a:t>, str(</a:t>
+            </a:r>
+            <a:r>
+              <a:rPr lang="en-US" sz="1400" i="1"/>
+              <a:t>address</a:t>
+            </a:r>
+            <a:r>
+              <a:rPr lang="en-US" sz="1400"/>
+              <a:t>) + </a:t>
+            </a:r>
+            <a:r>
+              <a:rPr lang="en-US" sz="1400">
+                <a:solidFill>
+                  <a:schemeClr val="accent2"/>
+                </a:solidFill>
+              </a:rPr>
+              <a:t>':'</a:t>
+            </a:r>
+            <a:r>
+              <a:rPr lang="en-US" sz="1400"/>
+              <a:t> + str(</a:t>
+            </a:r>
+            <a:r>
+              <a:rPr lang="en-US" sz="1400" i="1"/>
+              <a:t>port</a:t>
+            </a:r>
+            <a:r>
+              <a:rPr lang="en-US" sz="1400"/>
+              <a:t>), </a:t>
+            </a:r>
+            <a:r>
+              <a:rPr lang="en-US" sz="1400" i="1"/>
+              <a:t>what</a:t>
+            </a:r>
+            <a:r>
+              <a:rPr lang="en-US" sz="1400"/>
+              <a:t>)</a:t>
+            </a:r>
+          </a:p>
+          <a:p>
+            <a:pPr marL="0" indent="0">
+              <a:lnSpc>
+                <a:spcPct val="100000"/>
+              </a:lnSpc>
+              <a:spcBef>
+                <a:spcPts val="0"/>
+              </a:spcBef>
+              <a:buNone/>
+            </a:pPr>
+            <a:endParaRPr lang="sv-SE" sz="1400"/>
+          </a:p>
+          <a:p>
+            <a:pPr marL="0" indent="0">
+              <a:lnSpc>
+                <a:spcPct val="100000"/>
+              </a:lnSpc>
+              <a:spcBef>
+                <a:spcPts val="0"/>
+              </a:spcBef>
+              <a:buNone/>
+            </a:pPr>
+            <a:r>
+              <a:rPr lang="en-US" sz="1400"/>
+              <a:t>      </a:t>
+            </a:r>
+            <a:r>
+              <a:rPr lang="sv-SE" sz="1400" b="1"/>
+              <a:t>def </a:t>
+            </a:r>
+            <a:r>
+              <a:rPr lang="mr-IN" sz="1400"/>
+              <a:t>established(</a:t>
+            </a:r>
+            <a:r>
+              <a:rPr lang="mr-IN" sz="1400" i="1"/>
+              <a:t>sess</a:t>
+            </a:r>
+            <a:r>
+              <a:rPr lang="sv-SE" sz="1400" i="1"/>
+              <a:t>ion</a:t>
+            </a:r>
+            <a:r>
+              <a:rPr lang="mr-IN" sz="1400"/>
+              <a:t>):</a:t>
+            </a:r>
+            <a:endParaRPr lang="sv-SE" sz="1400"/>
+          </a:p>
+          <a:p>
+            <a:pPr marL="0" indent="0">
+              <a:lnSpc>
+                <a:spcPct val="100000"/>
+              </a:lnSpc>
+              <a:spcBef>
+                <a:spcPts val="0"/>
+              </a:spcBef>
+              <a:buNone/>
+            </a:pPr>
+            <a:r>
+              <a:rPr lang="en-US" sz="1400"/>
+              <a:t>            </a:t>
+            </a:r>
+            <a:r>
+              <a:rPr lang="mr-IN" sz="1400" b="1"/>
+              <a:t>if</a:t>
+            </a:r>
+            <a:r>
+              <a:rPr lang="sv-SE" sz="1400"/>
+              <a:t> </a:t>
+            </a:r>
+            <a:r>
+              <a:rPr lang="mr-IN" sz="1400" i="1"/>
+              <a:t>sess</a:t>
+            </a:r>
+            <a:r>
+              <a:rPr lang="sv-SE" sz="1400" i="1"/>
+              <a:t>ion</a:t>
+            </a:r>
+            <a:r>
+              <a:rPr lang="en-US" sz="1400"/>
+              <a:t> != </a:t>
+            </a:r>
+            <a:r>
+              <a:rPr lang="mr-IN" sz="1400"/>
+              <a:t>None:</a:t>
+            </a:r>
+            <a:endParaRPr lang="sv-SE" sz="1400"/>
+          </a:p>
+          <a:p>
+            <a:pPr marL="0" indent="0">
+              <a:lnSpc>
+                <a:spcPct val="100000"/>
+              </a:lnSpc>
+              <a:spcBef>
+                <a:spcPts val="0"/>
+              </a:spcBef>
+              <a:buNone/>
+            </a:pPr>
+            <a:r>
+              <a:rPr lang="sv-SE" sz="1400"/>
+              <a:t>                  </a:t>
+            </a:r>
+            <a:r>
+              <a:rPr lang="mr-IN" sz="1400" i="1"/>
+              <a:t>nc</a:t>
+            </a:r>
+            <a:r>
+              <a:rPr lang="en-US" sz="1400"/>
+              <a:t> = </a:t>
+            </a:r>
+            <a:r>
+              <a:rPr lang="mr-IN" sz="1400" i="1"/>
+              <a:t>sess</a:t>
+            </a:r>
+            <a:r>
+              <a:rPr lang="sv-SE" sz="1400" i="1"/>
+              <a:t>ion</a:t>
+            </a:r>
+          </a:p>
+          <a:p>
+            <a:pPr marL="0" indent="0">
+              <a:lnSpc>
+                <a:spcPct val="100000"/>
+              </a:lnSpc>
+              <a:spcBef>
+                <a:spcPts val="0"/>
+              </a:spcBef>
+              <a:buNone/>
+            </a:pPr>
+            <a:r>
+              <a:rPr lang="sv-SE" sz="1400" i="1"/>
+              <a:t>                  nc.</a:t>
+            </a:r>
+            <a:r>
+              <a:rPr lang="sv-SE" sz="1400"/>
+              <a:t>subscribe</a:t>
+            </a:r>
+            <a:r>
+              <a:rPr lang="sv-SE" sz="1400" i="1"/>
+              <a:t>(</a:t>
+            </a:r>
+            <a:r>
+              <a:rPr lang="mr-IN" sz="1400">
+                <a:solidFill>
+                  <a:schemeClr val="accent2"/>
+                </a:solidFill>
+              </a:rPr>
+              <a:t>'/oper/thevalue'</a:t>
+            </a:r>
+            <a:r>
+              <a:rPr lang="sv-SE" sz="1400"/>
+              <a:t>, newval</a:t>
+            </a:r>
+            <a:r>
+              <a:rPr lang="mr-IN" sz="1400"/>
+              <a:t>)</a:t>
+            </a:r>
+            <a:endParaRPr lang="sv-SE" sz="1400" i="1"/>
+          </a:p>
+          <a:p>
+            <a:pPr marL="0" indent="0">
+              <a:lnSpc>
+                <a:spcPct val="100000"/>
+              </a:lnSpc>
+              <a:spcBef>
+                <a:spcPts val="0"/>
+              </a:spcBef>
+              <a:buNone/>
+            </a:pPr>
+            <a:r>
+              <a:rPr lang="sv-SE" sz="1400"/>
+              <a:t>                  </a:t>
+            </a:r>
+            <a:r>
+              <a:rPr lang="sv-SE" sz="1400" b="1"/>
+              <a:t>after</a:t>
+            </a:r>
+            <a:r>
+              <a:rPr lang="sv-SE" sz="1400"/>
+              <a:t> sec</a:t>
+            </a:r>
+            <a:r>
+              <a:rPr lang="mr-IN" sz="1400"/>
+              <a:t>(10</a:t>
+            </a:r>
+            <a:r>
+              <a:rPr lang="sv-SE" sz="1400"/>
+              <a:t>): </a:t>
+            </a:r>
+            <a:r>
+              <a:rPr lang="mr-IN" sz="1400"/>
+              <a:t>tick</a:t>
+            </a:r>
+            <a:r>
+              <a:rPr lang="sv-SE" sz="1400"/>
+              <a:t>(</a:t>
+            </a:r>
+            <a:r>
+              <a:rPr lang="mr-IN" sz="1400"/>
+              <a:t>)</a:t>
+            </a:r>
+            <a:endParaRPr lang="sv-SE" sz="1400"/>
+          </a:p>
+          <a:p>
+            <a:pPr marL="0" indent="0">
+              <a:lnSpc>
+                <a:spcPct val="100000"/>
+              </a:lnSpc>
+              <a:spcBef>
+                <a:spcPts val="0"/>
+              </a:spcBef>
+              <a:buNone/>
+            </a:pPr>
+            <a:r>
+              <a:rPr lang="en-US" sz="1400"/>
+              <a:t>            </a:t>
+            </a:r>
+            <a:r>
+              <a:rPr lang="mr-IN" sz="1400" b="1"/>
+              <a:t>else</a:t>
+            </a:r>
+            <a:r>
+              <a:rPr lang="mr-IN" sz="1400"/>
+              <a:t>:</a:t>
+            </a:r>
+            <a:endParaRPr lang="sv-SE" sz="1400"/>
+          </a:p>
+          <a:p>
+            <a:pPr marL="0" indent="0">
+              <a:lnSpc>
+                <a:spcPct val="100000"/>
+              </a:lnSpc>
+              <a:spcBef>
+                <a:spcPts val="0"/>
+              </a:spcBef>
+              <a:buNone/>
+            </a:pPr>
+            <a:r>
+              <a:rPr lang="sv-SE" sz="1400"/>
+              <a:t>                  </a:t>
+            </a:r>
+            <a:r>
+              <a:rPr lang="mr-IN" sz="1400"/>
+              <a:t>restart(</a:t>
+            </a:r>
+            <a:r>
+              <a:rPr lang="mr-IN" sz="1400">
+                <a:solidFill>
+                  <a:schemeClr val="accent2"/>
+                </a:solidFill>
+              </a:rPr>
+              <a:t>'connection failure'</a:t>
+            </a:r>
+            <a:r>
+              <a:rPr lang="mr-IN" sz="1400"/>
+              <a:t>)</a:t>
+            </a:r>
+            <a:endParaRPr lang="sv-SE" sz="1400"/>
+          </a:p>
+        </p:txBody>
+      </p:sp>
+      <p:sp>
+        <p:nvSpPr>
+          <p:cNvPr id="4" name="Content Placeholder 2"/>
+          <p:cNvSpPr txBox="1">
+            <a:spLocks/>
+          </p:cNvSpPr>
+          <p:nvPr/>
+        </p:nvSpPr>
+        <p:spPr>
+          <a:xfrm>
+            <a:off x="6747812" y="1201331"/>
+            <a:ext cx="4653847" cy="5289898"/>
+          </a:xfrm>
+          <a:prstGeom prst="rect">
+            <a:avLst/>
+          </a:prstGeom>
+          <a:ln>
+            <a:solidFill>
+              <a:schemeClr val="tx1"/>
+            </a:solidFill>
+          </a:ln>
+        </p:spPr>
+        <p:txBody>
+          <a:bodyPr vert="horz" lIns="91440" tIns="45720" rIns="91440" bIns="45720" rtlCol="0">
+            <a:noAutofit/>
+          </a:bodyPr>
+          <a:lstStyle>
+            <a:lvl1pPr marL="228600" indent="-228600" algn="l" defTabSz="914400" rtl="0" eaLnBrk="1" latinLnBrk="0" hangingPunct="1">
+              <a:lnSpc>
+                <a:spcPct val="90000"/>
+              </a:lnSpc>
+              <a:spcBef>
+                <a:spcPts val="1000"/>
+              </a:spcBef>
+              <a:buFont typeface="Arial"/>
+              <a:buChar char="•"/>
+              <a:defRPr sz="2800" kern="1200">
+                <a:solidFill>
+                  <a:schemeClr val="tx1"/>
+                </a:solidFill>
+                <a:latin typeface="+mn-lt"/>
+                <a:ea typeface="+mn-ea"/>
+                <a:cs typeface="+mn-cs"/>
+              </a:defRPr>
+            </a:lvl1pPr>
+            <a:lvl2pPr marL="685800" indent="-228600" algn="l" defTabSz="914400" rtl="0" eaLnBrk="1" latinLnBrk="0" hangingPunct="1">
+              <a:lnSpc>
+                <a:spcPct val="90000"/>
+              </a:lnSpc>
+              <a:spcBef>
+                <a:spcPts val="500"/>
+              </a:spcBef>
+              <a:buFont typeface="Arial"/>
+              <a:buChar char="•"/>
+              <a:defRPr sz="2400" kern="1200">
+                <a:solidFill>
+                  <a:schemeClr val="tx1"/>
+                </a:solidFill>
+                <a:latin typeface="+mn-lt"/>
+                <a:ea typeface="+mn-ea"/>
+                <a:cs typeface="+mn-cs"/>
+              </a:defRPr>
+            </a:lvl2pPr>
+            <a:lvl3pPr marL="1143000" indent="-228600" algn="l" defTabSz="914400" rtl="0" eaLnBrk="1" latinLnBrk="0" hangingPunct="1">
+              <a:lnSpc>
+                <a:spcPct val="90000"/>
+              </a:lnSpc>
+              <a:spcBef>
+                <a:spcPts val="500"/>
+              </a:spcBef>
+              <a:buFont typeface="Arial"/>
+              <a:buChar char="•"/>
+              <a:defRPr sz="2000" kern="1200">
+                <a:solidFill>
+                  <a:schemeClr val="tx1"/>
+                </a:solidFill>
+                <a:latin typeface="+mn-lt"/>
+                <a:ea typeface="+mn-ea"/>
+                <a:cs typeface="+mn-cs"/>
+              </a:defRPr>
+            </a:lvl3pPr>
+            <a:lvl4pPr marL="1600200" indent="-228600" algn="l" defTabSz="914400" rtl="0" eaLnBrk="1" latinLnBrk="0" hangingPunct="1">
+              <a:lnSpc>
+                <a:spcPct val="90000"/>
+              </a:lnSpc>
+              <a:spcBef>
+                <a:spcPts val="500"/>
+              </a:spcBef>
+              <a:buFont typeface="Arial"/>
+              <a:buChar char="•"/>
+              <a:defRPr sz="1800" kern="1200">
+                <a:solidFill>
+                  <a:schemeClr val="tx1"/>
+                </a:solidFill>
+                <a:latin typeface="+mn-lt"/>
+                <a:ea typeface="+mn-ea"/>
+                <a:cs typeface="+mn-cs"/>
+              </a:defRPr>
+            </a:lvl4pPr>
+            <a:lvl5pPr marL="2057400" indent="-228600" algn="l" defTabSz="914400" rtl="0" eaLnBrk="1" latinLnBrk="0" hangingPunct="1">
+              <a:lnSpc>
+                <a:spcPct val="90000"/>
+              </a:lnSpc>
+              <a:spcBef>
+                <a:spcPts val="500"/>
+              </a:spcBef>
+              <a:buFont typeface="Arial"/>
+              <a:buChar char="•"/>
+              <a:defRPr sz="1800" kern="1200">
+                <a:solidFill>
+                  <a:schemeClr val="tx1"/>
+                </a:solidFill>
+                <a:latin typeface="+mn-lt"/>
+                <a:ea typeface="+mn-ea"/>
+                <a:cs typeface="+mn-cs"/>
+              </a:defRPr>
+            </a:lvl5pPr>
+            <a:lvl6pPr marL="2514600" indent="-228600" algn="l" defTabSz="914400" rtl="0" eaLnBrk="1" latinLnBrk="0" hangingPunct="1">
+              <a:lnSpc>
+                <a:spcPct val="90000"/>
+              </a:lnSpc>
+              <a:spcBef>
+                <a:spcPts val="500"/>
+              </a:spcBef>
+              <a:buFont typeface="Arial"/>
+              <a:buChar char="•"/>
+              <a:defRPr sz="1800" kern="1200">
+                <a:solidFill>
+                  <a:schemeClr val="tx1"/>
+                </a:solidFill>
+                <a:latin typeface="+mn-lt"/>
+                <a:ea typeface="+mn-ea"/>
+                <a:cs typeface="+mn-cs"/>
+              </a:defRPr>
+            </a:lvl6pPr>
+            <a:lvl7pPr marL="2971800" indent="-228600" algn="l" defTabSz="914400" rtl="0" eaLnBrk="1" latinLnBrk="0" hangingPunct="1">
+              <a:lnSpc>
+                <a:spcPct val="90000"/>
+              </a:lnSpc>
+              <a:spcBef>
+                <a:spcPts val="500"/>
+              </a:spcBef>
+              <a:buFont typeface="Arial"/>
+              <a:buChar char="•"/>
+              <a:defRPr sz="1800" kern="1200">
+                <a:solidFill>
+                  <a:schemeClr val="tx1"/>
+                </a:solidFill>
+                <a:latin typeface="+mn-lt"/>
+                <a:ea typeface="+mn-ea"/>
+                <a:cs typeface="+mn-cs"/>
+              </a:defRPr>
+            </a:lvl7pPr>
+            <a:lvl8pPr marL="3429000" indent="-228600" algn="l" defTabSz="914400" rtl="0" eaLnBrk="1" latinLnBrk="0" hangingPunct="1">
+              <a:lnSpc>
+                <a:spcPct val="90000"/>
+              </a:lnSpc>
+              <a:spcBef>
+                <a:spcPts val="500"/>
+              </a:spcBef>
+              <a:buFont typeface="Arial"/>
+              <a:buChar char="•"/>
+              <a:defRPr sz="1800" kern="1200">
+                <a:solidFill>
+                  <a:schemeClr val="tx1"/>
+                </a:solidFill>
+                <a:latin typeface="+mn-lt"/>
+                <a:ea typeface="+mn-ea"/>
+                <a:cs typeface="+mn-cs"/>
+              </a:defRPr>
+            </a:lvl8pPr>
+            <a:lvl9pPr marL="3886200" indent="-228600" algn="l" defTabSz="914400" rtl="0" eaLnBrk="1" latinLnBrk="0" hangingPunct="1">
+              <a:lnSpc>
+                <a:spcPct val="90000"/>
+              </a:lnSpc>
+              <a:spcBef>
+                <a:spcPts val="500"/>
+              </a:spcBef>
+              <a:buFont typeface="Arial"/>
+              <a:buChar char="•"/>
+              <a:defRPr sz="1800" kern="1200">
+                <a:solidFill>
+                  <a:schemeClr val="tx1"/>
+                </a:solidFill>
+                <a:latin typeface="+mn-lt"/>
+                <a:ea typeface="+mn-ea"/>
+                <a:cs typeface="+mn-cs"/>
+              </a:defRPr>
+            </a:lvl9pPr>
+          </a:lstStyle>
+          <a:p>
+            <a:pPr marL="0" indent="0">
+              <a:lnSpc>
+                <a:spcPct val="100000"/>
+              </a:lnSpc>
+              <a:spcBef>
+                <a:spcPts val="0"/>
+              </a:spcBef>
+              <a:buNone/>
+            </a:pPr>
+            <a:endParaRPr lang="sv-SE" sz="1400"/>
+          </a:p>
+          <a:p>
+            <a:pPr marL="0" indent="0">
+              <a:lnSpc>
+                <a:spcPct val="100000"/>
+              </a:lnSpc>
+              <a:spcBef>
+                <a:spcPts val="0"/>
+              </a:spcBef>
+              <a:buNone/>
+            </a:pPr>
+            <a:r>
+              <a:rPr lang="sv-SE" sz="1400"/>
+              <a:t>      ...</a:t>
+            </a:r>
+          </a:p>
+          <a:p>
+            <a:pPr marL="0" indent="0">
+              <a:lnSpc>
+                <a:spcPct val="100000"/>
+              </a:lnSpc>
+              <a:spcBef>
+                <a:spcPts val="0"/>
+              </a:spcBef>
+              <a:buNone/>
+            </a:pPr>
+            <a:endParaRPr lang="sv-SE" sz="1400"/>
+          </a:p>
+          <a:p>
+            <a:pPr marL="0" indent="0">
+              <a:lnSpc>
+                <a:spcPct val="100000"/>
+              </a:lnSpc>
+              <a:spcBef>
+                <a:spcPts val="0"/>
+              </a:spcBef>
+              <a:buNone/>
+            </a:pPr>
+            <a:r>
+              <a:rPr lang="en-US" sz="1400"/>
+              <a:t>      </a:t>
+            </a:r>
+            <a:r>
+              <a:rPr lang="mr-IN" sz="1400" b="1"/>
+              <a:t>def</a:t>
+            </a:r>
+            <a:r>
+              <a:rPr lang="mr-IN" sz="1400"/>
+              <a:t> tick():</a:t>
+            </a:r>
+            <a:endParaRPr lang="sv-SE" sz="1400"/>
+          </a:p>
+          <a:p>
+            <a:pPr marL="0" indent="0">
+              <a:lnSpc>
+                <a:spcPct val="100000"/>
+              </a:lnSpc>
+              <a:spcBef>
+                <a:spcPts val="0"/>
+              </a:spcBef>
+              <a:buNone/>
+            </a:pPr>
+            <a:r>
+              <a:rPr lang="en-US" sz="1400"/>
+              <a:t>            </a:t>
+            </a:r>
+            <a:r>
+              <a:rPr lang="en-US" sz="1400" i="1"/>
+              <a:t>setting</a:t>
+            </a:r>
+            <a:r>
+              <a:rPr lang="en-US" sz="1400"/>
+              <a:t> = compute(</a:t>
+            </a:r>
+            <a:r>
+              <a:rPr lang="en-US" sz="1400" i="1"/>
+              <a:t>setting</a:t>
+            </a:r>
+            <a:r>
+              <a:rPr lang="en-US" sz="1400"/>
+              <a:t>, </a:t>
+            </a:r>
+            <a:r>
+              <a:rPr lang="en-US" sz="1400" i="1"/>
+              <a:t>the</a:t>
+            </a:r>
+            <a:r>
+              <a:rPr lang="en-US" sz="1400" i="1"/>
+              <a:t>value</a:t>
+            </a:r>
+            <a:r>
+              <a:rPr lang="en-US" sz="1400"/>
+              <a:t>)</a:t>
+            </a:r>
+          </a:p>
+          <a:p>
+            <a:pPr marL="0" indent="0">
+              <a:lnSpc>
+                <a:spcPct val="100000"/>
+              </a:lnSpc>
+              <a:spcBef>
+                <a:spcPts val="0"/>
+              </a:spcBef>
+              <a:buNone/>
+            </a:pPr>
+            <a:r>
+              <a:rPr lang="en-US" sz="1400"/>
+              <a:t>            </a:t>
+            </a:r>
+            <a:r>
+              <a:rPr lang="en-US" sz="1400" i="1"/>
+              <a:t>nc</a:t>
+            </a:r>
+            <a:r>
+              <a:rPr lang="en-US" sz="1400"/>
+              <a:t>.edit_config(</a:t>
+            </a:r>
+            <a:r>
+              <a:rPr lang="en-US" sz="1400">
+                <a:solidFill>
+                  <a:schemeClr val="accent2"/>
+                </a:solidFill>
+              </a:rPr>
+              <a:t>'/config/settings/thesetting'</a:t>
+            </a:r>
+            <a:r>
+              <a:rPr lang="en-US" sz="1400"/>
+              <a:t>, </a:t>
+            </a:r>
+            <a:r>
+              <a:rPr lang="en-US" sz="1400" i="1"/>
+              <a:t>setting</a:t>
+            </a:r>
+            <a:r>
+              <a:rPr lang="en-US" sz="1400"/>
+              <a:t>)</a:t>
+            </a:r>
+          </a:p>
+          <a:p>
+            <a:pPr marL="0" indent="0">
+              <a:lnSpc>
+                <a:spcPct val="100000"/>
+              </a:lnSpc>
+              <a:spcBef>
+                <a:spcPts val="0"/>
+              </a:spcBef>
+              <a:buNone/>
+            </a:pPr>
+            <a:r>
+              <a:rPr lang="sv-SE" sz="1400"/>
+              <a:t>            </a:t>
+            </a:r>
+            <a:r>
+              <a:rPr lang="sv-SE" sz="1400" b="1"/>
+              <a:t>after</a:t>
+            </a:r>
+            <a:r>
+              <a:rPr lang="sv-SE" sz="1400"/>
+              <a:t> sec</a:t>
+            </a:r>
+            <a:r>
+              <a:rPr lang="mr-IN" sz="1400"/>
+              <a:t>(10</a:t>
+            </a:r>
+            <a:r>
+              <a:rPr lang="sv-SE" sz="1400"/>
+              <a:t>): </a:t>
+            </a:r>
+            <a:r>
+              <a:rPr lang="mr-IN" sz="1400"/>
+              <a:t>tick</a:t>
+            </a:r>
+            <a:r>
+              <a:rPr lang="sv-SE" sz="1400"/>
+              <a:t>(</a:t>
+            </a:r>
+            <a:r>
+              <a:rPr lang="mr-IN" sz="1400"/>
+              <a:t>)</a:t>
+            </a:r>
+            <a:endParaRPr lang="sv-SE" sz="1400"/>
+          </a:p>
+          <a:p>
+            <a:pPr marL="0" indent="0">
+              <a:lnSpc>
+                <a:spcPct val="100000"/>
+              </a:lnSpc>
+              <a:spcBef>
+                <a:spcPts val="0"/>
+              </a:spcBef>
+              <a:buNone/>
+            </a:pPr>
+            <a:endParaRPr lang="en-US" sz="1400"/>
+          </a:p>
+          <a:p>
+            <a:pPr marL="0" indent="0">
+              <a:lnSpc>
+                <a:spcPct val="100000"/>
+              </a:lnSpc>
+              <a:spcBef>
+                <a:spcPts val="0"/>
+              </a:spcBef>
+              <a:buNone/>
+            </a:pPr>
+            <a:r>
+              <a:rPr lang="en-US" sz="1400"/>
+              <a:t>      </a:t>
+            </a:r>
+            <a:r>
+              <a:rPr lang="en-US" sz="1400" b="1"/>
+              <a:t>def</a:t>
+            </a:r>
+            <a:r>
+              <a:rPr lang="en-US" sz="1400"/>
+              <a:t> newval(</a:t>
+            </a:r>
+            <a:r>
+              <a:rPr lang="en-US" sz="1400" i="1"/>
+              <a:t>value</a:t>
+            </a:r>
+            <a:r>
+              <a:rPr lang="en-US" sz="1400"/>
+              <a:t>):</a:t>
+            </a:r>
+          </a:p>
+          <a:p>
+            <a:pPr marL="0" indent="0">
+              <a:lnSpc>
+                <a:spcPct val="100000"/>
+              </a:lnSpc>
+              <a:spcBef>
+                <a:spcPts val="0"/>
+              </a:spcBef>
+              <a:buNone/>
+            </a:pPr>
+            <a:r>
+              <a:rPr lang="en-US" sz="1400"/>
+              <a:t>            </a:t>
+            </a:r>
+            <a:r>
+              <a:rPr lang="en-US" sz="1400" i="1"/>
+              <a:t>thevalue</a:t>
+            </a:r>
+            <a:r>
+              <a:rPr lang="en-US" sz="1400"/>
+              <a:t> = </a:t>
+            </a:r>
+            <a:r>
+              <a:rPr lang="en-US" sz="1400" i="1"/>
+              <a:t>value</a:t>
+            </a:r>
+            <a:endParaRPr lang="en-US" sz="1400" i="1"/>
+          </a:p>
+          <a:p>
+            <a:pPr marL="0" indent="0">
+              <a:lnSpc>
+                <a:spcPct val="100000"/>
+              </a:lnSpc>
+              <a:spcBef>
+                <a:spcPts val="0"/>
+              </a:spcBef>
+              <a:buNone/>
+            </a:pPr>
+            <a:endParaRPr lang="en-US" sz="1400"/>
+          </a:p>
+          <a:p>
+            <a:pPr marL="0" indent="0">
+              <a:lnSpc>
+                <a:spcPct val="100000"/>
+              </a:lnSpc>
+              <a:spcBef>
+                <a:spcPts val="0"/>
+              </a:spcBef>
+              <a:buNone/>
+            </a:pPr>
+            <a:r>
+              <a:rPr lang="en-US" sz="1400"/>
+              <a:t>      </a:t>
+            </a:r>
+            <a:r>
+              <a:rPr lang="en-US" sz="1400" b="1"/>
+              <a:t>def</a:t>
+            </a:r>
+            <a:r>
+              <a:rPr lang="en-US" sz="1400"/>
+              <a:t> error(what):</a:t>
+            </a:r>
+          </a:p>
+          <a:p>
+            <a:pPr marL="0" indent="0">
+              <a:lnSpc>
+                <a:spcPct val="100000"/>
+              </a:lnSpc>
+              <a:spcBef>
+                <a:spcPts val="0"/>
+              </a:spcBef>
+              <a:buNone/>
+            </a:pPr>
+            <a:r>
+              <a:rPr lang="en-US" sz="1400"/>
+              <a:t>            restart(</a:t>
+            </a:r>
+            <a:r>
+              <a:rPr lang="en-US" sz="1400">
+                <a:solidFill>
+                  <a:schemeClr val="accent2"/>
+                </a:solidFill>
+              </a:rPr>
+              <a:t>'NETCONF error:'</a:t>
+            </a:r>
+            <a:r>
+              <a:rPr lang="en-US" sz="1400"/>
+              <a:t> + what)</a:t>
+            </a:r>
+          </a:p>
+          <a:p>
+            <a:pPr marL="0" indent="0">
+              <a:lnSpc>
+                <a:spcPct val="100000"/>
+              </a:lnSpc>
+              <a:spcBef>
+                <a:spcPts val="0"/>
+              </a:spcBef>
+              <a:buNone/>
+            </a:pPr>
+            <a:endParaRPr lang="en-US" sz="1400"/>
+          </a:p>
+          <a:p>
+            <a:pPr marL="0" indent="0">
+              <a:lnSpc>
+                <a:spcPct val="100000"/>
+              </a:lnSpc>
+              <a:spcBef>
+                <a:spcPts val="0"/>
+              </a:spcBef>
+              <a:buNone/>
+            </a:pPr>
+            <a:r>
+              <a:rPr lang="en-US" sz="1400"/>
+              <a:t>      restart(</a:t>
+            </a:r>
+            <a:r>
+              <a:rPr lang="en-US" sz="1400">
+                <a:solidFill>
+                  <a:schemeClr val="accent2"/>
+                </a:solidFill>
+              </a:rPr>
+              <a:t>'initial'</a:t>
+            </a:r>
+            <a:r>
+              <a:rPr lang="en-US" sz="1400"/>
+              <a:t>)</a:t>
+            </a:r>
+          </a:p>
+          <a:p>
+            <a:pPr marL="0" indent="0">
+              <a:lnSpc>
+                <a:spcPct val="100000"/>
+              </a:lnSpc>
+              <a:spcBef>
+                <a:spcPts val="0"/>
+              </a:spcBef>
+              <a:buNone/>
+            </a:pPr>
+            <a:endParaRPr lang="en-US" sz="1400"/>
+          </a:p>
+        </p:txBody>
+      </p:sp>
+      <p:sp>
+        <p:nvSpPr>
+          <p:cNvPr id="5" name="Title 1"/>
+          <p:cNvSpPr>
+            <a:spLocks noGrp="1"/>
+          </p:cNvSpPr>
+          <p:nvPr>
+            <p:ph type="title"/>
+          </p:nvPr>
+        </p:nvSpPr>
+        <p:spPr>
+          <a:xfrm>
+            <a:off x="838200" y="253615"/>
+            <a:ext cx="10515600" cy="571577"/>
+          </a:xfrm>
+        </p:spPr>
+        <p:txBody>
+          <a:bodyPr/>
+          <a:lstStyle/>
+          <a:p>
+            <a:pPr algn="ctr"/>
+            <a:r>
+              <a:rPr lang="en-US"/>
+              <a:t>A simple controller example (push)</a:t>
+            </a:r>
+          </a:p>
+        </p:txBody>
+      </p:sp>
+      <p:sp>
+        <p:nvSpPr>
+          <p:cNvPr id="6" name="Bent-Up Arrow 5"/>
+          <p:cNvSpPr/>
+          <p:nvPr/>
+        </p:nvSpPr>
+        <p:spPr>
+          <a:xfrm>
+            <a:off x="5445217" y="6293673"/>
+            <a:ext cx="197556" cy="197556"/>
+          </a:xfrm>
+          <a:prstGeom prst="bentUpArrow">
+            <a:avLst/>
+          </a:prstGeom>
+          <a:solidFill>
+            <a:schemeClr val="bg2">
+              <a:lumMod val="50000"/>
+            </a:schemeClr>
+          </a:solidFill>
+          <a:ln>
+            <a:noFill/>
+          </a:ln>
+        </p:spPr>
+        <p:style>
+          <a:lnRef idx="2">
+            <a:schemeClr val="accent1">
+              <a:shade val="50000"/>
+            </a:schemeClr>
+          </a:lnRef>
+          <a:fillRef idx="1">
+            <a:schemeClr val="accent1"/>
+          </a:fillRef>
+          <a:effectRef idx="0">
+            <a:schemeClr val="accent1"/>
+          </a:effectRef>
+          <a:fontRef idx="minor">
+            <a:schemeClr val="lt1"/>
+          </a:fontRef>
+        </p:style>
+        <p:txBody>
+          <a:bodyPr rtlCol="0" anchor="ctr"/>
+          <a:lstStyle/>
+          <a:p>
+            <a:pPr algn="ctr"/>
+            <a:endParaRPr lang="en-US"/>
+          </a:p>
+        </p:txBody>
+      </p:sp>
+      <p:sp>
+        <p:nvSpPr>
+          <p:cNvPr id="7" name="Bent-Up Arrow 6"/>
+          <p:cNvSpPr/>
+          <p:nvPr/>
+        </p:nvSpPr>
+        <p:spPr>
+          <a:xfrm rot="16200000" flipV="1">
+            <a:off x="6473709" y="1184399"/>
+            <a:ext cx="197556" cy="197556"/>
+          </a:xfrm>
+          <a:prstGeom prst="bentUpArrow">
+            <a:avLst/>
+          </a:prstGeom>
+          <a:solidFill>
+            <a:schemeClr val="bg2">
+              <a:lumMod val="50000"/>
+            </a:schemeClr>
+          </a:solidFill>
+          <a:ln>
+            <a:noFill/>
+          </a:ln>
+        </p:spPr>
+        <p:style>
+          <a:lnRef idx="2">
+            <a:schemeClr val="accent1">
+              <a:shade val="50000"/>
+            </a:schemeClr>
+          </a:lnRef>
+          <a:fillRef idx="1">
+            <a:schemeClr val="accent1"/>
+          </a:fillRef>
+          <a:effectRef idx="0">
+            <a:schemeClr val="accent1"/>
+          </a:effectRef>
+          <a:fontRef idx="minor">
+            <a:schemeClr val="lt1"/>
+          </a:fontRef>
+        </p:style>
+        <p:txBody>
+          <a:bodyPr rtlCol="0" anchor="ctr"/>
+          <a:lstStyle/>
+          <a:p>
+            <a:pPr algn="ctr"/>
+            <a:endParaRPr lang="en-US"/>
+          </a:p>
+        </p:txBody>
+      </p:sp>
+    </p:spTree>
+    <p:extLst>
+      <p:ext uri="{BB962C8B-B14F-4D97-AF65-F5344CB8AC3E}">
+        <p14:creationId xmlns:p14="http://schemas.microsoft.com/office/powerpoint/2010/main" val="1907010173"/>
+      </p:ext>
+    </p:extLst>
+  </p:cSld>
+  <p:clrMapOvr>
+    <a:masterClrMapping/>
+  </p:clrMapOvr>
+  <p:timing>
+    <p:tnLst>
+      <p:par>
+        <p:cTn id="1" dur="indefinite" restart="never" nodeType="tmRoot"/>
+      </p:par>
+    </p:tnLst>
+  </p:timing>
+</p:sld>
+</file>
+
+<file path=ppt/slides/slide7.xml><?xml version="1.0" encoding="utf-8"?>
+<p:sld xmlns:a="http://schemas.openxmlformats.org/drawingml/2006/main" xmlns:r="http://schemas.openxmlformats.org/officeDocument/2006/relationships" xmlns:p="http://schemas.openxmlformats.org/presentationml/2006/main">
+  <p:cSld>
+    <p:spTree>
+      <p:nvGrpSpPr>
+        <p:cNvPr id="1" name=""/>
+        <p:cNvGrpSpPr/>
+        <p:nvPr/>
+      </p:nvGrpSpPr>
+      <p:grpSpPr>
+        <a:xfrm>
+          <a:off x="0" y="0"/>
+          <a:ext cx="0" cy="0"/>
+          <a:chOff x="0" y="0"/>
+          <a:chExt cx="0" cy="0"/>
+        </a:xfrm>
+      </p:grpSpPr>
+      <p:sp>
+        <p:nvSpPr>
+          <p:cNvPr id="2" name="Title 1"/>
+          <p:cNvSpPr>
+            <a:spLocks noGrp="1"/>
+          </p:cNvSpPr>
+          <p:nvPr>
+            <p:ph type="title"/>
+          </p:nvPr>
+        </p:nvSpPr>
+        <p:spPr>
+          <a:xfrm>
+            <a:off x="838200" y="234497"/>
+            <a:ext cx="10515600" cy="589468"/>
+          </a:xfrm>
+        </p:spPr>
+        <p:txBody>
+          <a:bodyPr/>
+          <a:lstStyle/>
+          <a:p>
+            <a:pPr algn="ctr"/>
+            <a:r>
+              <a:rPr lang="en-US"/>
+              <a:t>Remaining uncertainties</a:t>
+            </a:r>
+          </a:p>
+        </p:txBody>
+      </p:sp>
+      <p:sp>
+        <p:nvSpPr>
+          <p:cNvPr id="3" name="Content Placeholder 2"/>
+          <p:cNvSpPr>
+            <a:spLocks noGrp="1"/>
+          </p:cNvSpPr>
+          <p:nvPr>
+            <p:ph idx="1"/>
+          </p:nvPr>
+        </p:nvSpPr>
+        <p:spPr>
+          <a:xfrm>
+            <a:off x="838200" y="1446963"/>
+            <a:ext cx="10958566" cy="4730000"/>
+          </a:xfrm>
+        </p:spPr>
+        <p:txBody>
+          <a:bodyPr/>
+          <a:lstStyle/>
+          <a:p>
+            <a:r>
+              <a:rPr lang="en-US"/>
+              <a:t>How handle the type signatures of __init__ methods?</a:t>
+            </a:r>
+          </a:p>
+          <a:p>
+            <a:pPr lvl="1"/>
+            <a:r>
+              <a:rPr lang="en-US"/>
+              <a:t>These typically change wildly when overridden in Python</a:t>
+            </a:r>
+          </a:p>
+          <a:p>
+            <a:pPr lvl="1"/>
+            <a:r>
+              <a:rPr lang="en-US"/>
+              <a:t>This goes against standard type theory for inheritance &amp; overriding</a:t>
+            </a:r>
+          </a:p>
+          <a:p>
+            <a:pPr lvl="1"/>
+            <a:r>
+              <a:rPr lang="en-US"/>
+              <a:t>Safe fallback: don't allow these changes</a:t>
+            </a:r>
+          </a:p>
+          <a:p>
+            <a:endParaRPr lang="en-US"/>
+          </a:p>
+          <a:p>
+            <a:r>
+              <a:rPr lang="en-US"/>
+              <a:t>How assign a </a:t>
+            </a:r>
+            <a:r>
+              <a:rPr lang="en-US" u="sng"/>
+              <a:t>nominal</a:t>
+            </a:r>
+            <a:r>
+              <a:rPr lang="en-US"/>
+              <a:t> type to actor instances?</a:t>
+            </a:r>
+          </a:p>
+          <a:p>
+            <a:pPr lvl="1"/>
+            <a:r>
+              <a:rPr lang="en-US"/>
+              <a:t>Old Acton used structural types, which can grow quite large</a:t>
+            </a:r>
+          </a:p>
+          <a:p>
+            <a:pPr lvl="1"/>
+            <a:r>
+              <a:rPr lang="en-US"/>
+              <a:t>Python programmers expect instance types to be just their class name</a:t>
+            </a:r>
+          </a:p>
+          <a:p>
+            <a:pPr lvl="1"/>
+            <a:r>
+              <a:rPr lang="en-US"/>
+              <a:t>But actors aren't true classes...</a:t>
+            </a:r>
+          </a:p>
+          <a:p>
+            <a:pPr lvl="1"/>
+            <a:r>
+              <a:rPr lang="en-US"/>
+              <a:t>Safe fallback: retain the structural types for actors</a:t>
+            </a:r>
+          </a:p>
+        </p:txBody>
+      </p:sp>
+    </p:spTree>
+    <p:extLst>
+      <p:ext uri="{BB962C8B-B14F-4D97-AF65-F5344CB8AC3E}">
+        <p14:creationId xmlns:p14="http://schemas.microsoft.com/office/powerpoint/2010/main" val="327264853"/>
+      </p:ext>
+    </p:extLst>
+  </p:cSld>
+  <p:clrMapOvr>
+    <a:masterClrMapping/>
+  </p:clrMapOvr>
+  <p:timing>
+    <p:tnLst>
+      <p:par>
+        <p:cTn id="1" dur="indefinite" restart="never" nodeType="tmRoot"/>
+      </p:par>
+    </p:tnLst>
+  </p:timing>
 </p:sld>
 </file>
 

--- a/ActonCompiler.pptx
+++ b/ActonCompiler.pptx
@@ -205,7 +205,7 @@
           </a:lstStyle>
           <a:p>
             <a:fld id="{6CC016DC-6D46-D44D-B143-CCF0FE0B50F7}" type="datetimeFigureOut">
-              <a:t>2020-02-16</a:t>
+              <a:t>2020-04-01</a:t>
             </a:fld>
             <a:endParaRPr lang="en-US"/>
           </a:p>
@@ -765,7 +765,7 @@
           <a:lstStyle/>
           <a:p>
             <a:fld id="{82CF4504-83CD-7C4C-A27D-DE3637908E76}" type="datetimeFigureOut">
-              <a:t>2020-02-16</a:t>
+              <a:t>2020-04-01</a:t>
             </a:fld>
             <a:endParaRPr lang="en-US"/>
           </a:p>
@@ -931,7 +931,7 @@
           <a:lstStyle/>
           <a:p>
             <a:fld id="{82CF4504-83CD-7C4C-A27D-DE3637908E76}" type="datetimeFigureOut">
-              <a:t>2020-02-16</a:t>
+              <a:t>2020-04-01</a:t>
             </a:fld>
             <a:endParaRPr lang="en-US"/>
           </a:p>
@@ -1107,7 +1107,7 @@
           <a:lstStyle/>
           <a:p>
             <a:fld id="{82CF4504-83CD-7C4C-A27D-DE3637908E76}" type="datetimeFigureOut">
-              <a:t>2020-02-16</a:t>
+              <a:t>2020-04-01</a:t>
             </a:fld>
             <a:endParaRPr lang="en-US"/>
           </a:p>
@@ -1273,7 +1273,7 @@
           <a:lstStyle/>
           <a:p>
             <a:fld id="{82CF4504-83CD-7C4C-A27D-DE3637908E76}" type="datetimeFigureOut">
-              <a:t>2020-02-16</a:t>
+              <a:t>2020-04-01</a:t>
             </a:fld>
             <a:endParaRPr lang="en-US"/>
           </a:p>
@@ -1516,7 +1516,7 @@
           <a:lstStyle/>
           <a:p>
             <a:fld id="{82CF4504-83CD-7C4C-A27D-DE3637908E76}" type="datetimeFigureOut">
-              <a:t>2020-02-16</a:t>
+              <a:t>2020-04-01</a:t>
             </a:fld>
             <a:endParaRPr lang="en-US"/>
           </a:p>
@@ -1743,7 +1743,7 @@
           <a:lstStyle/>
           <a:p>
             <a:fld id="{82CF4504-83CD-7C4C-A27D-DE3637908E76}" type="datetimeFigureOut">
-              <a:t>2020-02-16</a:t>
+              <a:t>2020-04-01</a:t>
             </a:fld>
             <a:endParaRPr lang="en-US"/>
           </a:p>
@@ -2105,7 +2105,7 @@
           <a:lstStyle/>
           <a:p>
             <a:fld id="{82CF4504-83CD-7C4C-A27D-DE3637908E76}" type="datetimeFigureOut">
-              <a:t>2020-02-16</a:t>
+              <a:t>2020-04-01</a:t>
             </a:fld>
             <a:endParaRPr lang="en-US"/>
           </a:p>
@@ -2220,7 +2220,7 @@
           <a:lstStyle/>
           <a:p>
             <a:fld id="{82CF4504-83CD-7C4C-A27D-DE3637908E76}" type="datetimeFigureOut">
-              <a:t>2020-02-16</a:t>
+              <a:t>2020-04-01</a:t>
             </a:fld>
             <a:endParaRPr lang="en-US"/>
           </a:p>
@@ -2313,7 +2313,7 @@
           <a:lstStyle/>
           <a:p>
             <a:fld id="{82CF4504-83CD-7C4C-A27D-DE3637908E76}" type="datetimeFigureOut">
-              <a:t>2020-02-16</a:t>
+              <a:t>2020-04-01</a:t>
             </a:fld>
             <a:endParaRPr lang="en-US"/>
           </a:p>
@@ -2586,7 +2586,7 @@
           <a:lstStyle/>
           <a:p>
             <a:fld id="{82CF4504-83CD-7C4C-A27D-DE3637908E76}" type="datetimeFigureOut">
-              <a:t>2020-02-16</a:t>
+              <a:t>2020-04-01</a:t>
             </a:fld>
             <a:endParaRPr lang="en-US"/>
           </a:p>
@@ -2836,7 +2836,7 @@
           <a:lstStyle/>
           <a:p>
             <a:fld id="{82CF4504-83CD-7C4C-A27D-DE3637908E76}" type="datetimeFigureOut">
-              <a:t>2020-02-16</a:t>
+              <a:t>2020-04-01</a:t>
             </a:fld>
             <a:endParaRPr lang="en-US"/>
           </a:p>
@@ -3045,7 +3045,7 @@
           </a:lstStyle>
           <a:p>
             <a:fld id="{82CF4504-83CD-7C4C-A27D-DE3637908E76}" type="datetimeFigureOut">
-              <a:t>2020-02-16</a:t>
+              <a:t>2020-04-01</a:t>
             </a:fld>
             <a:endParaRPr lang="en-US"/>
           </a:p>
@@ -6051,13 +6051,6 @@
   <p:clrMapOvr>
     <a:masterClrMapping/>
   </p:clrMapOvr>
-  <p:timing>
-    <p:tnLst>
-      <p:par>
-        <p:cTn id="1" dur="indefinite" restart="never" nodeType="tmRoot"/>
-      </p:par>
-    </p:tnLst>
-  </p:timing>
 </p:sld>
 </file>
 
@@ -6219,13 +6212,6 @@
   <p:clrMapOvr>
     <a:masterClrMapping/>
   </p:clrMapOvr>
-  <p:timing>
-    <p:tnLst>
-      <p:par>
-        <p:cTn id="1" dur="indefinite" restart="never" nodeType="tmRoot"/>
-      </p:par>
-    </p:tnLst>
-  </p:timing>
 </p:sld>
 </file>
 
@@ -6326,13 +6312,8 @@
             <a:pPr lvl="1"/>
             <a:r>
               <a:rPr lang="en-US"/>
-              <a:t>provides a type-safe way of overloading binary operators "</a:t>
-            </a:r>
-            <a:r>
-              <a:rPr lang="en-US"/>
-              <a:t>Python style"</a:t>
-            </a:r>
-            <a:endParaRPr lang="en-US"/>
+              <a:t>provides a type-safe way of overloading binary operators "Python style"</a:t>
+            </a:r>
           </a:p>
           <a:p>
             <a:r>
@@ -6406,13 +6387,6 @@
   <p:clrMapOvr>
     <a:masterClrMapping/>
   </p:clrMapOvr>
-  <p:timing>
-    <p:tnLst>
-      <p:par>
-        <p:cTn id="1" dur="indefinite" restart="never" nodeType="tmRoot"/>
-      </p:par>
-    </p:tnLst>
-  </p:timing>
 </p:sld>
 </file>
 
@@ -9053,13 +9027,6 @@
   <p:clrMapOvr>
     <a:masterClrMapping/>
   </p:clrMapOvr>
-  <p:timing>
-    <p:tnLst>
-      <p:par>
-        <p:cTn id="1" dur="indefinite" restart="never" nodeType="tmRoot"/>
-      </p:par>
-    </p:tnLst>
-  </p:timing>
 </p:sld>
 </file>
 
@@ -10587,7 +10554,15 @@
             </a:r>
             <a:r>
               <a:rPr lang="en-US" sz="1400"/>
-              <a:t> error(what):</a:t>
+              <a:t> error(</a:t>
+            </a:r>
+            <a:r>
+              <a:rPr lang="en-US" sz="1400" i="1"/>
+              <a:t>what</a:t>
+            </a:r>
+            <a:r>
+              <a:rPr lang="en-US" sz="1400"/>
+              <a:t>):</a:t>
             </a:r>
           </a:p>
           <a:p>
@@ -10614,7 +10589,15 @@
             </a:r>
             <a:r>
               <a:rPr lang="en-US" sz="1400"/>
-              <a:t> + what)</a:t>
+              <a:t> + </a:t>
+            </a:r>
+            <a:r>
+              <a:rPr lang="en-US" sz="1400" i="1"/>
+              <a:t>what</a:t>
+            </a:r>
+            <a:r>
+              <a:rPr lang="en-US" sz="1400"/>
+              <a:t>)</a:t>
             </a:r>
           </a:p>
           <a:p>
@@ -10804,13 +10787,6 @@
   <p:clrMapOvr>
     <a:masterClrMapping/>
   </p:clrMapOvr>
-  <p:timing>
-    <p:tnLst>
-      <p:par>
-        <p:cTn id="1" dur="indefinite" restart="never" nodeType="tmRoot"/>
-      </p:par>
-    </p:tnLst>
-  </p:timing>
 </p:sld>
 </file>
 
@@ -11878,11 +11854,7 @@
             </a:r>
             <a:r>
               <a:rPr lang="en-US" sz="1400" i="1"/>
-              <a:t>the</a:t>
-            </a:r>
-            <a:r>
-              <a:rPr lang="en-US" sz="1400" i="1"/>
-              <a:t>value</a:t>
+              <a:t>thevalue</a:t>
             </a:r>
             <a:r>
               <a:rPr lang="en-US" sz="1400"/>
@@ -12045,7 +12017,6 @@
               <a:rPr lang="en-US" sz="1400" i="1"/>
               <a:t>value</a:t>
             </a:r>
-            <a:endParaRPr lang="en-US" sz="1400" i="1"/>
           </a:p>
           <a:p>
             <a:pPr marL="0" indent="0">
@@ -12079,7 +12050,15 @@
             </a:r>
             <a:r>
               <a:rPr lang="en-US" sz="1400"/>
-              <a:t> error(what):</a:t>
+              <a:t> error(</a:t>
+            </a:r>
+            <a:r>
+              <a:rPr lang="en-US" sz="1400" i="1"/>
+              <a:t>what</a:t>
+            </a:r>
+            <a:r>
+              <a:rPr lang="en-US" sz="1400"/>
+              <a:t>):</a:t>
             </a:r>
           </a:p>
           <a:p>
@@ -12106,7 +12085,15 @@
             </a:r>
             <a:r>
               <a:rPr lang="en-US" sz="1400"/>
-              <a:t> + what)</a:t>
+              <a:t> + </a:t>
+            </a:r>
+            <a:r>
+              <a:rPr lang="en-US" sz="1400" i="1"/>
+              <a:t>what</a:t>
+            </a:r>
+            <a:r>
+              <a:rPr lang="en-US" sz="1400"/>
+              <a:t>)</a:t>
             </a:r>
           </a:p>
           <a:p>
@@ -12296,13 +12283,6 @@
   <p:clrMapOvr>
     <a:masterClrMapping/>
   </p:clrMapOvr>
-  <p:timing>
-    <p:tnLst>
-      <p:par>
-        <p:cTn id="1" dur="indefinite" restart="never" nodeType="tmRoot"/>
-      </p:par>
-    </p:tnLst>
-  </p:timing>
 </p:sld>
 </file>
 
@@ -12454,13 +12434,6 @@
   <p:clrMapOvr>
     <a:masterClrMapping/>
   </p:clrMapOvr>
-  <p:timing>
-    <p:tnLst>
-      <p:par>
-        <p:cTn id="1" dur="indefinite" restart="never" nodeType="tmRoot"/>
-      </p:par>
-    </p:tnLst>
-  </p:timing>
 </p:sld>
 </file>
 

--- a/ActonCompiler.pptx
+++ b/ActonCompiler.pptx
@@ -5,7 +5,7 @@
     <p:sldMasterId id="2147483648" r:id="rId1"/>
   </p:sldMasterIdLst>
   <p:notesMasterIdLst>
-    <p:notesMasterId r:id="rId9"/>
+    <p:notesMasterId r:id="rId18"/>
   </p:notesMasterIdLst>
   <p:sldIdLst>
     <p:sldId id="257" r:id="rId2"/>
@@ -15,6 +15,15 @@
     <p:sldId id="258" r:id="rId6"/>
     <p:sldId id="263" r:id="rId7"/>
     <p:sldId id="262" r:id="rId8"/>
+    <p:sldId id="264" r:id="rId9"/>
+    <p:sldId id="265" r:id="rId10"/>
+    <p:sldId id="270" r:id="rId11"/>
+    <p:sldId id="267" r:id="rId12"/>
+    <p:sldId id="268" r:id="rId13"/>
+    <p:sldId id="266" r:id="rId14"/>
+    <p:sldId id="269" r:id="rId15"/>
+    <p:sldId id="272" r:id="rId16"/>
+    <p:sldId id="273" r:id="rId17"/>
   </p:sldIdLst>
   <p:sldSz cx="12192000" cy="6858000"/>
   <p:notesSz cx="6858000" cy="9144000"/>
@@ -205,7 +214,7 @@
           </a:lstStyle>
           <a:p>
             <a:fld id="{6CC016DC-6D46-D44D-B143-CCF0FE0B50F7}" type="datetimeFigureOut">
-              <a:t>2020-04-01</a:t>
+              <a:t>2020-04-08</a:t>
             </a:fld>
             <a:endParaRPr lang="en-US"/>
           </a:p>
@@ -765,7 +774,7 @@
           <a:lstStyle/>
           <a:p>
             <a:fld id="{82CF4504-83CD-7C4C-A27D-DE3637908E76}" type="datetimeFigureOut">
-              <a:t>2020-04-01</a:t>
+              <a:t>2020-04-08</a:t>
             </a:fld>
             <a:endParaRPr lang="en-US"/>
           </a:p>
@@ -931,7 +940,7 @@
           <a:lstStyle/>
           <a:p>
             <a:fld id="{82CF4504-83CD-7C4C-A27D-DE3637908E76}" type="datetimeFigureOut">
-              <a:t>2020-04-01</a:t>
+              <a:t>2020-04-08</a:t>
             </a:fld>
             <a:endParaRPr lang="en-US"/>
           </a:p>
@@ -1107,7 +1116,7 @@
           <a:lstStyle/>
           <a:p>
             <a:fld id="{82CF4504-83CD-7C4C-A27D-DE3637908E76}" type="datetimeFigureOut">
-              <a:t>2020-04-01</a:t>
+              <a:t>2020-04-08</a:t>
             </a:fld>
             <a:endParaRPr lang="en-US"/>
           </a:p>
@@ -1273,7 +1282,7 @@
           <a:lstStyle/>
           <a:p>
             <a:fld id="{82CF4504-83CD-7C4C-A27D-DE3637908E76}" type="datetimeFigureOut">
-              <a:t>2020-04-01</a:t>
+              <a:t>2020-04-08</a:t>
             </a:fld>
             <a:endParaRPr lang="en-US"/>
           </a:p>
@@ -1516,7 +1525,7 @@
           <a:lstStyle/>
           <a:p>
             <a:fld id="{82CF4504-83CD-7C4C-A27D-DE3637908E76}" type="datetimeFigureOut">
-              <a:t>2020-04-01</a:t>
+              <a:t>2020-04-08</a:t>
             </a:fld>
             <a:endParaRPr lang="en-US"/>
           </a:p>
@@ -1743,7 +1752,7 @@
           <a:lstStyle/>
           <a:p>
             <a:fld id="{82CF4504-83CD-7C4C-A27D-DE3637908E76}" type="datetimeFigureOut">
-              <a:t>2020-04-01</a:t>
+              <a:t>2020-04-08</a:t>
             </a:fld>
             <a:endParaRPr lang="en-US"/>
           </a:p>
@@ -2105,7 +2114,7 @@
           <a:lstStyle/>
           <a:p>
             <a:fld id="{82CF4504-83CD-7C4C-A27D-DE3637908E76}" type="datetimeFigureOut">
-              <a:t>2020-04-01</a:t>
+              <a:t>2020-04-08</a:t>
             </a:fld>
             <a:endParaRPr lang="en-US"/>
           </a:p>
@@ -2220,7 +2229,7 @@
           <a:lstStyle/>
           <a:p>
             <a:fld id="{82CF4504-83CD-7C4C-A27D-DE3637908E76}" type="datetimeFigureOut">
-              <a:t>2020-04-01</a:t>
+              <a:t>2020-04-08</a:t>
             </a:fld>
             <a:endParaRPr lang="en-US"/>
           </a:p>
@@ -2313,7 +2322,7 @@
           <a:lstStyle/>
           <a:p>
             <a:fld id="{82CF4504-83CD-7C4C-A27D-DE3637908E76}" type="datetimeFigureOut">
-              <a:t>2020-04-01</a:t>
+              <a:t>2020-04-08</a:t>
             </a:fld>
             <a:endParaRPr lang="en-US"/>
           </a:p>
@@ -2586,7 +2595,7 @@
           <a:lstStyle/>
           <a:p>
             <a:fld id="{82CF4504-83CD-7C4C-A27D-DE3637908E76}" type="datetimeFigureOut">
-              <a:t>2020-04-01</a:t>
+              <a:t>2020-04-08</a:t>
             </a:fld>
             <a:endParaRPr lang="en-US"/>
           </a:p>
@@ -2836,7 +2845,7 @@
           <a:lstStyle/>
           <a:p>
             <a:fld id="{82CF4504-83CD-7C4C-A27D-DE3637908E76}" type="datetimeFigureOut">
-              <a:t>2020-04-01</a:t>
+              <a:t>2020-04-08</a:t>
             </a:fld>
             <a:endParaRPr lang="en-US"/>
           </a:p>
@@ -3045,7 +3054,7 @@
           </a:lstStyle>
           <a:p>
             <a:fld id="{82CF4504-83CD-7C4C-A27D-DE3637908E76}" type="datetimeFigureOut">
-              <a:t>2020-04-01</a:t>
+              <a:t>2020-04-08</a:t>
             </a:fld>
             <a:endParaRPr lang="en-US"/>
           </a:p>
@@ -4078,7 +4087,9 @@
           </a:xfrm>
         </p:spPr>
         <p:txBody>
-          <a:bodyPr/>
+          <a:bodyPr>
+            <a:normAutofit fontScale="90000"/>
+          </a:bodyPr>
           <a:lstStyle/>
           <a:p>
             <a:pPr algn="ctr"/>
@@ -6054,6 +6065,1088 @@
 </p:sld>
 </file>
 
+<file path=ppt/slides/slide10.xml><?xml version="1.0" encoding="utf-8"?>
+<p:sld xmlns:a="http://schemas.openxmlformats.org/drawingml/2006/main" xmlns:r="http://schemas.openxmlformats.org/officeDocument/2006/relationships" xmlns:p="http://schemas.openxmlformats.org/presentationml/2006/main">
+  <p:cSld>
+    <p:spTree>
+      <p:nvGrpSpPr>
+        <p:cNvPr id="1" name=""/>
+        <p:cNvGrpSpPr/>
+        <p:nvPr/>
+      </p:nvGrpSpPr>
+      <p:grpSpPr>
+        <a:xfrm>
+          <a:off x="0" y="0"/>
+          <a:ext cx="0" cy="0"/>
+          <a:chOff x="0" y="0"/>
+          <a:chExt cx="0" cy="0"/>
+        </a:xfrm>
+      </p:grpSpPr>
+      <p:sp>
+        <p:nvSpPr>
+          <p:cNvPr id="2" name="Title 1"/>
+          <p:cNvSpPr>
+            <a:spLocks noGrp="1"/>
+          </p:cNvSpPr>
+          <p:nvPr>
+            <p:ph type="title"/>
+          </p:nvPr>
+        </p:nvSpPr>
+        <p:spPr>
+          <a:xfrm>
+            <a:off x="838200" y="234497"/>
+            <a:ext cx="10515600" cy="589468"/>
+          </a:xfrm>
+        </p:spPr>
+        <p:txBody>
+          <a:bodyPr>
+            <a:normAutofit fontScale="90000"/>
+          </a:bodyPr>
+          <a:lstStyle/>
+          <a:p>
+            <a:pPr algn="ctr"/>
+            <a:r>
+              <a:rPr lang="en-US"/>
+              <a:t>Extension: overloading</a:t>
+            </a:r>
+          </a:p>
+        </p:txBody>
+      </p:sp>
+      <p:sp>
+        <p:nvSpPr>
+          <p:cNvPr id="3" name="Content Placeholder 2"/>
+          <p:cNvSpPr>
+            <a:spLocks noGrp="1"/>
+          </p:cNvSpPr>
+          <p:nvPr>
+            <p:ph idx="1"/>
+          </p:nvPr>
+        </p:nvSpPr>
+        <p:spPr>
+          <a:xfrm>
+            <a:off x="838200" y="1446963"/>
+            <a:ext cx="10958566" cy="5176540"/>
+          </a:xfrm>
+        </p:spPr>
+        <p:txBody>
+          <a:bodyPr/>
+          <a:lstStyle/>
+          <a:p>
+            <a:r>
+              <a:rPr lang="en-US"/>
+              <a:t>Also well studied: the theory of </a:t>
+            </a:r>
+            <a:r>
+              <a:rPr lang="en-US" i="1"/>
+              <a:t>qualified </a:t>
+            </a:r>
+            <a:r>
+              <a:rPr lang="en-US"/>
+              <a:t>types:</a:t>
+            </a:r>
+          </a:p>
+          <a:p>
+            <a:pPr lvl="1"/>
+            <a:r>
+              <a:rPr lang="en-US"/>
+              <a:t>Place types in named </a:t>
+            </a:r>
+            <a:r>
+              <a:rPr lang="en-US" i="1"/>
+              <a:t>type-classes </a:t>
+            </a:r>
+            <a:r>
+              <a:rPr lang="en-US"/>
+              <a:t>based on their overloaded operation support </a:t>
+            </a:r>
+            <a:r>
+              <a:rPr lang="en-US">
+                <a:latin typeface="+mj-lt"/>
+              </a:rPr>
+              <a:t>Eq, Number, ...</a:t>
+            </a:r>
+          </a:p>
+          <a:p>
+            <a:pPr lvl="1"/>
+            <a:r>
+              <a:rPr lang="en-US"/>
+              <a:t>When collecting constraints, also note what type classes variables must belong to</a:t>
+            </a:r>
+            <a:br>
+              <a:rPr lang="en-US"/>
+            </a:br>
+            <a:r>
+              <a:rPr lang="en-US">
+                <a:latin typeface="+mj-lt"/>
+              </a:rPr>
+              <a:t>A(Eq), B(Number), ...</a:t>
+            </a:r>
+          </a:p>
+          <a:p>
+            <a:pPr lvl="1"/>
+            <a:r>
+              <a:rPr lang="en-US"/>
+              <a:t>After solving the type equations, check that types don't end up in bad classes</a:t>
+            </a:r>
+            <a:br>
+              <a:rPr lang="en-US"/>
+            </a:br>
+            <a:r>
+              <a:rPr lang="en-US">
+                <a:latin typeface="+mj-lt"/>
+              </a:rPr>
+              <a:t>str(Number)</a:t>
+            </a:r>
+          </a:p>
+          <a:p>
+            <a:pPr lvl="1"/>
+            <a:r>
+              <a:rPr lang="en-US"/>
+              <a:t>Functions with type-classes that still contain variables are given extra parameters where overloaded operations are found at run-time</a:t>
+            </a:r>
+            <a:br>
+              <a:rPr lang="en-US"/>
+            </a:br>
+            <a:r>
+              <a:rPr lang="en-US">
+                <a:latin typeface="+mj-lt"/>
+              </a:rPr>
+              <a:t>[A(Eq)] =&gt; (A,list[A])-&gt;bool</a:t>
+            </a:r>
+          </a:p>
+          <a:p>
+            <a:r>
+              <a:rPr lang="en-US"/>
+              <a:t>Properties of inferred types:</a:t>
+            </a:r>
+          </a:p>
+          <a:p>
+            <a:pPr lvl="1"/>
+            <a:r>
+              <a:rPr lang="en-US"/>
+              <a:t>Still most general</a:t>
+            </a:r>
+          </a:p>
+          <a:p>
+            <a:pPr lvl="1"/>
+            <a:r>
+              <a:rPr lang="en-US"/>
+              <a:t>Sometimes bigger than specific alternatives, but limited by use of overloading</a:t>
+            </a:r>
+          </a:p>
+        </p:txBody>
+      </p:sp>
+    </p:spTree>
+    <p:extLst>
+      <p:ext uri="{BB962C8B-B14F-4D97-AF65-F5344CB8AC3E}">
+        <p14:creationId xmlns:p14="http://schemas.microsoft.com/office/powerpoint/2010/main" val="1463734832"/>
+      </p:ext>
+    </p:extLst>
+  </p:cSld>
+  <p:clrMapOvr>
+    <a:masterClrMapping/>
+  </p:clrMapOvr>
+</p:sld>
+</file>
+
+<file path=ppt/slides/slide11.xml><?xml version="1.0" encoding="utf-8"?>
+<p:sld xmlns:a="http://schemas.openxmlformats.org/drawingml/2006/main" xmlns:r="http://schemas.openxmlformats.org/officeDocument/2006/relationships" xmlns:p="http://schemas.openxmlformats.org/presentationml/2006/main">
+  <p:cSld>
+    <p:spTree>
+      <p:nvGrpSpPr>
+        <p:cNvPr id="1" name=""/>
+        <p:cNvGrpSpPr/>
+        <p:nvPr/>
+      </p:nvGrpSpPr>
+      <p:grpSpPr>
+        <a:xfrm>
+          <a:off x="0" y="0"/>
+          <a:ext cx="0" cy="0"/>
+          <a:chOff x="0" y="0"/>
+          <a:chExt cx="0" cy="0"/>
+        </a:xfrm>
+      </p:grpSpPr>
+      <p:sp>
+        <p:nvSpPr>
+          <p:cNvPr id="2" name="Title 1"/>
+          <p:cNvSpPr>
+            <a:spLocks noGrp="1"/>
+          </p:cNvSpPr>
+          <p:nvPr>
+            <p:ph type="title"/>
+          </p:nvPr>
+        </p:nvSpPr>
+        <p:spPr>
+          <a:xfrm>
+            <a:off x="838200" y="234497"/>
+            <a:ext cx="10515600" cy="589468"/>
+          </a:xfrm>
+        </p:spPr>
+        <p:txBody>
+          <a:bodyPr>
+            <a:normAutofit fontScale="90000"/>
+          </a:bodyPr>
+          <a:lstStyle/>
+          <a:p>
+            <a:pPr algn="ctr"/>
+            <a:r>
+              <a:rPr lang="en-US"/>
+              <a:t>Extension: subtyping</a:t>
+            </a:r>
+          </a:p>
+        </p:txBody>
+      </p:sp>
+      <p:sp>
+        <p:nvSpPr>
+          <p:cNvPr id="3" name="Content Placeholder 2"/>
+          <p:cNvSpPr>
+            <a:spLocks noGrp="1"/>
+          </p:cNvSpPr>
+          <p:nvPr>
+            <p:ph idx="1"/>
+          </p:nvPr>
+        </p:nvSpPr>
+        <p:spPr>
+          <a:xfrm>
+            <a:off x="838200" y="1446963"/>
+            <a:ext cx="10958566" cy="4730000"/>
+          </a:xfrm>
+        </p:spPr>
+        <p:txBody>
+          <a:bodyPr/>
+          <a:lstStyle/>
+          <a:p>
+            <a:r>
+              <a:rPr lang="en-US"/>
+              <a:t>Well-studied subject in theory, less practical applications</a:t>
+            </a:r>
+          </a:p>
+          <a:p>
+            <a:r>
+              <a:rPr lang="en-US"/>
+              <a:t>Approach:</a:t>
+            </a:r>
+          </a:p>
+          <a:p>
+            <a:pPr lvl="1"/>
+            <a:r>
+              <a:rPr lang="en-US"/>
+              <a:t>Order types hierarchically according to either declaration or structure:</a:t>
+            </a:r>
+            <a:br>
+              <a:rPr lang="en-US"/>
+            </a:br>
+            <a:r>
+              <a:rPr lang="en-US"/>
+              <a:t>nominal (</a:t>
+            </a:r>
+            <a:r>
+              <a:rPr lang="en-US">
+                <a:latin typeface="+mj-lt"/>
+              </a:rPr>
+              <a:t>Apple &lt; Fruit</a:t>
+            </a:r>
+            <a:r>
+              <a:rPr lang="en-US"/>
+              <a:t>) vs. structural subtyping (</a:t>
+            </a:r>
+            <a:r>
+              <a:rPr lang="en-US">
+                <a:latin typeface="+mj-lt"/>
+              </a:rPr>
+              <a:t>(x,y,z:int) &lt; (x,y:int)</a:t>
+            </a:r>
+            <a:r>
+              <a:rPr lang="en-US"/>
+              <a:t>)</a:t>
+            </a:r>
+          </a:p>
+          <a:p>
+            <a:pPr lvl="1"/>
+            <a:r>
+              <a:rPr lang="en-US"/>
+              <a:t>When collecting constraints, replace the equations by subtyping </a:t>
+            </a:r>
+            <a:r>
+              <a:rPr lang="en-US" i="1"/>
+              <a:t>inequalities</a:t>
+            </a:r>
+          </a:p>
+          <a:p>
+            <a:pPr lvl="1"/>
+            <a:r>
+              <a:rPr lang="en-US"/>
+              <a:t>Simplify the inequalities as much as possible</a:t>
+            </a:r>
+          </a:p>
+          <a:p>
+            <a:r>
+              <a:rPr lang="en-US"/>
+              <a:t>Properties:</a:t>
+            </a:r>
+          </a:p>
+          <a:p>
+            <a:pPr lvl="1"/>
+            <a:r>
+              <a:rPr lang="en-US"/>
+              <a:t>Inferred types are still most general, but</a:t>
+            </a:r>
+          </a:p>
+          <a:p>
+            <a:pPr lvl="1"/>
+            <a:r>
+              <a:rPr lang="en-US"/>
+              <a:t>the remaining inequality sets can often be as big as the programs they describe!</a:t>
+            </a:r>
+            <a:br>
+              <a:rPr lang="en-US"/>
+            </a:br>
+            <a:r>
+              <a:rPr lang="en-US">
+                <a:latin typeface="+mj-lt"/>
+              </a:rPr>
+              <a:t>lambda f,x: f(f(x))</a:t>
+            </a:r>
+            <a:r>
+              <a:rPr lang="en-US"/>
+              <a:t>  has type  </a:t>
+            </a:r>
+            <a:r>
+              <a:rPr lang="en-US">
+                <a:latin typeface="+mj-lt"/>
+              </a:rPr>
+              <a:t>[</a:t>
+            </a:r>
+            <a:r>
+              <a:rPr lang="en-GB">
+                <a:latin typeface="+mj-lt"/>
+              </a:rPr>
+              <a:t>B &lt; A, C &lt; A, B &lt; D] =&gt; ((A)-&gt;B, C) -&gt; D</a:t>
+            </a:r>
+          </a:p>
+        </p:txBody>
+      </p:sp>
+    </p:spTree>
+    <p:extLst>
+      <p:ext uri="{BB962C8B-B14F-4D97-AF65-F5344CB8AC3E}">
+        <p14:creationId xmlns:p14="http://schemas.microsoft.com/office/powerpoint/2010/main" val="1618385358"/>
+      </p:ext>
+    </p:extLst>
+  </p:cSld>
+  <p:clrMapOvr>
+    <a:masterClrMapping/>
+  </p:clrMapOvr>
+</p:sld>
+</file>
+
+<file path=ppt/slides/slide12.xml><?xml version="1.0" encoding="utf-8"?>
+<p:sld xmlns:a="http://schemas.openxmlformats.org/drawingml/2006/main" xmlns:r="http://schemas.openxmlformats.org/officeDocument/2006/relationships" xmlns:p="http://schemas.openxmlformats.org/presentationml/2006/main">
+  <p:cSld>
+    <p:spTree>
+      <p:nvGrpSpPr>
+        <p:cNvPr id="1" name=""/>
+        <p:cNvGrpSpPr/>
+        <p:nvPr/>
+      </p:nvGrpSpPr>
+      <p:grpSpPr>
+        <a:xfrm>
+          <a:off x="0" y="0"/>
+          <a:ext cx="0" cy="0"/>
+          <a:chOff x="0" y="0"/>
+          <a:chExt cx="0" cy="0"/>
+        </a:xfrm>
+      </p:grpSpPr>
+      <p:sp>
+        <p:nvSpPr>
+          <p:cNvPr id="2" name="Title 1"/>
+          <p:cNvSpPr>
+            <a:spLocks noGrp="1"/>
+          </p:cNvSpPr>
+          <p:nvPr>
+            <p:ph type="title"/>
+          </p:nvPr>
+        </p:nvSpPr>
+        <p:spPr>
+          <a:xfrm>
+            <a:off x="838200" y="234497"/>
+            <a:ext cx="10515600" cy="589468"/>
+          </a:xfrm>
+        </p:spPr>
+        <p:txBody>
+          <a:bodyPr>
+            <a:normAutofit fontScale="90000"/>
+          </a:bodyPr>
+          <a:lstStyle/>
+          <a:p>
+            <a:pPr algn="ctr"/>
+            <a:r>
+              <a:rPr lang="en-US"/>
+              <a:t>Extension: row polymorphism</a:t>
+            </a:r>
+          </a:p>
+        </p:txBody>
+      </p:sp>
+      <p:sp>
+        <p:nvSpPr>
+          <p:cNvPr id="3" name="Content Placeholder 2"/>
+          <p:cNvSpPr>
+            <a:spLocks noGrp="1"/>
+          </p:cNvSpPr>
+          <p:nvPr>
+            <p:ph idx="1"/>
+          </p:nvPr>
+        </p:nvSpPr>
+        <p:spPr>
+          <a:xfrm>
+            <a:off x="838200" y="1446963"/>
+            <a:ext cx="10958566" cy="4730000"/>
+          </a:xfrm>
+        </p:spPr>
+        <p:txBody>
+          <a:bodyPr/>
+          <a:lstStyle/>
+          <a:p>
+            <a:r>
+              <a:rPr lang="en-US"/>
+              <a:t>Alternative to subtyping that relies on type equations</a:t>
+            </a:r>
+          </a:p>
+          <a:p>
+            <a:r>
+              <a:rPr lang="en-US"/>
+              <a:t>Idea:</a:t>
+            </a:r>
+          </a:p>
+          <a:p>
+            <a:pPr lvl="1"/>
+            <a:r>
+              <a:rPr lang="en-US"/>
+              <a:t>Ask the programmer to mark where data with unknown extra fields ("subtypes") can be expected</a:t>
+            </a:r>
+          </a:p>
+          <a:p>
+            <a:pPr lvl="1"/>
+            <a:r>
+              <a:rPr lang="en-US"/>
+              <a:t>Assign special type variables to the unknown parts (rows) </a:t>
+            </a:r>
+            <a:r>
+              <a:rPr lang="en-US">
+                <a:latin typeface="+mj-lt"/>
+              </a:rPr>
+              <a:t>((x:int,*R), str) -&gt; bool</a:t>
+            </a:r>
+          </a:p>
+          <a:p>
+            <a:pPr lvl="1"/>
+            <a:r>
+              <a:rPr lang="en-US"/>
+              <a:t>Solve type equations as usual</a:t>
+            </a:r>
+          </a:p>
+          <a:p>
+            <a:r>
+              <a:rPr lang="en-US"/>
+              <a:t>Properties:</a:t>
+            </a:r>
+          </a:p>
+          <a:p>
+            <a:pPr lvl="1"/>
+            <a:r>
+              <a:rPr lang="en-US"/>
+              <a:t>Inferred general types are readable, although slightly more complex than before</a:t>
+            </a:r>
+          </a:p>
+          <a:p>
+            <a:pPr lvl="1"/>
+            <a:r>
+              <a:rPr lang="en-US"/>
+              <a:t>A bigger notational burden is put on the programmer</a:t>
+            </a:r>
+          </a:p>
+          <a:p>
+            <a:pPr lvl="1"/>
+            <a:r>
+              <a:rPr lang="en-US"/>
+              <a:t>The approach mimics structural subtyping, which is very different from common OO class systems but a good match for Python's tuple unpacking</a:t>
+            </a:r>
+          </a:p>
+        </p:txBody>
+      </p:sp>
+    </p:spTree>
+    <p:extLst>
+      <p:ext uri="{BB962C8B-B14F-4D97-AF65-F5344CB8AC3E}">
+        <p14:creationId xmlns:p14="http://schemas.microsoft.com/office/powerpoint/2010/main" val="2134293744"/>
+      </p:ext>
+    </p:extLst>
+  </p:cSld>
+  <p:clrMapOvr>
+    <a:masterClrMapping/>
+  </p:clrMapOvr>
+</p:sld>
+</file>
+
+<file path=ppt/slides/slide13.xml><?xml version="1.0" encoding="utf-8"?>
+<p:sld xmlns:a="http://schemas.openxmlformats.org/drawingml/2006/main" xmlns:r="http://schemas.openxmlformats.org/officeDocument/2006/relationships" xmlns:p="http://schemas.openxmlformats.org/presentationml/2006/main">
+  <p:cSld>
+    <p:spTree>
+      <p:nvGrpSpPr>
+        <p:cNvPr id="1" name=""/>
+        <p:cNvGrpSpPr/>
+        <p:nvPr/>
+      </p:nvGrpSpPr>
+      <p:grpSpPr>
+        <a:xfrm>
+          <a:off x="0" y="0"/>
+          <a:ext cx="0" cy="0"/>
+          <a:chOff x="0" y="0"/>
+          <a:chExt cx="0" cy="0"/>
+        </a:xfrm>
+      </p:grpSpPr>
+      <p:sp>
+        <p:nvSpPr>
+          <p:cNvPr id="2" name="Title 1"/>
+          <p:cNvSpPr>
+            <a:spLocks noGrp="1"/>
+          </p:cNvSpPr>
+          <p:nvPr>
+            <p:ph type="title"/>
+          </p:nvPr>
+        </p:nvSpPr>
+        <p:spPr>
+          <a:xfrm>
+            <a:off x="838200" y="234497"/>
+            <a:ext cx="10515600" cy="589468"/>
+          </a:xfrm>
+        </p:spPr>
+        <p:txBody>
+          <a:bodyPr>
+            <a:normAutofit fontScale="90000"/>
+          </a:bodyPr>
+          <a:lstStyle/>
+          <a:p>
+            <a:pPr algn="ctr"/>
+            <a:r>
+              <a:rPr lang="en-US"/>
+              <a:t>Extension: rank-N types</a:t>
+            </a:r>
+          </a:p>
+        </p:txBody>
+      </p:sp>
+      <p:sp>
+        <p:nvSpPr>
+          <p:cNvPr id="3" name="Content Placeholder 2"/>
+          <p:cNvSpPr>
+            <a:spLocks noGrp="1"/>
+          </p:cNvSpPr>
+          <p:nvPr>
+            <p:ph idx="1"/>
+          </p:nvPr>
+        </p:nvSpPr>
+        <p:spPr>
+          <a:xfrm>
+            <a:off x="838200" y="1446963"/>
+            <a:ext cx="11069548" cy="4730000"/>
+          </a:xfrm>
+        </p:spPr>
+        <p:txBody>
+          <a:bodyPr/>
+          <a:lstStyle/>
+          <a:p>
+            <a:r>
+              <a:rPr lang="en-US"/>
+              <a:t>Inferring type schemas for arbitrary variables (not just concrete functions)</a:t>
+            </a:r>
+          </a:p>
+          <a:p>
+            <a:r>
+              <a:rPr lang="en-US"/>
+              <a:t>Undecidable in general</a:t>
+            </a:r>
+          </a:p>
+          <a:p>
+            <a:r>
+              <a:rPr lang="en-US"/>
+              <a:t>Approximative approach:</a:t>
+            </a:r>
+          </a:p>
+          <a:p>
+            <a:pPr lvl="1"/>
+            <a:r>
+              <a:rPr lang="en-US"/>
+              <a:t>Have the programmer provide the desired type schemas as </a:t>
+            </a:r>
+            <a:r>
+              <a:rPr lang="en-US" i="1"/>
+              <a:t>type annotations</a:t>
+            </a:r>
+            <a:br>
+              <a:rPr lang="en-US" i="1"/>
+            </a:br>
+            <a:r>
+              <a:rPr lang="en-US">
+                <a:latin typeface="+mj-lt"/>
+              </a:rPr>
+              <a:t>(f </a:t>
+            </a:r>
+            <a:r>
+              <a:rPr lang="en-US">
+                <a:latin typeface="+mj-lt"/>
+                <a:sym typeface="Wingdings" pitchFamily="2" charset="2"/>
+              </a:rPr>
+              <a:t>: [A]=&gt;(A)-&gt;A, x:int, y:str) -&gt; bool</a:t>
+            </a:r>
+            <a:endParaRPr lang="en-US">
+              <a:latin typeface="+mj-lt"/>
+            </a:endParaRPr>
+          </a:p>
+          <a:p>
+            <a:pPr lvl="1"/>
+            <a:r>
+              <a:rPr lang="en-US"/>
+              <a:t>Include type schema compatibility (decidable) among the collected equations</a:t>
+            </a:r>
+          </a:p>
+          <a:p>
+            <a:r>
+              <a:rPr lang="en-US"/>
+              <a:t>Hindley/Milner properties are retained (for the given, schema-annotated programs)</a:t>
+            </a:r>
+          </a:p>
+        </p:txBody>
+      </p:sp>
+    </p:spTree>
+    <p:extLst>
+      <p:ext uri="{BB962C8B-B14F-4D97-AF65-F5344CB8AC3E}">
+        <p14:creationId xmlns:p14="http://schemas.microsoft.com/office/powerpoint/2010/main" val="1963036038"/>
+      </p:ext>
+    </p:extLst>
+  </p:cSld>
+  <p:clrMapOvr>
+    <a:masterClrMapping/>
+  </p:clrMapOvr>
+</p:sld>
+</file>
+
+<file path=ppt/slides/slide14.xml><?xml version="1.0" encoding="utf-8"?>
+<p:sld xmlns:a="http://schemas.openxmlformats.org/drawingml/2006/main" xmlns:r="http://schemas.openxmlformats.org/officeDocument/2006/relationships" xmlns:p="http://schemas.openxmlformats.org/presentationml/2006/main">
+  <p:cSld>
+    <p:spTree>
+      <p:nvGrpSpPr>
+        <p:cNvPr id="1" name=""/>
+        <p:cNvGrpSpPr/>
+        <p:nvPr/>
+      </p:nvGrpSpPr>
+      <p:grpSpPr>
+        <a:xfrm>
+          <a:off x="0" y="0"/>
+          <a:ext cx="0" cy="0"/>
+          <a:chOff x="0" y="0"/>
+          <a:chExt cx="0" cy="0"/>
+        </a:xfrm>
+      </p:grpSpPr>
+      <p:sp>
+        <p:nvSpPr>
+          <p:cNvPr id="2" name="Title 1"/>
+          <p:cNvSpPr>
+            <a:spLocks noGrp="1"/>
+          </p:cNvSpPr>
+          <p:nvPr>
+            <p:ph type="title"/>
+          </p:nvPr>
+        </p:nvSpPr>
+        <p:spPr>
+          <a:xfrm>
+            <a:off x="838200" y="234497"/>
+            <a:ext cx="10515600" cy="589468"/>
+          </a:xfrm>
+        </p:spPr>
+        <p:txBody>
+          <a:bodyPr>
+            <a:normAutofit fontScale="90000"/>
+          </a:bodyPr>
+          <a:lstStyle/>
+          <a:p>
+            <a:pPr algn="ctr"/>
+            <a:r>
+              <a:rPr lang="en-US"/>
+              <a:t>Approach taken in Acton</a:t>
+            </a:r>
+          </a:p>
+        </p:txBody>
+      </p:sp>
+      <p:sp>
+        <p:nvSpPr>
+          <p:cNvPr id="3" name="Content Placeholder 2"/>
+          <p:cNvSpPr>
+            <a:spLocks noGrp="1"/>
+          </p:cNvSpPr>
+          <p:nvPr>
+            <p:ph idx="1"/>
+          </p:nvPr>
+        </p:nvSpPr>
+        <p:spPr>
+          <a:xfrm>
+            <a:off x="838200" y="1446963"/>
+            <a:ext cx="10958566" cy="4730000"/>
+          </a:xfrm>
+        </p:spPr>
+        <p:txBody>
+          <a:bodyPr/>
+          <a:lstStyle/>
+          <a:p>
+            <a:r>
+              <a:rPr lang="en-US"/>
+              <a:t>Hindley/Milner + overloading (via </a:t>
+            </a:r>
+            <a:r>
+              <a:rPr lang="en-US" i="1"/>
+              <a:t>protocols</a:t>
+            </a:r>
+            <a:r>
+              <a:rPr lang="en-US"/>
+              <a:t>) + nominal subtyping</a:t>
+            </a:r>
+          </a:p>
+          <a:p>
+            <a:r>
+              <a:rPr lang="en-US"/>
+              <a:t>Subtype inequalities are </a:t>
+            </a:r>
+            <a:r>
+              <a:rPr lang="en-US" i="1"/>
+              <a:t>solved </a:t>
+            </a:r>
+            <a:r>
+              <a:rPr lang="en-US"/>
+              <a:t>instead of just simplified, sacrificing generality for readability</a:t>
+            </a:r>
+          </a:p>
+          <a:p>
+            <a:r>
+              <a:rPr lang="en-US"/>
+              <a:t>Row polymorphism is applied for tuples and function arguments</a:t>
+            </a:r>
+          </a:p>
+          <a:p>
+            <a:r>
+              <a:rPr lang="en-US"/>
+              <a:t>Must also infer the </a:t>
+            </a:r>
+            <a:r>
+              <a:rPr lang="en-US" i="1"/>
+              <a:t>effects </a:t>
+            </a:r>
+            <a:r>
+              <a:rPr lang="en-US"/>
+              <a:t>of a function </a:t>
+            </a:r>
+          </a:p>
+          <a:p>
+            <a:pPr lvl="1"/>
+            <a:r>
+              <a:rPr lang="en-US"/>
+              <a:t>pure</a:t>
+            </a:r>
+          </a:p>
+          <a:p>
+            <a:pPr lvl="1"/>
+            <a:r>
+              <a:rPr lang="en-US"/>
+              <a:t>mutating</a:t>
+            </a:r>
+          </a:p>
+          <a:p>
+            <a:pPr lvl="1"/>
+            <a:r>
+              <a:rPr lang="en-US"/>
+              <a:t>communicating</a:t>
+            </a:r>
+          </a:p>
+          <a:p>
+            <a:pPr lvl="1"/>
+            <a:r>
+              <a:rPr lang="en-US"/>
+              <a:t>...</a:t>
+            </a:r>
+          </a:p>
+        </p:txBody>
+      </p:sp>
+    </p:spTree>
+    <p:extLst>
+      <p:ext uri="{BB962C8B-B14F-4D97-AF65-F5344CB8AC3E}">
+        <p14:creationId xmlns:p14="http://schemas.microsoft.com/office/powerpoint/2010/main" val="691814602"/>
+      </p:ext>
+    </p:extLst>
+  </p:cSld>
+  <p:clrMapOvr>
+    <a:masterClrMapping/>
+  </p:clrMapOvr>
+</p:sld>
+</file>
+
+<file path=ppt/slides/slide15.xml><?xml version="1.0" encoding="utf-8"?>
+<p:sld xmlns:a="http://schemas.openxmlformats.org/drawingml/2006/main" xmlns:r="http://schemas.openxmlformats.org/officeDocument/2006/relationships" xmlns:p="http://schemas.openxmlformats.org/presentationml/2006/main">
+  <p:cSld>
+    <p:spTree>
+      <p:nvGrpSpPr>
+        <p:cNvPr id="1" name=""/>
+        <p:cNvGrpSpPr/>
+        <p:nvPr/>
+      </p:nvGrpSpPr>
+      <p:grpSpPr>
+        <a:xfrm>
+          <a:off x="0" y="0"/>
+          <a:ext cx="0" cy="0"/>
+          <a:chOff x="0" y="0"/>
+          <a:chExt cx="0" cy="0"/>
+        </a:xfrm>
+      </p:grpSpPr>
+      <p:sp>
+        <p:nvSpPr>
+          <p:cNvPr id="2" name="Title 1"/>
+          <p:cNvSpPr>
+            <a:spLocks noGrp="1"/>
+          </p:cNvSpPr>
+          <p:nvPr>
+            <p:ph type="title"/>
+          </p:nvPr>
+        </p:nvSpPr>
+        <p:spPr>
+          <a:xfrm>
+            <a:off x="838200" y="234497"/>
+            <a:ext cx="10515600" cy="589468"/>
+          </a:xfrm>
+        </p:spPr>
+        <p:txBody>
+          <a:bodyPr>
+            <a:normAutofit fontScale="90000"/>
+          </a:bodyPr>
+          <a:lstStyle/>
+          <a:p>
+            <a:pPr algn="ctr"/>
+            <a:r>
+              <a:rPr lang="en-US"/>
+              <a:t>An unfortunate detour...</a:t>
+            </a:r>
+          </a:p>
+        </p:txBody>
+      </p:sp>
+      <p:sp>
+        <p:nvSpPr>
+          <p:cNvPr id="3" name="Content Placeholder 2"/>
+          <p:cNvSpPr>
+            <a:spLocks noGrp="1"/>
+          </p:cNvSpPr>
+          <p:nvPr>
+            <p:ph idx="1"/>
+          </p:nvPr>
+        </p:nvSpPr>
+        <p:spPr>
+          <a:xfrm>
+            <a:off x="838200" y="1446963"/>
+            <a:ext cx="10958566" cy="4730000"/>
+          </a:xfrm>
+        </p:spPr>
+        <p:txBody>
+          <a:bodyPr/>
+          <a:lstStyle/>
+          <a:p>
+            <a:r>
+              <a:rPr lang="en-US"/>
+              <a:t>A very nice article shows how to do effect inference using </a:t>
+            </a:r>
+            <a:r>
+              <a:rPr lang="en-US" i="1"/>
+              <a:t>row polymorphism </a:t>
+            </a:r>
+            <a:r>
+              <a:rPr lang="en-US"/>
+              <a:t>(which we already have)</a:t>
+            </a:r>
+          </a:p>
+          <a:p>
+            <a:r>
+              <a:rPr lang="en-US"/>
+              <a:t>Slightly odd: the type of a function states what effect type the function's </a:t>
+            </a:r>
+            <a:r>
+              <a:rPr lang="en-US" i="1"/>
+              <a:t>caller </a:t>
+            </a:r>
+            <a:r>
+              <a:rPr lang="en-US"/>
+              <a:t>must have (using rows), not the effect of the function itself...</a:t>
+            </a:r>
+          </a:p>
+          <a:p>
+            <a:r>
+              <a:rPr lang="en-US"/>
+              <a:t>Consequence 1: to be callable from different effect contexts, a function </a:t>
+            </a:r>
+            <a:r>
+              <a:rPr lang="en-US" i="1"/>
+              <a:t>must </a:t>
+            </a:r>
+            <a:r>
+              <a:rPr lang="en-US"/>
+              <a:t>have a polymorphic type schema</a:t>
+            </a:r>
+          </a:p>
+          <a:p>
+            <a:r>
+              <a:rPr lang="en-US"/>
+              <a:t>Consequence 2: passing such functions around, or packing them up within classes, requires rank-N types!</a:t>
+            </a:r>
+          </a:p>
+          <a:p>
+            <a:r>
+              <a:rPr lang="en-US"/>
+              <a:t>But we don't want to require type annotations all over!!!   ???</a:t>
+            </a:r>
+          </a:p>
+        </p:txBody>
+      </p:sp>
+    </p:spTree>
+    <p:extLst>
+      <p:ext uri="{BB962C8B-B14F-4D97-AF65-F5344CB8AC3E}">
+        <p14:creationId xmlns:p14="http://schemas.microsoft.com/office/powerpoint/2010/main" val="337000099"/>
+      </p:ext>
+    </p:extLst>
+  </p:cSld>
+  <p:clrMapOvr>
+    <a:masterClrMapping/>
+  </p:clrMapOvr>
+</p:sld>
+</file>
+
+<file path=ppt/slides/slide16.xml><?xml version="1.0" encoding="utf-8"?>
+<p:sld xmlns:a="http://schemas.openxmlformats.org/drawingml/2006/main" xmlns:r="http://schemas.openxmlformats.org/officeDocument/2006/relationships" xmlns:p="http://schemas.openxmlformats.org/presentationml/2006/main">
+  <p:cSld>
+    <p:spTree>
+      <p:nvGrpSpPr>
+        <p:cNvPr id="1" name=""/>
+        <p:cNvGrpSpPr/>
+        <p:nvPr/>
+      </p:nvGrpSpPr>
+      <p:grpSpPr>
+        <a:xfrm>
+          <a:off x="0" y="0"/>
+          <a:ext cx="0" cy="0"/>
+          <a:chOff x="0" y="0"/>
+          <a:chExt cx="0" cy="0"/>
+        </a:xfrm>
+      </p:grpSpPr>
+      <p:sp>
+        <p:nvSpPr>
+          <p:cNvPr id="2" name="Title 1"/>
+          <p:cNvSpPr>
+            <a:spLocks noGrp="1"/>
+          </p:cNvSpPr>
+          <p:nvPr>
+            <p:ph type="title"/>
+          </p:nvPr>
+        </p:nvSpPr>
+        <p:spPr>
+          <a:xfrm>
+            <a:off x="838200" y="234497"/>
+            <a:ext cx="10515600" cy="589468"/>
+          </a:xfrm>
+        </p:spPr>
+        <p:txBody>
+          <a:bodyPr>
+            <a:normAutofit fontScale="90000"/>
+          </a:bodyPr>
+          <a:lstStyle/>
+          <a:p>
+            <a:pPr algn="ctr"/>
+            <a:r>
+              <a:rPr lang="en-US"/>
+              <a:t>Recent realization</a:t>
+            </a:r>
+          </a:p>
+        </p:txBody>
+      </p:sp>
+      <p:sp>
+        <p:nvSpPr>
+          <p:cNvPr id="3" name="Content Placeholder 2"/>
+          <p:cNvSpPr>
+            <a:spLocks noGrp="1"/>
+          </p:cNvSpPr>
+          <p:nvPr>
+            <p:ph idx="1"/>
+          </p:nvPr>
+        </p:nvSpPr>
+        <p:spPr>
+          <a:xfrm>
+            <a:off x="838200" y="1446963"/>
+            <a:ext cx="10958566" cy="4730000"/>
+          </a:xfrm>
+        </p:spPr>
+        <p:txBody>
+          <a:bodyPr/>
+          <a:lstStyle/>
+          <a:p>
+            <a:r>
+              <a:rPr lang="en-US"/>
+              <a:t>We can't base effect inference on row polymorphism</a:t>
+            </a:r>
+          </a:p>
+          <a:p>
+            <a:r>
+              <a:rPr lang="en-US"/>
+              <a:t>Back to basics: Acton now does effect inference via subtyping:</a:t>
+            </a:r>
+          </a:p>
+          <a:p>
+            <a:pPr lvl="1"/>
+            <a:r>
+              <a:rPr lang="en-US">
+                <a:latin typeface="+mj-lt"/>
+              </a:rPr>
+              <a:t>pure &lt; mut</a:t>
+            </a:r>
+          </a:p>
+          <a:p>
+            <a:pPr lvl="1"/>
+            <a:r>
+              <a:rPr lang="en-US">
+                <a:latin typeface="+mj-lt"/>
+              </a:rPr>
+              <a:t>mut &lt; act</a:t>
+            </a:r>
+          </a:p>
+          <a:p>
+            <a:r>
+              <a:rPr lang="en-US"/>
+              <a:t>Rank-N types are gone for now, enabling a big type system clean-up! </a:t>
+            </a:r>
+            <a:r>
+              <a:rPr lang="en-US">
+                <a:sym typeface="Wingdings" pitchFamily="2" charset="2"/>
+              </a:rPr>
+              <a:t></a:t>
+            </a:r>
+            <a:endParaRPr lang="en-US"/>
+          </a:p>
+          <a:p>
+            <a:endParaRPr lang="en-US"/>
+          </a:p>
+        </p:txBody>
+      </p:sp>
+    </p:spTree>
+    <p:extLst>
+      <p:ext uri="{BB962C8B-B14F-4D97-AF65-F5344CB8AC3E}">
+        <p14:creationId xmlns:p14="http://schemas.microsoft.com/office/powerpoint/2010/main" val="1124674060"/>
+      </p:ext>
+    </p:extLst>
+  </p:cSld>
+  <p:clrMapOvr>
+    <a:masterClrMapping/>
+  </p:clrMapOvr>
+</p:sld>
+</file>
+
 <file path=ppt/slides/slide2.xml><?xml version="1.0" encoding="utf-8"?>
 <p:sld xmlns:a="http://schemas.openxmlformats.org/drawingml/2006/main" xmlns:r="http://schemas.openxmlformats.org/officeDocument/2006/relationships" xmlns:p="http://schemas.openxmlformats.org/presentationml/2006/main">
   <p:cSld>
@@ -6088,7 +7181,9 @@
           </a:xfrm>
         </p:spPr>
         <p:txBody>
-          <a:bodyPr/>
+          <a:bodyPr>
+            <a:normAutofit fontScale="90000"/>
+          </a:bodyPr>
           <a:lstStyle/>
           <a:p>
             <a:pPr algn="ctr"/>
@@ -6249,7 +7344,9 @@
           </a:xfrm>
         </p:spPr>
         <p:txBody>
-          <a:bodyPr/>
+          <a:bodyPr>
+            <a:normAutofit fontScale="90000"/>
+          </a:bodyPr>
           <a:lstStyle/>
           <a:p>
             <a:pPr algn="ctr"/>
@@ -7036,7 +8133,9 @@
           </a:xfrm>
         </p:spPr>
         <p:txBody>
-          <a:bodyPr/>
+          <a:bodyPr>
+            <a:normAutofit fontScale="90000"/>
+          </a:bodyPr>
           <a:lstStyle/>
           <a:p>
             <a:pPr algn="ctr"/>
@@ -10670,7 +11769,9 @@
           </a:xfrm>
         </p:spPr>
         <p:txBody>
-          <a:bodyPr/>
+          <a:bodyPr>
+            <a:normAutofit fontScale="90000"/>
+          </a:bodyPr>
           <a:lstStyle/>
           <a:p>
             <a:pPr algn="ctr"/>
@@ -12166,7 +13267,9 @@
           </a:xfrm>
         </p:spPr>
         <p:txBody>
-          <a:bodyPr/>
+          <a:bodyPr>
+            <a:normAutofit fontScale="90000"/>
+          </a:bodyPr>
           <a:lstStyle/>
           <a:p>
             <a:pPr algn="ctr"/>
@@ -12320,7 +13423,9 @@
           </a:xfrm>
         </p:spPr>
         <p:txBody>
-          <a:bodyPr/>
+          <a:bodyPr>
+            <a:normAutofit fontScale="90000"/>
+          </a:bodyPr>
           <a:lstStyle/>
           <a:p>
             <a:pPr algn="ctr"/>
@@ -12428,6 +13533,324 @@
     <p:extLst>
       <p:ext uri="{BB962C8B-B14F-4D97-AF65-F5344CB8AC3E}">
         <p14:creationId xmlns:p14="http://schemas.microsoft.com/office/powerpoint/2010/main" val="327264853"/>
+      </p:ext>
+    </p:extLst>
+  </p:cSld>
+  <p:clrMapOvr>
+    <a:masterClrMapping/>
+  </p:clrMapOvr>
+</p:sld>
+</file>
+
+<file path=ppt/slides/slide8.xml><?xml version="1.0" encoding="utf-8"?>
+<p:sld xmlns:a="http://schemas.openxmlformats.org/drawingml/2006/main" xmlns:r="http://schemas.openxmlformats.org/officeDocument/2006/relationships" xmlns:p="http://schemas.openxmlformats.org/presentationml/2006/main">
+  <p:cSld>
+    <p:spTree>
+      <p:nvGrpSpPr>
+        <p:cNvPr id="1" name=""/>
+        <p:cNvGrpSpPr/>
+        <p:nvPr/>
+      </p:nvGrpSpPr>
+      <p:grpSpPr>
+        <a:xfrm>
+          <a:off x="0" y="0"/>
+          <a:ext cx="0" cy="0"/>
+          <a:chOff x="0" y="0"/>
+          <a:chExt cx="0" cy="0"/>
+        </a:xfrm>
+      </p:grpSpPr>
+      <p:sp>
+        <p:nvSpPr>
+          <p:cNvPr id="2" name="Title 1"/>
+          <p:cNvSpPr>
+            <a:spLocks noGrp="1"/>
+          </p:cNvSpPr>
+          <p:nvPr>
+            <p:ph type="title"/>
+          </p:nvPr>
+        </p:nvSpPr>
+        <p:spPr>
+          <a:xfrm>
+            <a:off x="838200" y="234497"/>
+            <a:ext cx="10515600" cy="589468"/>
+          </a:xfrm>
+        </p:spPr>
+        <p:txBody>
+          <a:bodyPr>
+            <a:normAutofit fontScale="90000"/>
+          </a:bodyPr>
+          <a:lstStyle/>
+          <a:p>
+            <a:pPr algn="ctr"/>
+            <a:r>
+              <a:rPr lang="en-US"/>
+              <a:t>The type-checker</a:t>
+            </a:r>
+          </a:p>
+        </p:txBody>
+      </p:sp>
+      <p:sp>
+        <p:nvSpPr>
+          <p:cNvPr id="3" name="Content Placeholder 2"/>
+          <p:cNvSpPr>
+            <a:spLocks noGrp="1"/>
+          </p:cNvSpPr>
+          <p:nvPr>
+            <p:ph idx="1"/>
+          </p:nvPr>
+        </p:nvSpPr>
+        <p:spPr>
+          <a:xfrm>
+            <a:off x="838200" y="1446963"/>
+            <a:ext cx="10958566" cy="4730000"/>
+          </a:xfrm>
+        </p:spPr>
+        <p:txBody>
+          <a:bodyPr/>
+          <a:lstStyle/>
+          <a:p>
+            <a:r>
+              <a:rPr lang="en-US"/>
+              <a:t>Says yes/no to programs (filters out the inconsistent ones)</a:t>
+            </a:r>
+          </a:p>
+          <a:p>
+            <a:r>
+              <a:rPr lang="en-US"/>
+              <a:t>Provides essential memory layout info to the code generator</a:t>
+            </a:r>
+          </a:p>
+          <a:p>
+            <a:r>
+              <a:rPr lang="en-US"/>
+              <a:t>Computes some crucial info not present in the original programs:</a:t>
+            </a:r>
+          </a:p>
+          <a:p>
+            <a:pPr lvl="1"/>
+            <a:r>
+              <a:rPr lang="en-US"/>
+              <a:t>Function argument names/positions</a:t>
+            </a:r>
+          </a:p>
+          <a:p>
+            <a:pPr lvl="1"/>
+            <a:r>
+              <a:rPr lang="en-US"/>
+              <a:t>What versions of overloaded functions to call</a:t>
+            </a:r>
+          </a:p>
+          <a:p>
+            <a:pPr lvl="1"/>
+            <a:r>
+              <a:rPr lang="en-US"/>
+              <a:t>Extra parameters and arguments for resolving overloading</a:t>
+            </a:r>
+          </a:p>
+          <a:p>
+            <a:pPr lvl="1"/>
+            <a:r>
+              <a:rPr lang="en-US"/>
+              <a:t>Where to make the RTS "async" calls</a:t>
+            </a:r>
+          </a:p>
+          <a:p>
+            <a:endParaRPr lang="en-US"/>
+          </a:p>
+          <a:p>
+            <a:r>
+              <a:rPr lang="en-US"/>
+              <a:t>Bottom line: the type-checker can't just be bypassed, it needs to work</a:t>
+            </a:r>
+          </a:p>
+        </p:txBody>
+      </p:sp>
+    </p:spTree>
+    <p:extLst>
+      <p:ext uri="{BB962C8B-B14F-4D97-AF65-F5344CB8AC3E}">
+        <p14:creationId xmlns:p14="http://schemas.microsoft.com/office/powerpoint/2010/main" val="583570260"/>
+      </p:ext>
+    </p:extLst>
+  </p:cSld>
+  <p:clrMapOvr>
+    <a:masterClrMapping/>
+  </p:clrMapOvr>
+</p:sld>
+</file>
+
+<file path=ppt/slides/slide9.xml><?xml version="1.0" encoding="utf-8"?>
+<p:sld xmlns:a="http://schemas.openxmlformats.org/drawingml/2006/main" xmlns:r="http://schemas.openxmlformats.org/officeDocument/2006/relationships" xmlns:p="http://schemas.openxmlformats.org/presentationml/2006/main">
+  <p:cSld>
+    <p:spTree>
+      <p:nvGrpSpPr>
+        <p:cNvPr id="1" name=""/>
+        <p:cNvGrpSpPr/>
+        <p:nvPr/>
+      </p:nvGrpSpPr>
+      <p:grpSpPr>
+        <a:xfrm>
+          <a:off x="0" y="0"/>
+          <a:ext cx="0" cy="0"/>
+          <a:chOff x="0" y="0"/>
+          <a:chExt cx="0" cy="0"/>
+        </a:xfrm>
+      </p:grpSpPr>
+      <p:sp>
+        <p:nvSpPr>
+          <p:cNvPr id="2" name="Title 1"/>
+          <p:cNvSpPr>
+            <a:spLocks noGrp="1"/>
+          </p:cNvSpPr>
+          <p:nvPr>
+            <p:ph type="title"/>
+          </p:nvPr>
+        </p:nvSpPr>
+        <p:spPr>
+          <a:xfrm>
+            <a:off x="838200" y="234497"/>
+            <a:ext cx="10515600" cy="589468"/>
+          </a:xfrm>
+        </p:spPr>
+        <p:txBody>
+          <a:bodyPr>
+            <a:normAutofit fontScale="90000"/>
+          </a:bodyPr>
+          <a:lstStyle/>
+          <a:p>
+            <a:pPr algn="ctr"/>
+            <a:r>
+              <a:rPr lang="en-US"/>
+              <a:t>Type inference</a:t>
+            </a:r>
+          </a:p>
+        </p:txBody>
+      </p:sp>
+      <p:sp>
+        <p:nvSpPr>
+          <p:cNvPr id="3" name="Content Placeholder 2"/>
+          <p:cNvSpPr>
+            <a:spLocks noGrp="1"/>
+          </p:cNvSpPr>
+          <p:nvPr>
+            <p:ph idx="1"/>
+          </p:nvPr>
+        </p:nvSpPr>
+        <p:spPr>
+          <a:xfrm>
+            <a:off x="838200" y="1446963"/>
+            <a:ext cx="10958566" cy="5176540"/>
+          </a:xfrm>
+        </p:spPr>
+        <p:txBody>
+          <a:bodyPr/>
+          <a:lstStyle/>
+          <a:p>
+            <a:r>
+              <a:rPr lang="en-US"/>
+              <a:t>Well understood technique at the core: the Hindley/Milner system</a:t>
+            </a:r>
+          </a:p>
+          <a:p>
+            <a:r>
+              <a:rPr lang="en-US"/>
+              <a:t>Basically:</a:t>
+            </a:r>
+          </a:p>
+          <a:p>
+            <a:pPr lvl="1"/>
+            <a:r>
+              <a:rPr lang="en-US"/>
+              <a:t>Assign a unique type variable to every variable and expression in a program </a:t>
+            </a:r>
+            <a:r>
+              <a:rPr lang="en-US">
+                <a:latin typeface="+mj-lt"/>
+              </a:rPr>
+              <a:t>(A,B)</a:t>
+            </a:r>
+          </a:p>
+          <a:p>
+            <a:pPr lvl="1"/>
+            <a:r>
+              <a:rPr lang="en-US"/>
+              <a:t>Assign a built-in type to every literal or built-in data constructor </a:t>
+            </a:r>
+            <a:r>
+              <a:rPr lang="en-US">
+                <a:latin typeface="+mj-lt"/>
+              </a:rPr>
+              <a:t>(int, str, list[])</a:t>
+            </a:r>
+          </a:p>
+          <a:p>
+            <a:pPr lvl="1"/>
+            <a:r>
+              <a:rPr lang="en-US"/>
+              <a:t>Traverse the program and collect equations relating types that must be equal</a:t>
+            </a:r>
+            <a:br>
+              <a:rPr lang="en-US"/>
+            </a:br>
+            <a:r>
+              <a:rPr lang="en-US">
+                <a:latin typeface="+mj-lt"/>
+              </a:rPr>
+              <a:t>A ~ int, (str,bool)-&gt;A ~ F</a:t>
+            </a:r>
+          </a:p>
+          <a:p>
+            <a:pPr lvl="1"/>
+            <a:r>
+              <a:rPr lang="en-US"/>
+              <a:t>Solve the equations</a:t>
+            </a:r>
+          </a:p>
+          <a:p>
+            <a:pPr lvl="1"/>
+            <a:r>
+              <a:rPr lang="en-US"/>
+              <a:t>Turn function types that still contain free variables into generic type </a:t>
+            </a:r>
+            <a:r>
+              <a:rPr lang="en-US" i="1"/>
+              <a:t>schemas</a:t>
+            </a:r>
+            <a:br>
+              <a:rPr lang="en-US" i="1"/>
+            </a:br>
+            <a:r>
+              <a:rPr lang="en-US">
+                <a:latin typeface="+mj-lt"/>
+              </a:rPr>
+              <a:t>[A] =&gt; (A,list[A])-&gt;bool</a:t>
+            </a:r>
+          </a:p>
+          <a:p>
+            <a:r>
+              <a:rPr lang="en-US"/>
+              <a:t>Core property: inferred types are both</a:t>
+            </a:r>
+          </a:p>
+          <a:p>
+            <a:pPr lvl="1"/>
+            <a:r>
+              <a:rPr lang="en-US"/>
+              <a:t>As general as possible</a:t>
+            </a:r>
+          </a:p>
+          <a:p>
+            <a:pPr lvl="1"/>
+            <a:r>
+              <a:rPr lang="en-US"/>
+              <a:t>As small as possible</a:t>
+            </a:r>
+          </a:p>
+        </p:txBody>
+      </p:sp>
+    </p:spTree>
+    <p:extLst>
+      <p:ext uri="{BB962C8B-B14F-4D97-AF65-F5344CB8AC3E}">
+        <p14:creationId xmlns:p14="http://schemas.microsoft.com/office/powerpoint/2010/main" val="3657655303"/>
       </p:ext>
     </p:extLst>
   </p:cSld>

--- a/ActonCompiler.pptx
+++ b/ActonCompiler.pptx
@@ -214,7 +214,7 @@
           </a:lstStyle>
           <a:p>
             <a:fld id="{6CC016DC-6D46-D44D-B143-CCF0FE0B50F7}" type="datetimeFigureOut">
-              <a:t>2020-04-08</a:t>
+              <a:t>2020-05-13</a:t>
             </a:fld>
             <a:endParaRPr lang="en-US"/>
           </a:p>
@@ -774,7 +774,7 @@
           <a:lstStyle/>
           <a:p>
             <a:fld id="{82CF4504-83CD-7C4C-A27D-DE3637908E76}" type="datetimeFigureOut">
-              <a:t>2020-04-08</a:t>
+              <a:t>2020-05-13</a:t>
             </a:fld>
             <a:endParaRPr lang="en-US"/>
           </a:p>
@@ -940,7 +940,7 @@
           <a:lstStyle/>
           <a:p>
             <a:fld id="{82CF4504-83CD-7C4C-A27D-DE3637908E76}" type="datetimeFigureOut">
-              <a:t>2020-04-08</a:t>
+              <a:t>2020-05-13</a:t>
             </a:fld>
             <a:endParaRPr lang="en-US"/>
           </a:p>
@@ -1116,7 +1116,7 @@
           <a:lstStyle/>
           <a:p>
             <a:fld id="{82CF4504-83CD-7C4C-A27D-DE3637908E76}" type="datetimeFigureOut">
-              <a:t>2020-04-08</a:t>
+              <a:t>2020-05-13</a:t>
             </a:fld>
             <a:endParaRPr lang="en-US"/>
           </a:p>
@@ -1282,7 +1282,7 @@
           <a:lstStyle/>
           <a:p>
             <a:fld id="{82CF4504-83CD-7C4C-A27D-DE3637908E76}" type="datetimeFigureOut">
-              <a:t>2020-04-08</a:t>
+              <a:t>2020-05-13</a:t>
             </a:fld>
             <a:endParaRPr lang="en-US"/>
           </a:p>
@@ -1525,7 +1525,7 @@
           <a:lstStyle/>
           <a:p>
             <a:fld id="{82CF4504-83CD-7C4C-A27D-DE3637908E76}" type="datetimeFigureOut">
-              <a:t>2020-04-08</a:t>
+              <a:t>2020-05-13</a:t>
             </a:fld>
             <a:endParaRPr lang="en-US"/>
           </a:p>
@@ -1752,7 +1752,7 @@
           <a:lstStyle/>
           <a:p>
             <a:fld id="{82CF4504-83CD-7C4C-A27D-DE3637908E76}" type="datetimeFigureOut">
-              <a:t>2020-04-08</a:t>
+              <a:t>2020-05-13</a:t>
             </a:fld>
             <a:endParaRPr lang="en-US"/>
           </a:p>
@@ -2114,7 +2114,7 @@
           <a:lstStyle/>
           <a:p>
             <a:fld id="{82CF4504-83CD-7C4C-A27D-DE3637908E76}" type="datetimeFigureOut">
-              <a:t>2020-04-08</a:t>
+              <a:t>2020-05-13</a:t>
             </a:fld>
             <a:endParaRPr lang="en-US"/>
           </a:p>
@@ -2229,7 +2229,7 @@
           <a:lstStyle/>
           <a:p>
             <a:fld id="{82CF4504-83CD-7C4C-A27D-DE3637908E76}" type="datetimeFigureOut">
-              <a:t>2020-04-08</a:t>
+              <a:t>2020-05-13</a:t>
             </a:fld>
             <a:endParaRPr lang="en-US"/>
           </a:p>
@@ -2322,7 +2322,7 @@
           <a:lstStyle/>
           <a:p>
             <a:fld id="{82CF4504-83CD-7C4C-A27D-DE3637908E76}" type="datetimeFigureOut">
-              <a:t>2020-04-08</a:t>
+              <a:t>2020-05-13</a:t>
             </a:fld>
             <a:endParaRPr lang="en-US"/>
           </a:p>
@@ -2595,7 +2595,7 @@
           <a:lstStyle/>
           <a:p>
             <a:fld id="{82CF4504-83CD-7C4C-A27D-DE3637908E76}" type="datetimeFigureOut">
-              <a:t>2020-04-08</a:t>
+              <a:t>2020-05-13</a:t>
             </a:fld>
             <a:endParaRPr lang="en-US"/>
           </a:p>
@@ -2845,7 +2845,7 @@
           <a:lstStyle/>
           <a:p>
             <a:fld id="{82CF4504-83CD-7C4C-A27D-DE3637908E76}" type="datetimeFigureOut">
-              <a:t>2020-04-08</a:t>
+              <a:t>2020-05-13</a:t>
             </a:fld>
             <a:endParaRPr lang="en-US"/>
           </a:p>
@@ -3054,7 +3054,7 @@
           </a:lstStyle>
           <a:p>
             <a:fld id="{82CF4504-83CD-7C4C-A27D-DE3637908E76}" type="datetimeFigureOut">
-              <a:t>2020-04-08</a:t>
+              <a:t>2020-05-13</a:t>
             </a:fld>
             <a:endParaRPr lang="en-US"/>
           </a:p>
@@ -13652,6 +13652,13 @@
             <a:r>
               <a:rPr lang="en-US"/>
               <a:t>Where to make the RTS "async" calls</a:t>
+            </a:r>
+          </a:p>
+          <a:p>
+            <a:pPr lvl="1"/>
+            <a:r>
+              <a:rPr lang="en-US"/>
+              <a:t>Which functions that need CPS conversion</a:t>
             </a:r>
           </a:p>
           <a:p>
